--- a/BEST PRACTICES OF SOTWARE CONFIGURATION MANAGEMENT.pptx
+++ b/BEST PRACTICES OF SOTWARE CONFIGURATION MANAGEMENT.pptx
@@ -2,30 +2,29 @@
 <file path=ppt/presentation.xml><?xml version="1.0" encoding="utf-8"?>
 <p:presentation xmlns:a="http://schemas.openxmlformats.org/drawingml/2006/main" xmlns:r="http://schemas.openxmlformats.org/officeDocument/2006/relationships" xmlns:p="http://schemas.openxmlformats.org/presentationml/2006/main" saveSubsetFonts="1">
   <p:sldMasterIdLst>
-    <p:sldMasterId id="2147483648" r:id="rId1"/>
+    <p:sldMasterId id="2147483786" r:id="rId1"/>
   </p:sldMasterIdLst>
   <p:sldIdLst>
     <p:sldId id="256" r:id="rId2"/>
     <p:sldId id="257" r:id="rId3"/>
     <p:sldId id="258" r:id="rId4"/>
     <p:sldId id="260" r:id="rId5"/>
-    <p:sldId id="266" r:id="rId6"/>
-    <p:sldId id="263" r:id="rId7"/>
-    <p:sldId id="267" r:id="rId8"/>
-    <p:sldId id="268" r:id="rId9"/>
-    <p:sldId id="269" r:id="rId10"/>
-    <p:sldId id="271" r:id="rId11"/>
-    <p:sldId id="270" r:id="rId12"/>
-    <p:sldId id="273" r:id="rId13"/>
-    <p:sldId id="281" r:id="rId14"/>
-    <p:sldId id="282" r:id="rId15"/>
-    <p:sldId id="274" r:id="rId16"/>
-    <p:sldId id="275" r:id="rId17"/>
-    <p:sldId id="278" r:id="rId18"/>
-    <p:sldId id="277" r:id="rId19"/>
-    <p:sldId id="280" r:id="rId20"/>
-    <p:sldId id="279" r:id="rId21"/>
-    <p:sldId id="276" r:id="rId22"/>
+    <p:sldId id="288" r:id="rId6"/>
+    <p:sldId id="289" r:id="rId7"/>
+    <p:sldId id="263" r:id="rId8"/>
+    <p:sldId id="267" r:id="rId9"/>
+    <p:sldId id="286" r:id="rId10"/>
+    <p:sldId id="268" r:id="rId11"/>
+    <p:sldId id="269" r:id="rId12"/>
+    <p:sldId id="271" r:id="rId13"/>
+    <p:sldId id="270" r:id="rId14"/>
+    <p:sldId id="273" r:id="rId15"/>
+    <p:sldId id="281" r:id="rId16"/>
+    <p:sldId id="282" r:id="rId17"/>
+    <p:sldId id="274" r:id="rId18"/>
+    <p:sldId id="275" r:id="rId19"/>
+    <p:sldId id="287" r:id="rId20"/>
+    <p:sldId id="276" r:id="rId21"/>
   </p:sldIdLst>
   <p:sldSz cx="9144000" cy="6858000" type="screen4x3"/>
   <p:notesSz cx="6858000" cy="9144000"/>
@@ -124,6 +123,22 @@
       </a:defRPr>
     </a:lvl9pPr>
   </p:defaultTextStyle>
+  <p:extLst>
+    <p:ext uri="{EFAFB233-063F-42B5-8137-9DF3F51BA10A}">
+      <p15:sldGuideLst xmlns:p15="http://schemas.microsoft.com/office/powerpoint/2012/main">
+        <p15:guide id="1" orient="horz" pos="2160">
+          <p15:clr>
+            <a:srgbClr val="A4A3A4"/>
+          </p15:clr>
+        </p15:guide>
+        <p15:guide id="2" pos="2880">
+          <p15:clr>
+            <a:srgbClr val="A4A3A4"/>
+          </p15:clr>
+        </p15:guide>
+      </p15:sldGuideLst>
+    </p:ext>
+  </p:extLst>
 </p:presentation>
 </file>
 
@@ -156,13 +171,17 @@
         </p:nvSpPr>
         <p:spPr>
           <a:xfrm>
-            <a:off x="685800" y="2130425"/>
-            <a:ext cx="7772400" cy="1470025"/>
+            <a:off x="1143000" y="1122363"/>
+            <a:ext cx="6858000" cy="2387600"/>
           </a:xfrm>
         </p:spPr>
         <p:txBody>
-          <a:bodyPr/>
-          <a:lstStyle/>
+          <a:bodyPr anchor="b"/>
+          <a:lstStyle>
+            <a:lvl1pPr algn="ctr">
+              <a:defRPr sz="4500"/>
+            </a:lvl1pPr>
+          </a:lstStyle>
           <a:p>
             <a:r>
               <a:rPr lang="en-US" smtClean="0"/>
@@ -184,8 +203,8 @@
         </p:nvSpPr>
         <p:spPr>
           <a:xfrm>
-            <a:off x="1371600" y="3886200"/>
-            <a:ext cx="6400800" cy="1752600"/>
+            <a:off x="1143000" y="3602038"/>
+            <a:ext cx="6858000" cy="1655762"/>
           </a:xfrm>
         </p:spPr>
         <p:txBody>
@@ -193,93 +212,39 @@
           <a:lstStyle>
             <a:lvl1pPr marL="0" indent="0" algn="ctr">
               <a:buNone/>
-              <a:defRPr>
-                <a:solidFill>
-                  <a:schemeClr val="tx1">
-                    <a:tint val="75000"/>
-                  </a:schemeClr>
-                </a:solidFill>
-              </a:defRPr>
+              <a:defRPr sz="1800"/>
             </a:lvl1pPr>
-            <a:lvl2pPr marL="457200" indent="0" algn="ctr">
-              <a:buNone/>
-              <a:defRPr>
-                <a:solidFill>
-                  <a:schemeClr val="tx1">
-                    <a:tint val="75000"/>
-                  </a:schemeClr>
-                </a:solidFill>
-              </a:defRPr>
+            <a:lvl2pPr marL="342900" indent="0" algn="ctr">
+              <a:buNone/>
+              <a:defRPr sz="1500"/>
             </a:lvl2pPr>
-            <a:lvl3pPr marL="914400" indent="0" algn="ctr">
-              <a:buNone/>
-              <a:defRPr>
-                <a:solidFill>
-                  <a:schemeClr val="tx1">
-                    <a:tint val="75000"/>
-                  </a:schemeClr>
-                </a:solidFill>
-              </a:defRPr>
+            <a:lvl3pPr marL="685800" indent="0" algn="ctr">
+              <a:buNone/>
+              <a:defRPr sz="1350"/>
             </a:lvl3pPr>
-            <a:lvl4pPr marL="1371600" indent="0" algn="ctr">
-              <a:buNone/>
-              <a:defRPr>
-                <a:solidFill>
-                  <a:schemeClr val="tx1">
-                    <a:tint val="75000"/>
-                  </a:schemeClr>
-                </a:solidFill>
-              </a:defRPr>
+            <a:lvl4pPr marL="1028700" indent="0" algn="ctr">
+              <a:buNone/>
+              <a:defRPr sz="1200"/>
             </a:lvl4pPr>
-            <a:lvl5pPr marL="1828800" indent="0" algn="ctr">
-              <a:buNone/>
-              <a:defRPr>
-                <a:solidFill>
-                  <a:schemeClr val="tx1">
-                    <a:tint val="75000"/>
-                  </a:schemeClr>
-                </a:solidFill>
-              </a:defRPr>
+            <a:lvl5pPr marL="1371600" indent="0" algn="ctr">
+              <a:buNone/>
+              <a:defRPr sz="1200"/>
             </a:lvl5pPr>
-            <a:lvl6pPr marL="2286000" indent="0" algn="ctr">
-              <a:buNone/>
-              <a:defRPr>
-                <a:solidFill>
-                  <a:schemeClr val="tx1">
-                    <a:tint val="75000"/>
-                  </a:schemeClr>
-                </a:solidFill>
-              </a:defRPr>
+            <a:lvl6pPr marL="1714500" indent="0" algn="ctr">
+              <a:buNone/>
+              <a:defRPr sz="1200"/>
             </a:lvl6pPr>
-            <a:lvl7pPr marL="2743200" indent="0" algn="ctr">
-              <a:buNone/>
-              <a:defRPr>
-                <a:solidFill>
-                  <a:schemeClr val="tx1">
-                    <a:tint val="75000"/>
-                  </a:schemeClr>
-                </a:solidFill>
-              </a:defRPr>
+            <a:lvl7pPr marL="2057400" indent="0" algn="ctr">
+              <a:buNone/>
+              <a:defRPr sz="1200"/>
             </a:lvl7pPr>
-            <a:lvl8pPr marL="3200400" indent="0" algn="ctr">
-              <a:buNone/>
-              <a:defRPr>
-                <a:solidFill>
-                  <a:schemeClr val="tx1">
-                    <a:tint val="75000"/>
-                  </a:schemeClr>
-                </a:solidFill>
-              </a:defRPr>
+            <a:lvl8pPr marL="2400300" indent="0" algn="ctr">
+              <a:buNone/>
+              <a:defRPr sz="1200"/>
             </a:lvl8pPr>
-            <a:lvl9pPr marL="3657600" indent="0" algn="ctr">
-              <a:buNone/>
-              <a:defRPr>
-                <a:solidFill>
-                  <a:schemeClr val="tx1">
-                    <a:tint val="75000"/>
-                  </a:schemeClr>
-                </a:solidFill>
-              </a:defRPr>
+            <a:lvl9pPr marL="2743200" indent="0" algn="ctr">
+              <a:buNone/>
+              <a:defRPr sz="1200"/>
             </a:lvl9pPr>
           </a:lstStyle>
           <a:p>
@@ -309,7 +274,7 @@
             <a:fld id="{4E83141C-B609-40CF-BC77-9EBCEE153BCD}" type="datetimeFigureOut">
               <a:rPr lang="en-US" smtClean="0"/>
               <a:pPr/>
-              <a:t>07/01/2018</a:t>
+              <a:t>1/8/2018</a:t>
             </a:fld>
             <a:endParaRPr lang="en-US"/>
           </a:p>
@@ -359,6 +324,11 @@
         </p:txBody>
       </p:sp>
     </p:spTree>
+    <p:extLst>
+      <p:ext uri="{BB962C8B-B14F-4D97-AF65-F5344CB8AC3E}">
+        <p14:creationId xmlns:p14="http://schemas.microsoft.com/office/powerpoint/2010/main" val="3870099210"/>
+      </p:ext>
+    </p:extLst>
   </p:cSld>
   <p:clrMapOvr>
     <a:masterClrMapping/>
@@ -424,7 +394,7 @@
             <a:pPr lvl="0"/>
             <a:r>
               <a:rPr lang="en-US" smtClean="0"/>
-              <a:t>Click to edit Master text styles</a:t>
+              <a:t>Edit Master text styles</a:t>
             </a:r>
           </a:p>
           <a:p>
@@ -476,7 +446,7 @@
             <a:fld id="{4E83141C-B609-40CF-BC77-9EBCEE153BCD}" type="datetimeFigureOut">
               <a:rPr lang="en-US" smtClean="0"/>
               <a:pPr/>
-              <a:t>07/01/2018</a:t>
+              <a:t>1/8/2018</a:t>
             </a:fld>
             <a:endParaRPr lang="en-US"/>
           </a:p>
@@ -526,6 +496,11 @@
         </p:txBody>
       </p:sp>
     </p:spTree>
+    <p:extLst>
+      <p:ext uri="{BB962C8B-B14F-4D97-AF65-F5344CB8AC3E}">
+        <p14:creationId xmlns:p14="http://schemas.microsoft.com/office/powerpoint/2010/main" val="1905460043"/>
+      </p:ext>
+    </p:extLst>
   </p:cSld>
   <p:clrMapOvr>
     <a:masterClrMapping/>
@@ -562,8 +537,8 @@
         </p:nvSpPr>
         <p:spPr>
           <a:xfrm>
-            <a:off x="6629400" y="274638"/>
-            <a:ext cx="2057400" cy="5851525"/>
+            <a:off x="6543675" y="365125"/>
+            <a:ext cx="1971675" cy="5811838"/>
           </a:xfrm>
         </p:spPr>
         <p:txBody>
@@ -590,8 +565,8 @@
         </p:nvSpPr>
         <p:spPr>
           <a:xfrm>
-            <a:off x="457200" y="274638"/>
-            <a:ext cx="6019800" cy="5851525"/>
+            <a:off x="628650" y="365125"/>
+            <a:ext cx="5800725" cy="5811838"/>
           </a:xfrm>
         </p:spPr>
         <p:txBody>
@@ -601,7 +576,7 @@
             <a:pPr lvl="0"/>
             <a:r>
               <a:rPr lang="en-US" smtClean="0"/>
-              <a:t>Click to edit Master text styles</a:t>
+              <a:t>Edit Master text styles</a:t>
             </a:r>
           </a:p>
           <a:p>
@@ -653,7 +628,7 @@
             <a:fld id="{4E83141C-B609-40CF-BC77-9EBCEE153BCD}" type="datetimeFigureOut">
               <a:rPr lang="en-US" smtClean="0"/>
               <a:pPr/>
-              <a:t>07/01/2018</a:t>
+              <a:t>1/8/2018</a:t>
             </a:fld>
             <a:endParaRPr lang="en-US"/>
           </a:p>
@@ -703,6 +678,11 @@
         </p:txBody>
       </p:sp>
     </p:spTree>
+    <p:extLst>
+      <p:ext uri="{BB962C8B-B14F-4D97-AF65-F5344CB8AC3E}">
+        <p14:creationId xmlns:p14="http://schemas.microsoft.com/office/powerpoint/2010/main" val="3839883512"/>
+      </p:ext>
+    </p:extLst>
   </p:cSld>
   <p:clrMapOvr>
     <a:masterClrMapping/>
@@ -768,7 +748,7 @@
             <a:pPr lvl="0"/>
             <a:r>
               <a:rPr lang="en-US" smtClean="0"/>
-              <a:t>Click to edit Master text styles</a:t>
+              <a:t>Edit Master text styles</a:t>
             </a:r>
           </a:p>
           <a:p>
@@ -820,7 +800,7 @@
             <a:fld id="{4E83141C-B609-40CF-BC77-9EBCEE153BCD}" type="datetimeFigureOut">
               <a:rPr lang="en-US" smtClean="0"/>
               <a:pPr/>
-              <a:t>07/01/2018</a:t>
+              <a:t>1/8/2018</a:t>
             </a:fld>
             <a:endParaRPr lang="en-US"/>
           </a:p>
@@ -870,6 +850,11 @@
         </p:txBody>
       </p:sp>
     </p:spTree>
+    <p:extLst>
+      <p:ext uri="{BB962C8B-B14F-4D97-AF65-F5344CB8AC3E}">
+        <p14:creationId xmlns:p14="http://schemas.microsoft.com/office/powerpoint/2010/main" val="3637618859"/>
+      </p:ext>
+    </p:extLst>
   </p:cSld>
   <p:clrMapOvr>
     <a:masterClrMapping/>
@@ -906,15 +891,15 @@
         </p:nvSpPr>
         <p:spPr>
           <a:xfrm>
-            <a:off x="722313" y="4406900"/>
-            <a:ext cx="7772400" cy="1362075"/>
+            <a:off x="623888" y="1709739"/>
+            <a:ext cx="7886700" cy="2852737"/>
           </a:xfrm>
         </p:spPr>
         <p:txBody>
-          <a:bodyPr anchor="t"/>
+          <a:bodyPr anchor="b"/>
           <a:lstStyle>
-            <a:lvl1pPr algn="l">
-              <a:defRPr sz="4000" b="1" cap="all"/>
+            <a:lvl1pPr>
+              <a:defRPr sz="4500"/>
             </a:lvl1pPr>
           </a:lstStyle>
           <a:p>
@@ -938,16 +923,16 @@
         </p:nvSpPr>
         <p:spPr>
           <a:xfrm>
-            <a:off x="722313" y="2906713"/>
-            <a:ext cx="7772400" cy="1500187"/>
+            <a:off x="623888" y="4589464"/>
+            <a:ext cx="7886700" cy="1500187"/>
           </a:xfrm>
         </p:spPr>
         <p:txBody>
-          <a:bodyPr anchor="b"/>
+          <a:bodyPr/>
           <a:lstStyle>
             <a:lvl1pPr marL="0" indent="0">
               <a:buNone/>
-              <a:defRPr sz="2000">
+              <a:defRPr sz="1800">
                 <a:solidFill>
                   <a:schemeClr val="tx1">
                     <a:tint val="75000"/>
@@ -955,9 +940,9 @@
                 </a:solidFill>
               </a:defRPr>
             </a:lvl1pPr>
-            <a:lvl2pPr marL="457200" indent="0">
-              <a:buNone/>
-              <a:defRPr sz="1800">
+            <a:lvl2pPr marL="342900" indent="0">
+              <a:buNone/>
+              <a:defRPr sz="1500">
                 <a:solidFill>
                   <a:schemeClr val="tx1">
                     <a:tint val="75000"/>
@@ -965,9 +950,9 @@
                 </a:solidFill>
               </a:defRPr>
             </a:lvl2pPr>
-            <a:lvl3pPr marL="914400" indent="0">
-              <a:buNone/>
-              <a:defRPr sz="1600">
+            <a:lvl3pPr marL="685800" indent="0">
+              <a:buNone/>
+              <a:defRPr sz="1350">
                 <a:solidFill>
                   <a:schemeClr val="tx1">
                     <a:tint val="75000"/>
@@ -975,9 +960,9 @@
                 </a:solidFill>
               </a:defRPr>
             </a:lvl3pPr>
-            <a:lvl4pPr marL="1371600" indent="0">
-              <a:buNone/>
-              <a:defRPr sz="1400">
+            <a:lvl4pPr marL="1028700" indent="0">
+              <a:buNone/>
+              <a:defRPr sz="1200">
                 <a:solidFill>
                   <a:schemeClr val="tx1">
                     <a:tint val="75000"/>
@@ -985,9 +970,9 @@
                 </a:solidFill>
               </a:defRPr>
             </a:lvl4pPr>
-            <a:lvl5pPr marL="1828800" indent="0">
-              <a:buNone/>
-              <a:defRPr sz="1400">
+            <a:lvl5pPr marL="1371600" indent="0">
+              <a:buNone/>
+              <a:defRPr sz="1200">
                 <a:solidFill>
                   <a:schemeClr val="tx1">
                     <a:tint val="75000"/>
@@ -995,9 +980,9 @@
                 </a:solidFill>
               </a:defRPr>
             </a:lvl5pPr>
-            <a:lvl6pPr marL="2286000" indent="0">
-              <a:buNone/>
-              <a:defRPr sz="1400">
+            <a:lvl6pPr marL="1714500" indent="0">
+              <a:buNone/>
+              <a:defRPr sz="1200">
                 <a:solidFill>
                   <a:schemeClr val="tx1">
                     <a:tint val="75000"/>
@@ -1005,9 +990,9 @@
                 </a:solidFill>
               </a:defRPr>
             </a:lvl6pPr>
-            <a:lvl7pPr marL="2743200" indent="0">
-              <a:buNone/>
-              <a:defRPr sz="1400">
+            <a:lvl7pPr marL="2057400" indent="0">
+              <a:buNone/>
+              <a:defRPr sz="1200">
                 <a:solidFill>
                   <a:schemeClr val="tx1">
                     <a:tint val="75000"/>
@@ -1015,9 +1000,9 @@
                 </a:solidFill>
               </a:defRPr>
             </a:lvl7pPr>
-            <a:lvl8pPr marL="3200400" indent="0">
-              <a:buNone/>
-              <a:defRPr sz="1400">
+            <a:lvl8pPr marL="2400300" indent="0">
+              <a:buNone/>
+              <a:defRPr sz="1200">
                 <a:solidFill>
                   <a:schemeClr val="tx1">
                     <a:tint val="75000"/>
@@ -1025,9 +1010,9 @@
                 </a:solidFill>
               </a:defRPr>
             </a:lvl8pPr>
-            <a:lvl9pPr marL="3657600" indent="0">
-              <a:buNone/>
-              <a:defRPr sz="1400">
+            <a:lvl9pPr marL="2743200" indent="0">
+              <a:buNone/>
+              <a:defRPr sz="1200">
                 <a:solidFill>
                   <a:schemeClr val="tx1">
                     <a:tint val="75000"/>
@@ -1040,7 +1025,7 @@
             <a:pPr lvl="0"/>
             <a:r>
               <a:rPr lang="en-US" smtClean="0"/>
-              <a:t>Click to edit Master text styles</a:t>
+              <a:t>Edit Master text styles</a:t>
             </a:r>
           </a:p>
         </p:txBody>
@@ -1063,7 +1048,7 @@
             <a:fld id="{4E83141C-B609-40CF-BC77-9EBCEE153BCD}" type="datetimeFigureOut">
               <a:rPr lang="en-US" smtClean="0"/>
               <a:pPr/>
-              <a:t>07/01/2018</a:t>
+              <a:t>1/8/2018</a:t>
             </a:fld>
             <a:endParaRPr lang="en-US"/>
           </a:p>
@@ -1113,6 +1098,11 @@
         </p:txBody>
       </p:sp>
     </p:spTree>
+    <p:extLst>
+      <p:ext uri="{BB962C8B-B14F-4D97-AF65-F5344CB8AC3E}">
+        <p14:creationId xmlns:p14="http://schemas.microsoft.com/office/powerpoint/2010/main" val="201289260"/>
+      </p:ext>
+    </p:extLst>
   </p:cSld>
   <p:clrMapOvr>
     <a:masterClrMapping/>
@@ -1172,46 +1162,18 @@
         </p:nvSpPr>
         <p:spPr>
           <a:xfrm>
-            <a:off x="457200" y="1600200"/>
-            <a:ext cx="4038600" cy="4525963"/>
+            <a:off x="628650" y="1825625"/>
+            <a:ext cx="3886200" cy="4351338"/>
           </a:xfrm>
         </p:spPr>
         <p:txBody>
           <a:bodyPr/>
-          <a:lstStyle>
-            <a:lvl1pPr>
-              <a:defRPr sz="2800"/>
-            </a:lvl1pPr>
-            <a:lvl2pPr>
-              <a:defRPr sz="2400"/>
-            </a:lvl2pPr>
-            <a:lvl3pPr>
-              <a:defRPr sz="2000"/>
-            </a:lvl3pPr>
-            <a:lvl4pPr>
-              <a:defRPr sz="1800"/>
-            </a:lvl4pPr>
-            <a:lvl5pPr>
-              <a:defRPr sz="1800"/>
-            </a:lvl5pPr>
-            <a:lvl6pPr>
-              <a:defRPr sz="1800"/>
-            </a:lvl6pPr>
-            <a:lvl7pPr>
-              <a:defRPr sz="1800"/>
-            </a:lvl7pPr>
-            <a:lvl8pPr>
-              <a:defRPr sz="1800"/>
-            </a:lvl8pPr>
-            <a:lvl9pPr>
-              <a:defRPr sz="1800"/>
-            </a:lvl9pPr>
-          </a:lstStyle>
+          <a:lstStyle/>
           <a:p>
             <a:pPr lvl="0"/>
             <a:r>
               <a:rPr lang="en-US" smtClean="0"/>
-              <a:t>Click to edit Master text styles</a:t>
+              <a:t>Edit Master text styles</a:t>
             </a:r>
           </a:p>
           <a:p>
@@ -1257,46 +1219,18 @@
         </p:nvSpPr>
         <p:spPr>
           <a:xfrm>
-            <a:off x="4648200" y="1600200"/>
-            <a:ext cx="4038600" cy="4525963"/>
+            <a:off x="4629150" y="1825625"/>
+            <a:ext cx="3886200" cy="4351338"/>
           </a:xfrm>
         </p:spPr>
         <p:txBody>
           <a:bodyPr/>
-          <a:lstStyle>
-            <a:lvl1pPr>
-              <a:defRPr sz="2800"/>
-            </a:lvl1pPr>
-            <a:lvl2pPr>
-              <a:defRPr sz="2400"/>
-            </a:lvl2pPr>
-            <a:lvl3pPr>
-              <a:defRPr sz="2000"/>
-            </a:lvl3pPr>
-            <a:lvl4pPr>
-              <a:defRPr sz="1800"/>
-            </a:lvl4pPr>
-            <a:lvl5pPr>
-              <a:defRPr sz="1800"/>
-            </a:lvl5pPr>
-            <a:lvl6pPr>
-              <a:defRPr sz="1800"/>
-            </a:lvl6pPr>
-            <a:lvl7pPr>
-              <a:defRPr sz="1800"/>
-            </a:lvl7pPr>
-            <a:lvl8pPr>
-              <a:defRPr sz="1800"/>
-            </a:lvl8pPr>
-            <a:lvl9pPr>
-              <a:defRPr sz="1800"/>
-            </a:lvl9pPr>
-          </a:lstStyle>
+          <a:lstStyle/>
           <a:p>
             <a:pPr lvl="0"/>
             <a:r>
               <a:rPr lang="en-US" smtClean="0"/>
-              <a:t>Click to edit Master text styles</a:t>
+              <a:t>Edit Master text styles</a:t>
             </a:r>
           </a:p>
           <a:p>
@@ -1348,7 +1282,7 @@
             <a:fld id="{4E83141C-B609-40CF-BC77-9EBCEE153BCD}" type="datetimeFigureOut">
               <a:rPr lang="en-US" smtClean="0"/>
               <a:pPr/>
-              <a:t>07/01/2018</a:t>
+              <a:t>1/8/2018</a:t>
             </a:fld>
             <a:endParaRPr lang="en-US"/>
           </a:p>
@@ -1398,6 +1332,11 @@
         </p:txBody>
       </p:sp>
     </p:spTree>
+    <p:extLst>
+      <p:ext uri="{BB962C8B-B14F-4D97-AF65-F5344CB8AC3E}">
+        <p14:creationId xmlns:p14="http://schemas.microsoft.com/office/powerpoint/2010/main" val="565980402"/>
+      </p:ext>
+    </p:extLst>
   </p:cSld>
   <p:clrMapOvr>
     <a:masterClrMapping/>
@@ -1432,37 +1371,38 @@
             <p:ph type="title"/>
           </p:nvPr>
         </p:nvSpPr>
-        <p:spPr/>
-        <p:txBody>
-          <a:bodyPr/>
-          <a:lstStyle>
-            <a:lvl1pPr>
-              <a:defRPr/>
-            </a:lvl1pPr>
-          </a:lstStyle>
-          <a:p>
-            <a:r>
-              <a:rPr lang="en-US" smtClean="0"/>
-              <a:t>Click to edit Master title style</a:t>
-            </a:r>
-            <a:endParaRPr lang="en-US"/>
-          </a:p>
-        </p:txBody>
-      </p:sp>
-      <p:sp>
-        <p:nvSpPr>
-          <p:cNvPr id="3" name="Text Placeholder 2"/>
-          <p:cNvSpPr>
-            <a:spLocks noGrp="1"/>
-          </p:cNvSpPr>
-          <p:nvPr>
-            <p:ph type="body" idx="1"/>
-          </p:nvPr>
-        </p:nvSpPr>
         <p:spPr>
           <a:xfrm>
-            <a:off x="457200" y="1535113"/>
-            <a:ext cx="4040188" cy="639762"/>
+            <a:off x="629841" y="365126"/>
+            <a:ext cx="7886700" cy="1325563"/>
+          </a:xfrm>
+        </p:spPr>
+        <p:txBody>
+          <a:bodyPr/>
+          <a:lstStyle/>
+          <a:p>
+            <a:r>
+              <a:rPr lang="en-US" smtClean="0"/>
+              <a:t>Click to edit Master title style</a:t>
+            </a:r>
+            <a:endParaRPr lang="en-US"/>
+          </a:p>
+        </p:txBody>
+      </p:sp>
+      <p:sp>
+        <p:nvSpPr>
+          <p:cNvPr id="3" name="Text Placeholder 2"/>
+          <p:cNvSpPr>
+            <a:spLocks noGrp="1"/>
+          </p:cNvSpPr>
+          <p:nvPr>
+            <p:ph type="body" idx="1"/>
+          </p:nvPr>
+        </p:nvSpPr>
+        <p:spPr>
+          <a:xfrm>
+            <a:off x="629842" y="1681163"/>
+            <a:ext cx="3868340" cy="823912"/>
           </a:xfrm>
         </p:spPr>
         <p:txBody>
@@ -1470,46 +1410,46 @@
           <a:lstStyle>
             <a:lvl1pPr marL="0" indent="0">
               <a:buNone/>
-              <a:defRPr sz="2400" b="1"/>
+              <a:defRPr sz="1800" b="1"/>
             </a:lvl1pPr>
-            <a:lvl2pPr marL="457200" indent="0">
-              <a:buNone/>
-              <a:defRPr sz="2000" b="1"/>
+            <a:lvl2pPr marL="342900" indent="0">
+              <a:buNone/>
+              <a:defRPr sz="1500" b="1"/>
             </a:lvl2pPr>
-            <a:lvl3pPr marL="914400" indent="0">
-              <a:buNone/>
-              <a:defRPr sz="1800" b="1"/>
+            <a:lvl3pPr marL="685800" indent="0">
+              <a:buNone/>
+              <a:defRPr sz="1350" b="1"/>
             </a:lvl3pPr>
-            <a:lvl4pPr marL="1371600" indent="0">
-              <a:buNone/>
-              <a:defRPr sz="1600" b="1"/>
+            <a:lvl4pPr marL="1028700" indent="0">
+              <a:buNone/>
+              <a:defRPr sz="1200" b="1"/>
             </a:lvl4pPr>
-            <a:lvl5pPr marL="1828800" indent="0">
-              <a:buNone/>
-              <a:defRPr sz="1600" b="1"/>
+            <a:lvl5pPr marL="1371600" indent="0">
+              <a:buNone/>
+              <a:defRPr sz="1200" b="1"/>
             </a:lvl5pPr>
-            <a:lvl6pPr marL="2286000" indent="0">
-              <a:buNone/>
-              <a:defRPr sz="1600" b="1"/>
+            <a:lvl6pPr marL="1714500" indent="0">
+              <a:buNone/>
+              <a:defRPr sz="1200" b="1"/>
             </a:lvl6pPr>
-            <a:lvl7pPr marL="2743200" indent="0">
-              <a:buNone/>
-              <a:defRPr sz="1600" b="1"/>
+            <a:lvl7pPr marL="2057400" indent="0">
+              <a:buNone/>
+              <a:defRPr sz="1200" b="1"/>
             </a:lvl7pPr>
-            <a:lvl8pPr marL="3200400" indent="0">
-              <a:buNone/>
-              <a:defRPr sz="1600" b="1"/>
+            <a:lvl8pPr marL="2400300" indent="0">
+              <a:buNone/>
+              <a:defRPr sz="1200" b="1"/>
             </a:lvl8pPr>
-            <a:lvl9pPr marL="3657600" indent="0">
-              <a:buNone/>
-              <a:defRPr sz="1600" b="1"/>
+            <a:lvl9pPr marL="2743200" indent="0">
+              <a:buNone/>
+              <a:defRPr sz="1200" b="1"/>
             </a:lvl9pPr>
           </a:lstStyle>
           <a:p>
             <a:pPr lvl="0"/>
             <a:r>
               <a:rPr lang="en-US" smtClean="0"/>
-              <a:t>Click to edit Master text styles</a:t>
+              <a:t>Edit Master text styles</a:t>
             </a:r>
           </a:p>
         </p:txBody>
@@ -1526,46 +1466,18 @@
         </p:nvSpPr>
         <p:spPr>
           <a:xfrm>
-            <a:off x="457200" y="2174875"/>
-            <a:ext cx="4040188" cy="3951288"/>
+            <a:off x="629842" y="2505075"/>
+            <a:ext cx="3868340" cy="3684588"/>
           </a:xfrm>
         </p:spPr>
         <p:txBody>
           <a:bodyPr/>
-          <a:lstStyle>
-            <a:lvl1pPr>
-              <a:defRPr sz="2400"/>
-            </a:lvl1pPr>
-            <a:lvl2pPr>
-              <a:defRPr sz="2000"/>
-            </a:lvl2pPr>
-            <a:lvl3pPr>
-              <a:defRPr sz="1800"/>
-            </a:lvl3pPr>
-            <a:lvl4pPr>
-              <a:defRPr sz="1600"/>
-            </a:lvl4pPr>
-            <a:lvl5pPr>
-              <a:defRPr sz="1600"/>
-            </a:lvl5pPr>
-            <a:lvl6pPr>
-              <a:defRPr sz="1600"/>
-            </a:lvl6pPr>
-            <a:lvl7pPr>
-              <a:defRPr sz="1600"/>
-            </a:lvl7pPr>
-            <a:lvl8pPr>
-              <a:defRPr sz="1600"/>
-            </a:lvl8pPr>
-            <a:lvl9pPr>
-              <a:defRPr sz="1600"/>
-            </a:lvl9pPr>
-          </a:lstStyle>
+          <a:lstStyle/>
           <a:p>
             <a:pPr lvl="0"/>
             <a:r>
               <a:rPr lang="en-US" smtClean="0"/>
-              <a:t>Click to edit Master text styles</a:t>
+              <a:t>Edit Master text styles</a:t>
             </a:r>
           </a:p>
           <a:p>
@@ -1611,8 +1523,8 @@
         </p:nvSpPr>
         <p:spPr>
           <a:xfrm>
-            <a:off x="4645025" y="1535113"/>
-            <a:ext cx="4041775" cy="639762"/>
+            <a:off x="4629150" y="1681163"/>
+            <a:ext cx="3887391" cy="823912"/>
           </a:xfrm>
         </p:spPr>
         <p:txBody>
@@ -1620,46 +1532,46 @@
           <a:lstStyle>
             <a:lvl1pPr marL="0" indent="0">
               <a:buNone/>
-              <a:defRPr sz="2400" b="1"/>
+              <a:defRPr sz="1800" b="1"/>
             </a:lvl1pPr>
-            <a:lvl2pPr marL="457200" indent="0">
-              <a:buNone/>
-              <a:defRPr sz="2000" b="1"/>
+            <a:lvl2pPr marL="342900" indent="0">
+              <a:buNone/>
+              <a:defRPr sz="1500" b="1"/>
             </a:lvl2pPr>
-            <a:lvl3pPr marL="914400" indent="0">
-              <a:buNone/>
-              <a:defRPr sz="1800" b="1"/>
+            <a:lvl3pPr marL="685800" indent="0">
+              <a:buNone/>
+              <a:defRPr sz="1350" b="1"/>
             </a:lvl3pPr>
-            <a:lvl4pPr marL="1371600" indent="0">
-              <a:buNone/>
-              <a:defRPr sz="1600" b="1"/>
+            <a:lvl4pPr marL="1028700" indent="0">
+              <a:buNone/>
+              <a:defRPr sz="1200" b="1"/>
             </a:lvl4pPr>
-            <a:lvl5pPr marL="1828800" indent="0">
-              <a:buNone/>
-              <a:defRPr sz="1600" b="1"/>
+            <a:lvl5pPr marL="1371600" indent="0">
+              <a:buNone/>
+              <a:defRPr sz="1200" b="1"/>
             </a:lvl5pPr>
-            <a:lvl6pPr marL="2286000" indent="0">
-              <a:buNone/>
-              <a:defRPr sz="1600" b="1"/>
+            <a:lvl6pPr marL="1714500" indent="0">
+              <a:buNone/>
+              <a:defRPr sz="1200" b="1"/>
             </a:lvl6pPr>
-            <a:lvl7pPr marL="2743200" indent="0">
-              <a:buNone/>
-              <a:defRPr sz="1600" b="1"/>
+            <a:lvl7pPr marL="2057400" indent="0">
+              <a:buNone/>
+              <a:defRPr sz="1200" b="1"/>
             </a:lvl7pPr>
-            <a:lvl8pPr marL="3200400" indent="0">
-              <a:buNone/>
-              <a:defRPr sz="1600" b="1"/>
+            <a:lvl8pPr marL="2400300" indent="0">
+              <a:buNone/>
+              <a:defRPr sz="1200" b="1"/>
             </a:lvl8pPr>
-            <a:lvl9pPr marL="3657600" indent="0">
-              <a:buNone/>
-              <a:defRPr sz="1600" b="1"/>
+            <a:lvl9pPr marL="2743200" indent="0">
+              <a:buNone/>
+              <a:defRPr sz="1200" b="1"/>
             </a:lvl9pPr>
           </a:lstStyle>
           <a:p>
             <a:pPr lvl="0"/>
             <a:r>
               <a:rPr lang="en-US" smtClean="0"/>
-              <a:t>Click to edit Master text styles</a:t>
+              <a:t>Edit Master text styles</a:t>
             </a:r>
           </a:p>
         </p:txBody>
@@ -1676,46 +1588,18 @@
         </p:nvSpPr>
         <p:spPr>
           <a:xfrm>
-            <a:off x="4645025" y="2174875"/>
-            <a:ext cx="4041775" cy="3951288"/>
+            <a:off x="4629150" y="2505075"/>
+            <a:ext cx="3887391" cy="3684588"/>
           </a:xfrm>
         </p:spPr>
         <p:txBody>
           <a:bodyPr/>
-          <a:lstStyle>
-            <a:lvl1pPr>
-              <a:defRPr sz="2400"/>
-            </a:lvl1pPr>
-            <a:lvl2pPr>
-              <a:defRPr sz="2000"/>
-            </a:lvl2pPr>
-            <a:lvl3pPr>
-              <a:defRPr sz="1800"/>
-            </a:lvl3pPr>
-            <a:lvl4pPr>
-              <a:defRPr sz="1600"/>
-            </a:lvl4pPr>
-            <a:lvl5pPr>
-              <a:defRPr sz="1600"/>
-            </a:lvl5pPr>
-            <a:lvl6pPr>
-              <a:defRPr sz="1600"/>
-            </a:lvl6pPr>
-            <a:lvl7pPr>
-              <a:defRPr sz="1600"/>
-            </a:lvl7pPr>
-            <a:lvl8pPr>
-              <a:defRPr sz="1600"/>
-            </a:lvl8pPr>
-            <a:lvl9pPr>
-              <a:defRPr sz="1600"/>
-            </a:lvl9pPr>
-          </a:lstStyle>
+          <a:lstStyle/>
           <a:p>
             <a:pPr lvl="0"/>
             <a:r>
               <a:rPr lang="en-US" smtClean="0"/>
-              <a:t>Click to edit Master text styles</a:t>
+              <a:t>Edit Master text styles</a:t>
             </a:r>
           </a:p>
           <a:p>
@@ -1767,7 +1651,7 @@
             <a:fld id="{4E83141C-B609-40CF-BC77-9EBCEE153BCD}" type="datetimeFigureOut">
               <a:rPr lang="en-US" smtClean="0"/>
               <a:pPr/>
-              <a:t>07/01/2018</a:t>
+              <a:t>1/8/2018</a:t>
             </a:fld>
             <a:endParaRPr lang="en-US"/>
           </a:p>
@@ -1817,6 +1701,11 @@
         </p:txBody>
       </p:sp>
     </p:spTree>
+    <p:extLst>
+      <p:ext uri="{BB962C8B-B14F-4D97-AF65-F5344CB8AC3E}">
+        <p14:creationId xmlns:p14="http://schemas.microsoft.com/office/powerpoint/2010/main" val="1079238649"/>
+      </p:ext>
+    </p:extLst>
   </p:cSld>
   <p:clrMapOvr>
     <a:masterClrMapping/>
@@ -1882,7 +1771,7 @@
             <a:fld id="{4E83141C-B609-40CF-BC77-9EBCEE153BCD}" type="datetimeFigureOut">
               <a:rPr lang="en-US" smtClean="0"/>
               <a:pPr/>
-              <a:t>07/01/2018</a:t>
+              <a:t>1/8/2018</a:t>
             </a:fld>
             <a:endParaRPr lang="en-US"/>
           </a:p>
@@ -1932,6 +1821,11 @@
         </p:txBody>
       </p:sp>
     </p:spTree>
+    <p:extLst>
+      <p:ext uri="{BB962C8B-B14F-4D97-AF65-F5344CB8AC3E}">
+        <p14:creationId xmlns:p14="http://schemas.microsoft.com/office/powerpoint/2010/main" val="667604467"/>
+      </p:ext>
+    </p:extLst>
   </p:cSld>
   <p:clrMapOvr>
     <a:masterClrMapping/>
@@ -1974,7 +1868,7 @@
             <a:fld id="{4E83141C-B609-40CF-BC77-9EBCEE153BCD}" type="datetimeFigureOut">
               <a:rPr lang="en-US" smtClean="0"/>
               <a:pPr/>
-              <a:t>07/01/2018</a:t>
+              <a:t>1/8/2018</a:t>
             </a:fld>
             <a:endParaRPr lang="en-US"/>
           </a:p>
@@ -2024,6 +1918,11 @@
         </p:txBody>
       </p:sp>
     </p:spTree>
+    <p:extLst>
+      <p:ext uri="{BB962C8B-B14F-4D97-AF65-F5344CB8AC3E}">
+        <p14:creationId xmlns:p14="http://schemas.microsoft.com/office/powerpoint/2010/main" val="2814804183"/>
+      </p:ext>
+    </p:extLst>
   </p:cSld>
   <p:clrMapOvr>
     <a:masterClrMapping/>
@@ -2060,15 +1959,15 @@
         </p:nvSpPr>
         <p:spPr>
           <a:xfrm>
-            <a:off x="457200" y="273050"/>
-            <a:ext cx="3008313" cy="1162050"/>
+            <a:off x="629841" y="457200"/>
+            <a:ext cx="2949178" cy="1600200"/>
           </a:xfrm>
         </p:spPr>
         <p:txBody>
           <a:bodyPr anchor="b"/>
           <a:lstStyle>
-            <a:lvl1pPr algn="l">
-              <a:defRPr sz="2000" b="1"/>
+            <a:lvl1pPr>
+              <a:defRPr sz="2400"/>
             </a:lvl1pPr>
           </a:lstStyle>
           <a:p>
@@ -2092,46 +1991,46 @@
         </p:nvSpPr>
         <p:spPr>
           <a:xfrm>
-            <a:off x="3575050" y="273050"/>
-            <a:ext cx="5111750" cy="5853113"/>
+            <a:off x="3887391" y="987426"/>
+            <a:ext cx="4629150" cy="4873625"/>
           </a:xfrm>
         </p:spPr>
         <p:txBody>
           <a:bodyPr/>
           <a:lstStyle>
             <a:lvl1pPr>
-              <a:defRPr sz="3200"/>
+              <a:defRPr sz="2400"/>
             </a:lvl1pPr>
             <a:lvl2pPr>
-              <a:defRPr sz="2800"/>
+              <a:defRPr sz="2100"/>
             </a:lvl2pPr>
             <a:lvl3pPr>
-              <a:defRPr sz="2400"/>
+              <a:defRPr sz="1800"/>
             </a:lvl3pPr>
             <a:lvl4pPr>
-              <a:defRPr sz="2000"/>
+              <a:defRPr sz="1500"/>
             </a:lvl4pPr>
             <a:lvl5pPr>
-              <a:defRPr sz="2000"/>
+              <a:defRPr sz="1500"/>
             </a:lvl5pPr>
             <a:lvl6pPr>
-              <a:defRPr sz="2000"/>
+              <a:defRPr sz="1500"/>
             </a:lvl6pPr>
             <a:lvl7pPr>
-              <a:defRPr sz="2000"/>
+              <a:defRPr sz="1500"/>
             </a:lvl7pPr>
             <a:lvl8pPr>
-              <a:defRPr sz="2000"/>
+              <a:defRPr sz="1500"/>
             </a:lvl8pPr>
             <a:lvl9pPr>
-              <a:defRPr sz="2000"/>
+              <a:defRPr sz="1500"/>
             </a:lvl9pPr>
           </a:lstStyle>
           <a:p>
             <a:pPr lvl="0"/>
             <a:r>
               <a:rPr lang="en-US" smtClean="0"/>
-              <a:t>Click to edit Master text styles</a:t>
+              <a:t>Edit Master text styles</a:t>
             </a:r>
           </a:p>
           <a:p>
@@ -2177,8 +2076,8 @@
         </p:nvSpPr>
         <p:spPr>
           <a:xfrm>
-            <a:off x="457200" y="1435100"/>
-            <a:ext cx="3008313" cy="4691063"/>
+            <a:off x="629841" y="2057400"/>
+            <a:ext cx="2949178" cy="3811588"/>
           </a:xfrm>
         </p:spPr>
         <p:txBody>
@@ -2186,46 +2085,46 @@
           <a:lstStyle>
             <a:lvl1pPr marL="0" indent="0">
               <a:buNone/>
-              <a:defRPr sz="1400"/>
+              <a:defRPr sz="1200"/>
             </a:lvl1pPr>
-            <a:lvl2pPr marL="457200" indent="0">
-              <a:buNone/>
-              <a:defRPr sz="1200"/>
+            <a:lvl2pPr marL="342900" indent="0">
+              <a:buNone/>
+              <a:defRPr sz="1050"/>
             </a:lvl2pPr>
-            <a:lvl3pPr marL="914400" indent="0">
-              <a:buNone/>
-              <a:defRPr sz="1000"/>
+            <a:lvl3pPr marL="685800" indent="0">
+              <a:buNone/>
+              <a:defRPr sz="900"/>
             </a:lvl3pPr>
-            <a:lvl4pPr marL="1371600" indent="0">
-              <a:buNone/>
-              <a:defRPr sz="900"/>
+            <a:lvl4pPr marL="1028700" indent="0">
+              <a:buNone/>
+              <a:defRPr sz="750"/>
             </a:lvl4pPr>
-            <a:lvl5pPr marL="1828800" indent="0">
-              <a:buNone/>
-              <a:defRPr sz="900"/>
+            <a:lvl5pPr marL="1371600" indent="0">
+              <a:buNone/>
+              <a:defRPr sz="750"/>
             </a:lvl5pPr>
-            <a:lvl6pPr marL="2286000" indent="0">
-              <a:buNone/>
-              <a:defRPr sz="900"/>
+            <a:lvl6pPr marL="1714500" indent="0">
+              <a:buNone/>
+              <a:defRPr sz="750"/>
             </a:lvl6pPr>
-            <a:lvl7pPr marL="2743200" indent="0">
-              <a:buNone/>
-              <a:defRPr sz="900"/>
+            <a:lvl7pPr marL="2057400" indent="0">
+              <a:buNone/>
+              <a:defRPr sz="750"/>
             </a:lvl7pPr>
-            <a:lvl8pPr marL="3200400" indent="0">
-              <a:buNone/>
-              <a:defRPr sz="900"/>
+            <a:lvl8pPr marL="2400300" indent="0">
+              <a:buNone/>
+              <a:defRPr sz="750"/>
             </a:lvl8pPr>
-            <a:lvl9pPr marL="3657600" indent="0">
-              <a:buNone/>
-              <a:defRPr sz="900"/>
+            <a:lvl9pPr marL="2743200" indent="0">
+              <a:buNone/>
+              <a:defRPr sz="750"/>
             </a:lvl9pPr>
           </a:lstStyle>
           <a:p>
             <a:pPr lvl="0"/>
             <a:r>
               <a:rPr lang="en-US" smtClean="0"/>
-              <a:t>Click to edit Master text styles</a:t>
+              <a:t>Edit Master text styles</a:t>
             </a:r>
           </a:p>
         </p:txBody>
@@ -2248,7 +2147,7 @@
             <a:fld id="{4E83141C-B609-40CF-BC77-9EBCEE153BCD}" type="datetimeFigureOut">
               <a:rPr lang="en-US" smtClean="0"/>
               <a:pPr/>
-              <a:t>07/01/2018</a:t>
+              <a:t>1/8/2018</a:t>
             </a:fld>
             <a:endParaRPr lang="en-US"/>
           </a:p>
@@ -2298,6 +2197,11 @@
         </p:txBody>
       </p:sp>
     </p:spTree>
+    <p:extLst>
+      <p:ext uri="{BB962C8B-B14F-4D97-AF65-F5344CB8AC3E}">
+        <p14:creationId xmlns:p14="http://schemas.microsoft.com/office/powerpoint/2010/main" val="2925590243"/>
+      </p:ext>
+    </p:extLst>
   </p:cSld>
   <p:clrMapOvr>
     <a:masterClrMapping/>
@@ -2334,15 +2238,15 @@
         </p:nvSpPr>
         <p:spPr>
           <a:xfrm>
-            <a:off x="1792288" y="4800600"/>
-            <a:ext cx="5486400" cy="566738"/>
+            <a:off x="629841" y="457200"/>
+            <a:ext cx="2949178" cy="1600200"/>
           </a:xfrm>
         </p:spPr>
         <p:txBody>
           <a:bodyPr anchor="b"/>
           <a:lstStyle>
-            <a:lvl1pPr algn="l">
-              <a:defRPr sz="2000" b="1"/>
+            <a:lvl1pPr>
+              <a:defRPr sz="2400"/>
             </a:lvl1pPr>
           </a:lstStyle>
           <a:p>
@@ -2366,8 +2270,8 @@
         </p:nvSpPr>
         <p:spPr>
           <a:xfrm>
-            <a:off x="1792288" y="612775"/>
-            <a:ext cx="5486400" cy="4114800"/>
+            <a:off x="3887391" y="987426"/>
+            <a:ext cx="4629150" cy="4873625"/>
           </a:xfrm>
         </p:spPr>
         <p:txBody>
@@ -2375,39 +2279,39 @@
           <a:lstStyle>
             <a:lvl1pPr marL="0" indent="0">
               <a:buNone/>
-              <a:defRPr sz="3200"/>
+              <a:defRPr sz="2400"/>
             </a:lvl1pPr>
-            <a:lvl2pPr marL="457200" indent="0">
-              <a:buNone/>
-              <a:defRPr sz="2800"/>
+            <a:lvl2pPr marL="342900" indent="0">
+              <a:buNone/>
+              <a:defRPr sz="2100"/>
             </a:lvl2pPr>
-            <a:lvl3pPr marL="914400" indent="0">
-              <a:buNone/>
-              <a:defRPr sz="2400"/>
+            <a:lvl3pPr marL="685800" indent="0">
+              <a:buNone/>
+              <a:defRPr sz="1800"/>
             </a:lvl3pPr>
-            <a:lvl4pPr marL="1371600" indent="0">
-              <a:buNone/>
-              <a:defRPr sz="2000"/>
+            <a:lvl4pPr marL="1028700" indent="0">
+              <a:buNone/>
+              <a:defRPr sz="1500"/>
             </a:lvl4pPr>
-            <a:lvl5pPr marL="1828800" indent="0">
-              <a:buNone/>
-              <a:defRPr sz="2000"/>
+            <a:lvl5pPr marL="1371600" indent="0">
+              <a:buNone/>
+              <a:defRPr sz="1500"/>
             </a:lvl5pPr>
-            <a:lvl6pPr marL="2286000" indent="0">
-              <a:buNone/>
-              <a:defRPr sz="2000"/>
+            <a:lvl6pPr marL="1714500" indent="0">
+              <a:buNone/>
+              <a:defRPr sz="1500"/>
             </a:lvl6pPr>
-            <a:lvl7pPr marL="2743200" indent="0">
-              <a:buNone/>
-              <a:defRPr sz="2000"/>
+            <a:lvl7pPr marL="2057400" indent="0">
+              <a:buNone/>
+              <a:defRPr sz="1500"/>
             </a:lvl7pPr>
-            <a:lvl8pPr marL="3200400" indent="0">
-              <a:buNone/>
-              <a:defRPr sz="2000"/>
+            <a:lvl8pPr marL="2400300" indent="0">
+              <a:buNone/>
+              <a:defRPr sz="1500"/>
             </a:lvl8pPr>
-            <a:lvl9pPr marL="3657600" indent="0">
-              <a:buNone/>
-              <a:defRPr sz="2000"/>
+            <a:lvl9pPr marL="2743200" indent="0">
+              <a:buNone/>
+              <a:defRPr sz="1500"/>
             </a:lvl9pPr>
           </a:lstStyle>
           <a:p>
@@ -2427,8 +2331,8 @@
         </p:nvSpPr>
         <p:spPr>
           <a:xfrm>
-            <a:off x="1792288" y="5367338"/>
-            <a:ext cx="5486400" cy="804862"/>
+            <a:off x="629841" y="2057400"/>
+            <a:ext cx="2949178" cy="3811588"/>
           </a:xfrm>
         </p:spPr>
         <p:txBody>
@@ -2436,46 +2340,46 @@
           <a:lstStyle>
             <a:lvl1pPr marL="0" indent="0">
               <a:buNone/>
-              <a:defRPr sz="1400"/>
+              <a:defRPr sz="1200"/>
             </a:lvl1pPr>
-            <a:lvl2pPr marL="457200" indent="0">
-              <a:buNone/>
-              <a:defRPr sz="1200"/>
+            <a:lvl2pPr marL="342900" indent="0">
+              <a:buNone/>
+              <a:defRPr sz="1050"/>
             </a:lvl2pPr>
-            <a:lvl3pPr marL="914400" indent="0">
-              <a:buNone/>
-              <a:defRPr sz="1000"/>
+            <a:lvl3pPr marL="685800" indent="0">
+              <a:buNone/>
+              <a:defRPr sz="900"/>
             </a:lvl3pPr>
-            <a:lvl4pPr marL="1371600" indent="0">
-              <a:buNone/>
-              <a:defRPr sz="900"/>
+            <a:lvl4pPr marL="1028700" indent="0">
+              <a:buNone/>
+              <a:defRPr sz="750"/>
             </a:lvl4pPr>
-            <a:lvl5pPr marL="1828800" indent="0">
-              <a:buNone/>
-              <a:defRPr sz="900"/>
+            <a:lvl5pPr marL="1371600" indent="0">
+              <a:buNone/>
+              <a:defRPr sz="750"/>
             </a:lvl5pPr>
-            <a:lvl6pPr marL="2286000" indent="0">
-              <a:buNone/>
-              <a:defRPr sz="900"/>
+            <a:lvl6pPr marL="1714500" indent="0">
+              <a:buNone/>
+              <a:defRPr sz="750"/>
             </a:lvl6pPr>
-            <a:lvl7pPr marL="2743200" indent="0">
-              <a:buNone/>
-              <a:defRPr sz="900"/>
+            <a:lvl7pPr marL="2057400" indent="0">
+              <a:buNone/>
+              <a:defRPr sz="750"/>
             </a:lvl7pPr>
-            <a:lvl8pPr marL="3200400" indent="0">
-              <a:buNone/>
-              <a:defRPr sz="900"/>
+            <a:lvl8pPr marL="2400300" indent="0">
+              <a:buNone/>
+              <a:defRPr sz="750"/>
             </a:lvl8pPr>
-            <a:lvl9pPr marL="3657600" indent="0">
-              <a:buNone/>
-              <a:defRPr sz="900"/>
+            <a:lvl9pPr marL="2743200" indent="0">
+              <a:buNone/>
+              <a:defRPr sz="750"/>
             </a:lvl9pPr>
           </a:lstStyle>
           <a:p>
             <a:pPr lvl="0"/>
             <a:r>
               <a:rPr lang="en-US" smtClean="0"/>
-              <a:t>Click to edit Master text styles</a:t>
+              <a:t>Edit Master text styles</a:t>
             </a:r>
           </a:p>
         </p:txBody>
@@ -2498,7 +2402,7 @@
             <a:fld id="{4E83141C-B609-40CF-BC77-9EBCEE153BCD}" type="datetimeFigureOut">
               <a:rPr lang="en-US" smtClean="0"/>
               <a:pPr/>
-              <a:t>07/01/2018</a:t>
+              <a:t>1/8/2018</a:t>
             </a:fld>
             <a:endParaRPr lang="en-US"/>
           </a:p>
@@ -2548,6 +2452,11 @@
         </p:txBody>
       </p:sp>
     </p:spTree>
+    <p:extLst>
+      <p:ext uri="{BB962C8B-B14F-4D97-AF65-F5344CB8AC3E}">
+        <p14:creationId xmlns:p14="http://schemas.microsoft.com/office/powerpoint/2010/main" val="2281354509"/>
+      </p:ext>
+    </p:extLst>
   </p:cSld>
   <p:clrMapOvr>
     <a:masterClrMapping/>
@@ -2589,8 +2498,8 @@
         </p:nvSpPr>
         <p:spPr>
           <a:xfrm>
-            <a:off x="457200" y="274638"/>
-            <a:ext cx="8229600" cy="1143000"/>
+            <a:off x="628650" y="365126"/>
+            <a:ext cx="7886700" cy="1325563"/>
           </a:xfrm>
           <a:prstGeom prst="rect">
             <a:avLst/>
@@ -2622,8 +2531,8 @@
         </p:nvSpPr>
         <p:spPr>
           <a:xfrm>
-            <a:off x="457200" y="1600200"/>
-            <a:ext cx="8229600" cy="4525963"/>
+            <a:off x="628650" y="1825625"/>
+            <a:ext cx="7886700" cy="4351338"/>
           </a:xfrm>
           <a:prstGeom prst="rect">
             <a:avLst/>
@@ -2638,7 +2547,7 @@
             <a:pPr lvl="0"/>
             <a:r>
               <a:rPr lang="en-US" smtClean="0"/>
-              <a:t>Click to edit Master text styles</a:t>
+              <a:t>Edit Master text styles</a:t>
             </a:r>
           </a:p>
           <a:p>
@@ -2684,8 +2593,8 @@
         </p:nvSpPr>
         <p:spPr>
           <a:xfrm>
-            <a:off x="457200" y="6356350"/>
-            <a:ext cx="2133600" cy="365125"/>
+            <a:off x="628650" y="6356351"/>
+            <a:ext cx="2057400" cy="365125"/>
           </a:xfrm>
           <a:prstGeom prst="rect">
             <a:avLst/>
@@ -2695,7 +2604,7 @@
           <a:bodyPr vert="horz" lIns="91440" tIns="45720" rIns="91440" bIns="45720" rtlCol="0" anchor="ctr"/>
           <a:lstStyle>
             <a:lvl1pPr algn="l">
-              <a:defRPr sz="1200">
+              <a:defRPr sz="900">
                 <a:solidFill>
                   <a:schemeClr val="tx1">
                     <a:tint val="75000"/>
@@ -2708,7 +2617,7 @@
             <a:fld id="{4E83141C-B609-40CF-BC77-9EBCEE153BCD}" type="datetimeFigureOut">
               <a:rPr lang="en-US" smtClean="0"/>
               <a:pPr/>
-              <a:t>07/01/2018</a:t>
+              <a:t>1/8/2018</a:t>
             </a:fld>
             <a:endParaRPr lang="en-US"/>
           </a:p>
@@ -2726,8 +2635,8 @@
         </p:nvSpPr>
         <p:spPr>
           <a:xfrm>
-            <a:off x="3124200" y="6356350"/>
-            <a:ext cx="2895600" cy="365125"/>
+            <a:off x="3028950" y="6356351"/>
+            <a:ext cx="3086100" cy="365125"/>
           </a:xfrm>
           <a:prstGeom prst="rect">
             <a:avLst/>
@@ -2737,7 +2646,7 @@
           <a:bodyPr vert="horz" lIns="91440" tIns="45720" rIns="91440" bIns="45720" rtlCol="0" anchor="ctr"/>
           <a:lstStyle>
             <a:lvl1pPr algn="ctr">
-              <a:defRPr sz="1200">
+              <a:defRPr sz="900">
                 <a:solidFill>
                   <a:schemeClr val="tx1">
                     <a:tint val="75000"/>
@@ -2763,8 +2672,8 @@
         </p:nvSpPr>
         <p:spPr>
           <a:xfrm>
-            <a:off x="6553200" y="6356350"/>
-            <a:ext cx="2133600" cy="365125"/>
+            <a:off x="6457950" y="6356351"/>
+            <a:ext cx="2057400" cy="365125"/>
           </a:xfrm>
           <a:prstGeom prst="rect">
             <a:avLst/>
@@ -2774,7 +2683,7 @@
           <a:bodyPr vert="horz" lIns="91440" tIns="45720" rIns="91440" bIns="45720" rtlCol="0" anchor="ctr"/>
           <a:lstStyle>
             <a:lvl1pPr algn="r">
-              <a:defRPr sz="1200">
+              <a:defRPr sz="900">
                 <a:solidFill>
                   <a:schemeClr val="tx1">
                     <a:tint val="75000"/>
@@ -2794,29 +2703,37 @@
         </p:txBody>
       </p:sp>
     </p:spTree>
+    <p:extLst>
+      <p:ext uri="{BB962C8B-B14F-4D97-AF65-F5344CB8AC3E}">
+        <p14:creationId xmlns:p14="http://schemas.microsoft.com/office/powerpoint/2010/main" val="30028539"/>
+      </p:ext>
+    </p:extLst>
   </p:cSld>
   <p:clrMap bg1="lt1" tx1="dk1" bg2="lt2" tx2="dk2" accent1="accent1" accent2="accent2" accent3="accent3" accent4="accent4" accent5="accent5" accent6="accent6" hlink="hlink" folHlink="folHlink"/>
   <p:sldLayoutIdLst>
-    <p:sldLayoutId id="2147483649" r:id="rId1"/>
-    <p:sldLayoutId id="2147483650" r:id="rId2"/>
-    <p:sldLayoutId id="2147483651" r:id="rId3"/>
-    <p:sldLayoutId id="2147483652" r:id="rId4"/>
-    <p:sldLayoutId id="2147483653" r:id="rId5"/>
-    <p:sldLayoutId id="2147483654" r:id="rId6"/>
-    <p:sldLayoutId id="2147483655" r:id="rId7"/>
-    <p:sldLayoutId id="2147483656" r:id="rId8"/>
-    <p:sldLayoutId id="2147483657" r:id="rId9"/>
-    <p:sldLayoutId id="2147483658" r:id="rId10"/>
-    <p:sldLayoutId id="2147483659" r:id="rId11"/>
+    <p:sldLayoutId id="2147483787" r:id="rId1"/>
+    <p:sldLayoutId id="2147483788" r:id="rId2"/>
+    <p:sldLayoutId id="2147483789" r:id="rId3"/>
+    <p:sldLayoutId id="2147483790" r:id="rId4"/>
+    <p:sldLayoutId id="2147483791" r:id="rId5"/>
+    <p:sldLayoutId id="2147483792" r:id="rId6"/>
+    <p:sldLayoutId id="2147483793" r:id="rId7"/>
+    <p:sldLayoutId id="2147483794" r:id="rId8"/>
+    <p:sldLayoutId id="2147483795" r:id="rId9"/>
+    <p:sldLayoutId id="2147483796" r:id="rId10"/>
+    <p:sldLayoutId id="2147483797" r:id="rId11"/>
   </p:sldLayoutIdLst>
   <p:txStyles>
     <p:titleStyle>
-      <a:lvl1pPr algn="ctr" defTabSz="914400" rtl="0" eaLnBrk="1" latinLnBrk="0" hangingPunct="1">
+      <a:lvl1pPr algn="l" defTabSz="685800" rtl="0" eaLnBrk="1" latinLnBrk="0" hangingPunct="1">
+        <a:lnSpc>
+          <a:spcPct val="90000"/>
+        </a:lnSpc>
         <a:spcBef>
           <a:spcPct val="0"/>
         </a:spcBef>
         <a:buNone/>
-        <a:defRPr sz="4400" kern="1200">
+        <a:defRPr sz="3300" kern="1200">
           <a:solidFill>
             <a:schemeClr val="tx1"/>
           </a:solidFill>
@@ -2827,13 +2744,16 @@
       </a:lvl1pPr>
     </p:titleStyle>
     <p:bodyStyle>
-      <a:lvl1pPr marL="342900" indent="-342900" algn="l" defTabSz="914400" rtl="0" eaLnBrk="1" latinLnBrk="0" hangingPunct="1">
+      <a:lvl1pPr marL="171450" indent="-171450" algn="l" defTabSz="685800" rtl="0" eaLnBrk="1" latinLnBrk="0" hangingPunct="1">
+        <a:lnSpc>
+          <a:spcPct val="90000"/>
+        </a:lnSpc>
         <a:spcBef>
-          <a:spcPct val="20000"/>
+          <a:spcPts val="750"/>
         </a:spcBef>
-        <a:buFont typeface="Arial" pitchFamily="34" charset="0"/>
+        <a:buFont typeface="Arial" panose="020B0604020202020204" pitchFamily="34" charset="0"/>
         <a:buChar char="•"/>
-        <a:defRPr sz="3200" kern="1200">
+        <a:defRPr sz="2100" kern="1200">
           <a:solidFill>
             <a:schemeClr val="tx1"/>
           </a:solidFill>
@@ -2842,13 +2762,16 @@
           <a:cs typeface="+mn-cs"/>
         </a:defRPr>
       </a:lvl1pPr>
-      <a:lvl2pPr marL="742950" indent="-285750" algn="l" defTabSz="914400" rtl="0" eaLnBrk="1" latinLnBrk="0" hangingPunct="1">
+      <a:lvl2pPr marL="514350" indent="-171450" algn="l" defTabSz="685800" rtl="0" eaLnBrk="1" latinLnBrk="0" hangingPunct="1">
+        <a:lnSpc>
+          <a:spcPct val="90000"/>
+        </a:lnSpc>
         <a:spcBef>
-          <a:spcPct val="20000"/>
+          <a:spcPts val="375"/>
         </a:spcBef>
-        <a:buFont typeface="Arial" pitchFamily="34" charset="0"/>
-        <a:buChar char="–"/>
-        <a:defRPr sz="2800" kern="1200">
+        <a:buFont typeface="Arial" panose="020B0604020202020204" pitchFamily="34" charset="0"/>
+        <a:buChar char="•"/>
+        <a:defRPr sz="1800" kern="1200">
           <a:solidFill>
             <a:schemeClr val="tx1"/>
           </a:solidFill>
@@ -2857,13 +2780,16 @@
           <a:cs typeface="+mn-cs"/>
         </a:defRPr>
       </a:lvl2pPr>
-      <a:lvl3pPr marL="1143000" indent="-228600" algn="l" defTabSz="914400" rtl="0" eaLnBrk="1" latinLnBrk="0" hangingPunct="1">
+      <a:lvl3pPr marL="857250" indent="-171450" algn="l" defTabSz="685800" rtl="0" eaLnBrk="1" latinLnBrk="0" hangingPunct="1">
+        <a:lnSpc>
+          <a:spcPct val="90000"/>
+        </a:lnSpc>
         <a:spcBef>
-          <a:spcPct val="20000"/>
+          <a:spcPts val="375"/>
         </a:spcBef>
-        <a:buFont typeface="Arial" pitchFamily="34" charset="0"/>
+        <a:buFont typeface="Arial" panose="020B0604020202020204" pitchFamily="34" charset="0"/>
         <a:buChar char="•"/>
-        <a:defRPr sz="2400" kern="1200">
+        <a:defRPr sz="1500" kern="1200">
           <a:solidFill>
             <a:schemeClr val="tx1"/>
           </a:solidFill>
@@ -2872,13 +2798,16 @@
           <a:cs typeface="+mn-cs"/>
         </a:defRPr>
       </a:lvl3pPr>
-      <a:lvl4pPr marL="1600200" indent="-228600" algn="l" defTabSz="914400" rtl="0" eaLnBrk="1" latinLnBrk="0" hangingPunct="1">
+      <a:lvl4pPr marL="1200150" indent="-171450" algn="l" defTabSz="685800" rtl="0" eaLnBrk="1" latinLnBrk="0" hangingPunct="1">
+        <a:lnSpc>
+          <a:spcPct val="90000"/>
+        </a:lnSpc>
         <a:spcBef>
-          <a:spcPct val="20000"/>
+          <a:spcPts val="375"/>
         </a:spcBef>
-        <a:buFont typeface="Arial" pitchFamily="34" charset="0"/>
-        <a:buChar char="–"/>
-        <a:defRPr sz="2000" kern="1200">
+        <a:buFont typeface="Arial" panose="020B0604020202020204" pitchFamily="34" charset="0"/>
+        <a:buChar char="•"/>
+        <a:defRPr sz="1350" kern="1200">
           <a:solidFill>
             <a:schemeClr val="tx1"/>
           </a:solidFill>
@@ -2887,13 +2816,16 @@
           <a:cs typeface="+mn-cs"/>
         </a:defRPr>
       </a:lvl4pPr>
-      <a:lvl5pPr marL="2057400" indent="-228600" algn="l" defTabSz="914400" rtl="0" eaLnBrk="1" latinLnBrk="0" hangingPunct="1">
+      <a:lvl5pPr marL="1543050" indent="-171450" algn="l" defTabSz="685800" rtl="0" eaLnBrk="1" latinLnBrk="0" hangingPunct="1">
+        <a:lnSpc>
+          <a:spcPct val="90000"/>
+        </a:lnSpc>
         <a:spcBef>
-          <a:spcPct val="20000"/>
+          <a:spcPts val="375"/>
         </a:spcBef>
-        <a:buFont typeface="Arial" pitchFamily="34" charset="0"/>
-        <a:buChar char="»"/>
-        <a:defRPr sz="2000" kern="1200">
+        <a:buFont typeface="Arial" panose="020B0604020202020204" pitchFamily="34" charset="0"/>
+        <a:buChar char="•"/>
+        <a:defRPr sz="1350" kern="1200">
           <a:solidFill>
             <a:schemeClr val="tx1"/>
           </a:solidFill>
@@ -2902,13 +2834,16 @@
           <a:cs typeface="+mn-cs"/>
         </a:defRPr>
       </a:lvl5pPr>
-      <a:lvl6pPr marL="2514600" indent="-228600" algn="l" defTabSz="914400" rtl="0" eaLnBrk="1" latinLnBrk="0" hangingPunct="1">
+      <a:lvl6pPr marL="1885950" indent="-171450" algn="l" defTabSz="685800" rtl="0" eaLnBrk="1" latinLnBrk="0" hangingPunct="1">
+        <a:lnSpc>
+          <a:spcPct val="90000"/>
+        </a:lnSpc>
         <a:spcBef>
-          <a:spcPct val="20000"/>
+          <a:spcPts val="375"/>
         </a:spcBef>
-        <a:buFont typeface="Arial" pitchFamily="34" charset="0"/>
+        <a:buFont typeface="Arial" panose="020B0604020202020204" pitchFamily="34" charset="0"/>
         <a:buChar char="•"/>
-        <a:defRPr sz="2000" kern="1200">
+        <a:defRPr sz="1350" kern="1200">
           <a:solidFill>
             <a:schemeClr val="tx1"/>
           </a:solidFill>
@@ -2917,13 +2852,16 @@
           <a:cs typeface="+mn-cs"/>
         </a:defRPr>
       </a:lvl6pPr>
-      <a:lvl7pPr marL="2971800" indent="-228600" algn="l" defTabSz="914400" rtl="0" eaLnBrk="1" latinLnBrk="0" hangingPunct="1">
+      <a:lvl7pPr marL="2228850" indent="-171450" algn="l" defTabSz="685800" rtl="0" eaLnBrk="1" latinLnBrk="0" hangingPunct="1">
+        <a:lnSpc>
+          <a:spcPct val="90000"/>
+        </a:lnSpc>
         <a:spcBef>
-          <a:spcPct val="20000"/>
+          <a:spcPts val="375"/>
         </a:spcBef>
-        <a:buFont typeface="Arial" pitchFamily="34" charset="0"/>
+        <a:buFont typeface="Arial" panose="020B0604020202020204" pitchFamily="34" charset="0"/>
         <a:buChar char="•"/>
-        <a:defRPr sz="2000" kern="1200">
+        <a:defRPr sz="1350" kern="1200">
           <a:solidFill>
             <a:schemeClr val="tx1"/>
           </a:solidFill>
@@ -2932,13 +2870,16 @@
           <a:cs typeface="+mn-cs"/>
         </a:defRPr>
       </a:lvl7pPr>
-      <a:lvl8pPr marL="3429000" indent="-228600" algn="l" defTabSz="914400" rtl="0" eaLnBrk="1" latinLnBrk="0" hangingPunct="1">
+      <a:lvl8pPr marL="2571750" indent="-171450" algn="l" defTabSz="685800" rtl="0" eaLnBrk="1" latinLnBrk="0" hangingPunct="1">
+        <a:lnSpc>
+          <a:spcPct val="90000"/>
+        </a:lnSpc>
         <a:spcBef>
-          <a:spcPct val="20000"/>
+          <a:spcPts val="375"/>
         </a:spcBef>
-        <a:buFont typeface="Arial" pitchFamily="34" charset="0"/>
+        <a:buFont typeface="Arial" panose="020B0604020202020204" pitchFamily="34" charset="0"/>
         <a:buChar char="•"/>
-        <a:defRPr sz="2000" kern="1200">
+        <a:defRPr sz="1350" kern="1200">
           <a:solidFill>
             <a:schemeClr val="tx1"/>
           </a:solidFill>
@@ -2947,13 +2888,16 @@
           <a:cs typeface="+mn-cs"/>
         </a:defRPr>
       </a:lvl8pPr>
-      <a:lvl9pPr marL="3886200" indent="-228600" algn="l" defTabSz="914400" rtl="0" eaLnBrk="1" latinLnBrk="0" hangingPunct="1">
+      <a:lvl9pPr marL="2914650" indent="-171450" algn="l" defTabSz="685800" rtl="0" eaLnBrk="1" latinLnBrk="0" hangingPunct="1">
+        <a:lnSpc>
+          <a:spcPct val="90000"/>
+        </a:lnSpc>
         <a:spcBef>
-          <a:spcPct val="20000"/>
+          <a:spcPts val="375"/>
         </a:spcBef>
-        <a:buFont typeface="Arial" pitchFamily="34" charset="0"/>
+        <a:buFont typeface="Arial" panose="020B0604020202020204" pitchFamily="34" charset="0"/>
         <a:buChar char="•"/>
-        <a:defRPr sz="2000" kern="1200">
+        <a:defRPr sz="1350" kern="1200">
           <a:solidFill>
             <a:schemeClr val="tx1"/>
           </a:solidFill>
@@ -2967,8 +2911,8 @@
       <a:defPPr>
         <a:defRPr lang="en-US"/>
       </a:defPPr>
-      <a:lvl1pPr marL="0" algn="l" defTabSz="914400" rtl="0" eaLnBrk="1" latinLnBrk="0" hangingPunct="1">
-        <a:defRPr sz="1800" kern="1200">
+      <a:lvl1pPr marL="0" algn="l" defTabSz="685800" rtl="0" eaLnBrk="1" latinLnBrk="0" hangingPunct="1">
+        <a:defRPr sz="1350" kern="1200">
           <a:solidFill>
             <a:schemeClr val="tx1"/>
           </a:solidFill>
@@ -2977,8 +2921,8 @@
           <a:cs typeface="+mn-cs"/>
         </a:defRPr>
       </a:lvl1pPr>
-      <a:lvl2pPr marL="457200" algn="l" defTabSz="914400" rtl="0" eaLnBrk="1" latinLnBrk="0" hangingPunct="1">
-        <a:defRPr sz="1800" kern="1200">
+      <a:lvl2pPr marL="342900" algn="l" defTabSz="685800" rtl="0" eaLnBrk="1" latinLnBrk="0" hangingPunct="1">
+        <a:defRPr sz="1350" kern="1200">
           <a:solidFill>
             <a:schemeClr val="tx1"/>
           </a:solidFill>
@@ -2987,8 +2931,8 @@
           <a:cs typeface="+mn-cs"/>
         </a:defRPr>
       </a:lvl2pPr>
-      <a:lvl3pPr marL="914400" algn="l" defTabSz="914400" rtl="0" eaLnBrk="1" latinLnBrk="0" hangingPunct="1">
-        <a:defRPr sz="1800" kern="1200">
+      <a:lvl3pPr marL="685800" algn="l" defTabSz="685800" rtl="0" eaLnBrk="1" latinLnBrk="0" hangingPunct="1">
+        <a:defRPr sz="1350" kern="1200">
           <a:solidFill>
             <a:schemeClr val="tx1"/>
           </a:solidFill>
@@ -2997,8 +2941,8 @@
           <a:cs typeface="+mn-cs"/>
         </a:defRPr>
       </a:lvl3pPr>
-      <a:lvl4pPr marL="1371600" algn="l" defTabSz="914400" rtl="0" eaLnBrk="1" latinLnBrk="0" hangingPunct="1">
-        <a:defRPr sz="1800" kern="1200">
+      <a:lvl4pPr marL="1028700" algn="l" defTabSz="685800" rtl="0" eaLnBrk="1" latinLnBrk="0" hangingPunct="1">
+        <a:defRPr sz="1350" kern="1200">
           <a:solidFill>
             <a:schemeClr val="tx1"/>
           </a:solidFill>
@@ -3007,8 +2951,8 @@
           <a:cs typeface="+mn-cs"/>
         </a:defRPr>
       </a:lvl4pPr>
-      <a:lvl5pPr marL="1828800" algn="l" defTabSz="914400" rtl="0" eaLnBrk="1" latinLnBrk="0" hangingPunct="1">
-        <a:defRPr sz="1800" kern="1200">
+      <a:lvl5pPr marL="1371600" algn="l" defTabSz="685800" rtl="0" eaLnBrk="1" latinLnBrk="0" hangingPunct="1">
+        <a:defRPr sz="1350" kern="1200">
           <a:solidFill>
             <a:schemeClr val="tx1"/>
           </a:solidFill>
@@ -3017,8 +2961,8 @@
           <a:cs typeface="+mn-cs"/>
         </a:defRPr>
       </a:lvl5pPr>
-      <a:lvl6pPr marL="2286000" algn="l" defTabSz="914400" rtl="0" eaLnBrk="1" latinLnBrk="0" hangingPunct="1">
-        <a:defRPr sz="1800" kern="1200">
+      <a:lvl6pPr marL="1714500" algn="l" defTabSz="685800" rtl="0" eaLnBrk="1" latinLnBrk="0" hangingPunct="1">
+        <a:defRPr sz="1350" kern="1200">
           <a:solidFill>
             <a:schemeClr val="tx1"/>
           </a:solidFill>
@@ -3027,8 +2971,8 @@
           <a:cs typeface="+mn-cs"/>
         </a:defRPr>
       </a:lvl6pPr>
-      <a:lvl7pPr marL="2743200" algn="l" defTabSz="914400" rtl="0" eaLnBrk="1" latinLnBrk="0" hangingPunct="1">
-        <a:defRPr sz="1800" kern="1200">
+      <a:lvl7pPr marL="2057400" algn="l" defTabSz="685800" rtl="0" eaLnBrk="1" latinLnBrk="0" hangingPunct="1">
+        <a:defRPr sz="1350" kern="1200">
           <a:solidFill>
             <a:schemeClr val="tx1"/>
           </a:solidFill>
@@ -3037,8 +2981,8 @@
           <a:cs typeface="+mn-cs"/>
         </a:defRPr>
       </a:lvl7pPr>
-      <a:lvl8pPr marL="3200400" algn="l" defTabSz="914400" rtl="0" eaLnBrk="1" latinLnBrk="0" hangingPunct="1">
-        <a:defRPr sz="1800" kern="1200">
+      <a:lvl8pPr marL="2400300" algn="l" defTabSz="685800" rtl="0" eaLnBrk="1" latinLnBrk="0" hangingPunct="1">
+        <a:defRPr sz="1350" kern="1200">
           <a:solidFill>
             <a:schemeClr val="tx1"/>
           </a:solidFill>
@@ -3047,8 +2991,8 @@
           <a:cs typeface="+mn-cs"/>
         </a:defRPr>
       </a:lvl8pPr>
-      <a:lvl9pPr marL="3657600" algn="l" defTabSz="914400" rtl="0" eaLnBrk="1" latinLnBrk="0" hangingPunct="1">
-        <a:defRPr sz="1800" kern="1200">
+      <a:lvl9pPr marL="2743200" algn="l" defTabSz="685800" rtl="0" eaLnBrk="1" latinLnBrk="0" hangingPunct="1">
+        <a:defRPr sz="1350" kern="1200">
           <a:solidFill>
             <a:schemeClr val="tx1"/>
           </a:solidFill>
@@ -3106,7 +3050,19 @@
               <a:rPr lang="en-US" dirty="0" smtClean="0">
                 <a:latin typeface="Algerian" pitchFamily="82" charset="0"/>
               </a:rPr>
-              <a:t>OF SOTWARE CONFIGURATION MANAGEMENT</a:t>
+              <a:t>in</a:t>
+            </a:r>
+            <a:r>
+              <a:rPr lang="en-US" dirty="0" smtClean="0">
+                <a:latin typeface="Algerian" pitchFamily="82" charset="0"/>
+              </a:rPr>
+              <a:t> SOFTWARE </a:t>
+            </a:r>
+            <a:r>
+              <a:rPr lang="en-US" dirty="0" smtClean="0">
+                <a:latin typeface="Algerian" pitchFamily="82" charset="0"/>
+              </a:rPr>
+              <a:t>CONFIGURATION MANAGEMENT</a:t>
             </a:r>
             <a:endParaRPr lang="en-US" dirty="0">
               <a:latin typeface="Algerian" pitchFamily="82" charset="0"/>
@@ -3132,7 +3088,7 @@
         </p:spPr>
         <p:txBody>
           <a:bodyPr>
-            <a:normAutofit fontScale="92500"/>
+            <a:normAutofit/>
           </a:bodyPr>
           <a:lstStyle/>
           <a:p>
@@ -3160,23 +3116,35 @@
             </a:r>
             <a:r>
               <a:rPr lang="en-US" b="1" dirty="0" err="1" smtClean="0">
+                <a:solidFill>
+                  <a:schemeClr val="tx2"/>
+                </a:solidFill>
                 <a:latin typeface="Informal Roman" pitchFamily="66" charset="0"/>
               </a:rPr>
               <a:t>Suvetha</a:t>
             </a:r>
             <a:r>
               <a:rPr lang="en-US" b="1" dirty="0" smtClean="0">
+                <a:solidFill>
+                  <a:schemeClr val="tx2"/>
+                </a:solidFill>
                 <a:latin typeface="Informal Roman" pitchFamily="66" charset="0"/>
               </a:rPr>
               <a:t> </a:t>
             </a:r>
             <a:r>
               <a:rPr lang="en-US" b="1" dirty="0" err="1" smtClean="0">
+                <a:solidFill>
+                  <a:schemeClr val="tx2"/>
+                </a:solidFill>
                 <a:latin typeface="Informal Roman" pitchFamily="66" charset="0"/>
               </a:rPr>
               <a:t>Selvaraju</a:t>
             </a:r>
             <a:endParaRPr lang="en-US" b="1" dirty="0">
+              <a:solidFill>
+                <a:schemeClr val="tx2"/>
+              </a:solidFill>
               <a:latin typeface="Informal Roman" pitchFamily="66" charset="0"/>
             </a:endParaRPr>
           </a:p>
@@ -3230,53 +3198,101 @@
           <a:lstStyle/>
           <a:p>
             <a:r>
-              <a:rPr lang="en-US" i="1" dirty="0" smtClean="0"/>
-              <a:t>LOCK-MODIFY-UNLOCK SOLUTION</a:t>
-            </a:r>
-            <a:endParaRPr lang="en-US" i="1" dirty="0"/>
-          </a:p>
-        </p:txBody>
-      </p:sp>
-      <p:pic>
-        <p:nvPicPr>
-          <p:cNvPr id="5122" name="Picture 2"/>
-          <p:cNvPicPr>
-            <a:picLocks noGrp="1" noChangeAspect="1" noChangeArrowheads="1"/>
-          </p:cNvPicPr>
+              <a:rPr lang="en-US" b="1" i="1" dirty="0" smtClean="0"/>
+              <a:t>Version Control System</a:t>
+            </a:r>
+            <a:endParaRPr lang="en-US" b="1" i="1" dirty="0"/>
+          </a:p>
+        </p:txBody>
+      </p:sp>
+      <p:sp>
+        <p:nvSpPr>
+          <p:cNvPr id="3" name="Content Placeholder 2"/>
+          <p:cNvSpPr>
+            <a:spLocks noGrp="1"/>
+          </p:cNvSpPr>
           <p:nvPr>
             <p:ph idx="1"/>
           </p:nvPr>
-        </p:nvPicPr>
-        <p:blipFill>
-          <a:blip r:embed="rId2"/>
-          <a:srcRect/>
-          <a:stretch>
-            <a:fillRect/>
-          </a:stretch>
-        </p:blipFill>
-        <p:spPr bwMode="auto">
-          <a:xfrm>
-            <a:off x="609600" y="1524000"/>
-            <a:ext cx="8001000" cy="5105399"/>
-          </a:xfrm>
-          <a:prstGeom prst="rect">
-            <a:avLst/>
-          </a:prstGeom>
-          <a:noFill/>
-          <a:ln w="9525">
-            <a:noFill/>
-            <a:miter lim="800000"/>
-            <a:headEnd/>
-            <a:tailEnd/>
-          </a:ln>
-          <a:effectLst/>
-        </p:spPr>
-      </p:pic>
+        </p:nvSpPr>
+        <p:spPr/>
+        <p:txBody>
+          <a:bodyPr>
+            <a:normAutofit/>
+          </a:bodyPr>
+          <a:lstStyle/>
+          <a:p>
+            <a:r>
+              <a:rPr lang="en-US" dirty="0" smtClean="0">
+                <a:latin typeface="Times New Roman" panose="02020603050405020304" pitchFamily="18" charset="0"/>
+                <a:cs typeface="Times New Roman" panose="02020603050405020304" pitchFamily="18" charset="0"/>
+              </a:rPr>
+              <a:t>The core mission of a version control system is to enable collaborative editing and sharing of data.</a:t>
+            </a:r>
+          </a:p>
+          <a:p>
+            <a:r>
+              <a:rPr lang="en-US" dirty="0" smtClean="0">
+                <a:latin typeface="Times New Roman" panose="02020603050405020304" pitchFamily="18" charset="0"/>
+                <a:cs typeface="Times New Roman" panose="02020603050405020304" pitchFamily="18" charset="0"/>
+              </a:rPr>
+              <a:t>File sharing is the most common problem faced by all version control systems, so most of the systems use Version Control with Subversion.</a:t>
+            </a:r>
+          </a:p>
+          <a:p>
+            <a:pPr>
+              <a:buNone/>
+            </a:pPr>
+            <a:r>
+              <a:rPr lang="en-US" dirty="0" smtClean="0">
+                <a:latin typeface="Times New Roman" panose="02020603050405020304" pitchFamily="18" charset="0"/>
+                <a:cs typeface="Times New Roman" panose="02020603050405020304" pitchFamily="18" charset="0"/>
+              </a:rPr>
+              <a:t> For this the solutions can be:</a:t>
+            </a:r>
+          </a:p>
+          <a:p>
+            <a:pPr>
+              <a:buNone/>
+            </a:pPr>
+            <a:r>
+              <a:rPr lang="en-US" dirty="0" smtClean="0">
+                <a:latin typeface="Times New Roman" panose="02020603050405020304" pitchFamily="18" charset="0"/>
+                <a:cs typeface="Times New Roman" panose="02020603050405020304" pitchFamily="18" charset="0"/>
+              </a:rPr>
+              <a:t>		-&gt; Lock-Modify-Unlock Solution</a:t>
+            </a:r>
+          </a:p>
+          <a:p>
+            <a:pPr>
+              <a:buNone/>
+            </a:pPr>
+            <a:r>
+              <a:rPr lang="en-US" dirty="0" smtClean="0">
+                <a:latin typeface="Times New Roman" panose="02020603050405020304" pitchFamily="18" charset="0"/>
+                <a:cs typeface="Times New Roman" panose="02020603050405020304" pitchFamily="18" charset="0"/>
+              </a:rPr>
+              <a:t>		-&gt;Copy-Modify-Merge Solution</a:t>
+            </a:r>
+            <a:endParaRPr lang="en-US" dirty="0">
+              <a:latin typeface="Times New Roman" panose="02020603050405020304" pitchFamily="18" charset="0"/>
+              <a:cs typeface="Times New Roman" panose="02020603050405020304" pitchFamily="18" charset="0"/>
+            </a:endParaRPr>
+          </a:p>
+        </p:txBody>
+      </p:sp>
     </p:spTree>
   </p:cSld>
   <p:clrMapOvr>
     <a:masterClrMapping/>
   </p:clrMapOvr>
+  <p:timing>
+    <p:tnLst>
+      <p:par>
+        <p:cTn id="1" dur="indefinite" restart="never" nodeType="tmRoot"/>
+      </p:par>
+    </p:tnLst>
+  </p:timing>
 </p:sld>
 </file>
 
@@ -3307,22 +3323,27 @@
             <p:ph type="title"/>
           </p:nvPr>
         </p:nvSpPr>
-        <p:spPr/>
+        <p:spPr>
+          <a:xfrm>
+            <a:off x="609600" y="381000"/>
+            <a:ext cx="7765321" cy="1326321"/>
+          </a:xfrm>
+        </p:spPr>
         <p:txBody>
           <a:bodyPr/>
           <a:lstStyle/>
           <a:p>
             <a:r>
-              <a:rPr lang="en-US" i="1" dirty="0" smtClean="0"/>
-              <a:t>COPY-MODIFY-MERGE SOLUTION</a:t>
-            </a:r>
-            <a:endParaRPr lang="en-US" i="1" dirty="0"/>
+              <a:rPr lang="en-US" b="1" i="1" dirty="0" smtClean="0"/>
+              <a:t>Problem of file sharing</a:t>
+            </a:r>
+            <a:endParaRPr lang="en-US" b="1" i="1" dirty="0"/>
           </a:p>
         </p:txBody>
       </p:sp>
       <p:pic>
         <p:nvPicPr>
-          <p:cNvPr id="6146" name="Picture 2"/>
+          <p:cNvPr id="4098" name="Picture 2"/>
           <p:cNvPicPr>
             <a:picLocks noGrp="1" noChangeAspect="1" noChangeArrowheads="1"/>
           </p:cNvPicPr>
@@ -3332,15 +3353,14 @@
         </p:nvPicPr>
         <p:blipFill>
           <a:blip r:embed="rId2"/>
-          <a:srcRect/>
           <a:stretch>
             <a:fillRect/>
           </a:stretch>
         </p:blipFill>
         <p:spPr bwMode="auto">
           <a:xfrm>
-            <a:off x="914400" y="1447800"/>
-            <a:ext cx="7391400" cy="5029200"/>
+            <a:off x="762000" y="1707321"/>
+            <a:ext cx="7391400" cy="4541079"/>
           </a:xfrm>
           <a:prstGeom prst="rect">
             <a:avLst/>
@@ -3360,10 +3380,209 @@
   <p:clrMapOvr>
     <a:masterClrMapping/>
   </p:clrMapOvr>
+  <p:timing>
+    <p:tnLst>
+      <p:par>
+        <p:cTn id="1" dur="indefinite" restart="never" nodeType="tmRoot"/>
+      </p:par>
+    </p:tnLst>
+  </p:timing>
 </p:sld>
 </file>
 
 <file path=ppt/slides/slide12.xml><?xml version="1.0" encoding="utf-8"?>
+<p:sld xmlns:a="http://schemas.openxmlformats.org/drawingml/2006/main" xmlns:r="http://schemas.openxmlformats.org/officeDocument/2006/relationships" xmlns:p="http://schemas.openxmlformats.org/presentationml/2006/main">
+  <p:cSld>
+    <p:spTree>
+      <p:nvGrpSpPr>
+        <p:cNvPr id="1" name=""/>
+        <p:cNvGrpSpPr/>
+        <p:nvPr/>
+      </p:nvGrpSpPr>
+      <p:grpSpPr>
+        <a:xfrm>
+          <a:off x="0" y="0"/>
+          <a:ext cx="0" cy="0"/>
+          <a:chOff x="0" y="0"/>
+          <a:chExt cx="0" cy="0"/>
+        </a:xfrm>
+      </p:grpSpPr>
+      <p:sp>
+        <p:nvSpPr>
+          <p:cNvPr id="2" name="Title 1"/>
+          <p:cNvSpPr>
+            <a:spLocks noGrp="1"/>
+          </p:cNvSpPr>
+          <p:nvPr>
+            <p:ph type="title"/>
+          </p:nvPr>
+        </p:nvSpPr>
+        <p:spPr>
+          <a:xfrm>
+            <a:off x="685800" y="304800"/>
+            <a:ext cx="7765321" cy="1326321"/>
+          </a:xfrm>
+        </p:spPr>
+        <p:txBody>
+          <a:bodyPr>
+            <a:normAutofit/>
+          </a:bodyPr>
+          <a:lstStyle/>
+          <a:p>
+            <a:r>
+              <a:rPr lang="en-US" b="1" i="1" dirty="0" smtClean="0"/>
+              <a:t>LOCK-MODIFY-UNLOCK SOLUTION</a:t>
+            </a:r>
+            <a:endParaRPr lang="en-US" b="1" i="1" dirty="0"/>
+          </a:p>
+        </p:txBody>
+      </p:sp>
+      <p:pic>
+        <p:nvPicPr>
+          <p:cNvPr id="5122" name="Picture 2"/>
+          <p:cNvPicPr>
+            <a:picLocks noGrp="1" noChangeAspect="1" noChangeArrowheads="1"/>
+          </p:cNvPicPr>
+          <p:nvPr>
+            <p:ph idx="1"/>
+          </p:nvPr>
+        </p:nvPicPr>
+        <p:blipFill>
+          <a:blip r:embed="rId2"/>
+          <a:stretch>
+            <a:fillRect/>
+          </a:stretch>
+        </p:blipFill>
+        <p:spPr bwMode="auto">
+          <a:xfrm>
+            <a:off x="914400" y="1524000"/>
+            <a:ext cx="7010399" cy="4876799"/>
+          </a:xfrm>
+          <a:prstGeom prst="rect">
+            <a:avLst/>
+          </a:prstGeom>
+          <a:noFill/>
+          <a:ln w="9525">
+            <a:noFill/>
+            <a:miter lim="800000"/>
+            <a:headEnd/>
+            <a:tailEnd/>
+          </a:ln>
+          <a:effectLst/>
+        </p:spPr>
+      </p:pic>
+    </p:spTree>
+  </p:cSld>
+  <p:clrMapOvr>
+    <a:masterClrMapping/>
+  </p:clrMapOvr>
+  <p:timing>
+    <p:tnLst>
+      <p:par>
+        <p:cTn id="1" dur="indefinite" restart="never" nodeType="tmRoot"/>
+      </p:par>
+    </p:tnLst>
+  </p:timing>
+</p:sld>
+</file>
+
+<file path=ppt/slides/slide13.xml><?xml version="1.0" encoding="utf-8"?>
+<p:sld xmlns:a="http://schemas.openxmlformats.org/drawingml/2006/main" xmlns:r="http://schemas.openxmlformats.org/officeDocument/2006/relationships" xmlns:p="http://schemas.openxmlformats.org/presentationml/2006/main">
+  <p:cSld>
+    <p:spTree>
+      <p:nvGrpSpPr>
+        <p:cNvPr id="1" name=""/>
+        <p:cNvGrpSpPr/>
+        <p:nvPr/>
+      </p:nvGrpSpPr>
+      <p:grpSpPr>
+        <a:xfrm>
+          <a:off x="0" y="0"/>
+          <a:ext cx="0" cy="0"/>
+          <a:chOff x="0" y="0"/>
+          <a:chExt cx="0" cy="0"/>
+        </a:xfrm>
+      </p:grpSpPr>
+      <p:sp>
+        <p:nvSpPr>
+          <p:cNvPr id="2" name="Title 1"/>
+          <p:cNvSpPr>
+            <a:spLocks noGrp="1"/>
+          </p:cNvSpPr>
+          <p:nvPr>
+            <p:ph type="title"/>
+          </p:nvPr>
+        </p:nvSpPr>
+        <p:spPr>
+          <a:xfrm>
+            <a:off x="685370" y="304800"/>
+            <a:ext cx="7765321" cy="1326321"/>
+          </a:xfrm>
+        </p:spPr>
+        <p:txBody>
+          <a:bodyPr>
+            <a:normAutofit/>
+          </a:bodyPr>
+          <a:lstStyle/>
+          <a:p>
+            <a:r>
+              <a:rPr lang="en-US" b="1" i="1" dirty="0" smtClean="0"/>
+              <a:t>COPY-MODIFY-MERGE SOLUTION</a:t>
+            </a:r>
+            <a:endParaRPr lang="en-US" b="1" i="1" dirty="0"/>
+          </a:p>
+        </p:txBody>
+      </p:sp>
+      <p:pic>
+        <p:nvPicPr>
+          <p:cNvPr id="6146" name="Picture 2"/>
+          <p:cNvPicPr>
+            <a:picLocks noGrp="1" noChangeAspect="1" noChangeArrowheads="1"/>
+          </p:cNvPicPr>
+          <p:nvPr>
+            <p:ph idx="1"/>
+          </p:nvPr>
+        </p:nvPicPr>
+        <p:blipFill>
+          <a:blip r:embed="rId2"/>
+          <a:stretch>
+            <a:fillRect/>
+          </a:stretch>
+        </p:blipFill>
+        <p:spPr bwMode="auto">
+          <a:xfrm>
+            <a:off x="609600" y="1631121"/>
+            <a:ext cx="7620000" cy="4693479"/>
+          </a:xfrm>
+          <a:prstGeom prst="rect">
+            <a:avLst/>
+          </a:prstGeom>
+          <a:noFill/>
+          <a:ln w="9525">
+            <a:noFill/>
+            <a:miter lim="800000"/>
+            <a:headEnd/>
+            <a:tailEnd/>
+          </a:ln>
+          <a:effectLst/>
+        </p:spPr>
+      </p:pic>
+    </p:spTree>
+  </p:cSld>
+  <p:clrMapOvr>
+    <a:masterClrMapping/>
+  </p:clrMapOvr>
+  <p:timing>
+    <p:tnLst>
+      <p:par>
+        <p:cTn id="1" dur="indefinite" restart="never" nodeType="tmRoot"/>
+      </p:par>
+    </p:tnLst>
+  </p:timing>
+</p:sld>
+</file>
+
+<file path=ppt/slides/slide14.xml><?xml version="1.0" encoding="utf-8"?>
 <p:sld xmlns:a="http://schemas.openxmlformats.org/drawingml/2006/main" xmlns:r="http://schemas.openxmlformats.org/officeDocument/2006/relationships" xmlns:p="http://schemas.openxmlformats.org/presentationml/2006/main">
   <p:cSld>
     <p:spTree>
@@ -3392,15 +3611,14 @@
         </p:nvPicPr>
         <p:blipFill>
           <a:blip r:embed="rId2"/>
-          <a:srcRect/>
           <a:stretch>
             <a:fillRect/>
           </a:stretch>
         </p:blipFill>
         <p:spPr bwMode="auto">
           <a:xfrm>
-            <a:off x="838200" y="609600"/>
-            <a:ext cx="7391400" cy="5562599"/>
+            <a:off x="685800" y="533400"/>
+            <a:ext cx="7848600" cy="5791200"/>
           </a:xfrm>
           <a:prstGeom prst="rect">
             <a:avLst/>
@@ -3420,136 +3638,13 @@
   <p:clrMapOvr>
     <a:masterClrMapping/>
   </p:clrMapOvr>
-</p:sld>
-</file>
-
-<file path=ppt/slides/slide13.xml><?xml version="1.0" encoding="utf-8"?>
-<p:sld xmlns:a="http://schemas.openxmlformats.org/drawingml/2006/main" xmlns:r="http://schemas.openxmlformats.org/officeDocument/2006/relationships" xmlns:p="http://schemas.openxmlformats.org/presentationml/2006/main">
-  <p:cSld>
-    <p:spTree>
-      <p:nvGrpSpPr>
-        <p:cNvPr id="1" name=""/>
-        <p:cNvGrpSpPr/>
-        <p:nvPr/>
-      </p:nvGrpSpPr>
-      <p:grpSpPr>
-        <a:xfrm>
-          <a:off x="0" y="0"/>
-          <a:ext cx="0" cy="0"/>
-          <a:chOff x="0" y="0"/>
-          <a:chExt cx="0" cy="0"/>
-        </a:xfrm>
-      </p:grpSpPr>
-      <p:sp>
-        <p:nvSpPr>
-          <p:cNvPr id="2" name="Title 1"/>
-          <p:cNvSpPr>
-            <a:spLocks noGrp="1"/>
-          </p:cNvSpPr>
-          <p:nvPr>
-            <p:ph type="title"/>
-          </p:nvPr>
-        </p:nvSpPr>
-        <p:spPr/>
-        <p:txBody>
-          <a:bodyPr/>
-          <a:lstStyle/>
-          <a:p>
-            <a:r>
-              <a:rPr lang="en-US" i="1" dirty="0" smtClean="0"/>
-              <a:t>Baselines</a:t>
-            </a:r>
-            <a:endParaRPr lang="en-US" i="1" dirty="0"/>
-          </a:p>
-        </p:txBody>
-      </p:sp>
-      <p:sp>
-        <p:nvSpPr>
-          <p:cNvPr id="3" name="Content Placeholder 2"/>
-          <p:cNvSpPr>
-            <a:spLocks noGrp="1"/>
-          </p:cNvSpPr>
-          <p:nvPr>
-            <p:ph idx="1"/>
-          </p:nvPr>
-        </p:nvSpPr>
-        <p:spPr/>
-        <p:txBody>
-          <a:bodyPr/>
-          <a:lstStyle/>
-          <a:p>
-            <a:endParaRPr lang="en-US" dirty="0"/>
-          </a:p>
-        </p:txBody>
-      </p:sp>
-    </p:spTree>
-  </p:cSld>
-  <p:clrMapOvr>
-    <a:masterClrMapping/>
-  </p:clrMapOvr>
-</p:sld>
-</file>
-
-<file path=ppt/slides/slide14.xml><?xml version="1.0" encoding="utf-8"?>
-<p:sld xmlns:a="http://schemas.openxmlformats.org/drawingml/2006/main" xmlns:r="http://schemas.openxmlformats.org/officeDocument/2006/relationships" xmlns:p="http://schemas.openxmlformats.org/presentationml/2006/main">
-  <p:cSld>
-    <p:spTree>
-      <p:nvGrpSpPr>
-        <p:cNvPr id="1" name=""/>
-        <p:cNvGrpSpPr/>
-        <p:nvPr/>
-      </p:nvGrpSpPr>
-      <p:grpSpPr>
-        <a:xfrm>
-          <a:off x="0" y="0"/>
-          <a:ext cx="0" cy="0"/>
-          <a:chOff x="0" y="0"/>
-          <a:chExt cx="0" cy="0"/>
-        </a:xfrm>
-      </p:grpSpPr>
-      <p:sp>
-        <p:nvSpPr>
-          <p:cNvPr id="2" name="Title 1"/>
-          <p:cNvSpPr>
-            <a:spLocks noGrp="1"/>
-          </p:cNvSpPr>
-          <p:nvPr>
-            <p:ph type="title"/>
-          </p:nvPr>
-        </p:nvSpPr>
-        <p:spPr/>
-        <p:txBody>
-          <a:bodyPr/>
-          <a:lstStyle/>
-          <a:p>
-            <a:endParaRPr lang="en-US"/>
-          </a:p>
-        </p:txBody>
-      </p:sp>
-      <p:sp>
-        <p:nvSpPr>
-          <p:cNvPr id="3" name="Content Placeholder 2"/>
-          <p:cNvSpPr>
-            <a:spLocks noGrp="1"/>
-          </p:cNvSpPr>
-          <p:nvPr>
-            <p:ph idx="1"/>
-          </p:nvPr>
-        </p:nvSpPr>
-        <p:spPr/>
-        <p:txBody>
-          <a:bodyPr/>
-          <a:lstStyle/>
-          <a:p>
-            <a:endParaRPr lang="en-US"/>
-          </a:p>
-        </p:txBody>
-      </p:sp>
-    </p:spTree>
-  </p:cSld>
-  <p:clrMapOvr>
-    <a:masterClrMapping/>
-  </p:clrMapOvr>
+  <p:timing>
+    <p:tnLst>
+      <p:par>
+        <p:cTn id="1" dur="indefinite" restart="never" nodeType="tmRoot"/>
+      </p:par>
+    </p:tnLst>
+  </p:timing>
 </p:sld>
 </file>
 
@@ -3587,9 +3682,9 @@
           <a:p>
             <a:r>
               <a:rPr lang="en-US" b="1" i="1" dirty="0" smtClean="0"/>
-              <a:t>SCM Best Practices</a:t>
-            </a:r>
-            <a:endParaRPr lang="en-US" i="1" dirty="0"/>
+              <a:t>Baselines</a:t>
+            </a:r>
+            <a:endParaRPr lang="en-US" b="1" i="1" dirty="0"/>
           </a:p>
         </p:txBody>
       </p:sp>
@@ -3605,79 +3700,225 @@
         </p:nvSpPr>
         <p:spPr>
           <a:xfrm>
-            <a:off x="457200" y="1295400"/>
-            <a:ext cx="8229600" cy="4830763"/>
+            <a:off x="685346" y="1752600"/>
+            <a:ext cx="7765322" cy="4038600"/>
           </a:xfrm>
         </p:spPr>
         <p:txBody>
           <a:bodyPr>
-            <a:normAutofit lnSpcReduction="10000"/>
+            <a:normAutofit/>
           </a:bodyPr>
           <a:lstStyle/>
           <a:p>
             <a:r>
-              <a:rPr lang="en-US" dirty="0" smtClean="0"/>
-              <a:t>Identify and store artifacts in a secure repository.</a:t>
-            </a:r>
-          </a:p>
-          <a:p>
-            <a:r>
-              <a:rPr lang="en-US" dirty="0" smtClean="0"/>
+              <a:rPr lang="en-US" sz="2400" dirty="0">
+                <a:latin typeface="Times New Roman" panose="02020603050405020304" pitchFamily="18" charset="0"/>
+                <a:cs typeface="Times New Roman" panose="02020603050405020304" pitchFamily="18" charset="0"/>
+              </a:rPr>
+              <a:t>The </a:t>
+            </a:r>
+            <a:r>
+              <a:rPr lang="en-US" sz="2400" b="1" dirty="0">
+                <a:latin typeface="Times New Roman" panose="02020603050405020304" pitchFamily="18" charset="0"/>
+                <a:cs typeface="Times New Roman" panose="02020603050405020304" pitchFamily="18" charset="0"/>
+              </a:rPr>
+              <a:t>baseline</a:t>
+            </a:r>
+            <a:r>
+              <a:rPr lang="en-US" sz="2400" dirty="0">
+                <a:latin typeface="Times New Roman" panose="02020603050405020304" pitchFamily="18" charset="0"/>
+                <a:cs typeface="Times New Roman" panose="02020603050405020304" pitchFamily="18" charset="0"/>
+              </a:rPr>
+              <a:t> is a point of </a:t>
+            </a:r>
+            <a:r>
+              <a:rPr lang="en-US" sz="2400" dirty="0" smtClean="0">
+                <a:latin typeface="Times New Roman" panose="02020603050405020304" pitchFamily="18" charset="0"/>
+                <a:cs typeface="Times New Roman" panose="02020603050405020304" pitchFamily="18" charset="0"/>
+              </a:rPr>
+              <a:t>reference.</a:t>
+            </a:r>
+          </a:p>
+          <a:p>
+            <a:r>
+              <a:rPr lang="en-US" sz="2400" b="1" dirty="0">
+                <a:latin typeface="Times New Roman" panose="02020603050405020304" pitchFamily="18" charset="0"/>
+                <a:cs typeface="Times New Roman" panose="02020603050405020304" pitchFamily="18" charset="0"/>
+              </a:rPr>
+              <a:t>Baseline</a:t>
+            </a:r>
+            <a:r>
+              <a:rPr lang="en-US" sz="2400" dirty="0">
+                <a:latin typeface="Times New Roman" panose="02020603050405020304" pitchFamily="18" charset="0"/>
+                <a:cs typeface="Times New Roman" panose="02020603050405020304" pitchFamily="18" charset="0"/>
+              </a:rPr>
+              <a:t> is the value or condition against which all future measurements will be compared</a:t>
+            </a:r>
+            <a:r>
+              <a:rPr lang="en-US" sz="2400" dirty="0" smtClean="0">
+                <a:latin typeface="Times New Roman" panose="02020603050405020304" pitchFamily="18" charset="0"/>
+                <a:cs typeface="Times New Roman" panose="02020603050405020304" pitchFamily="18" charset="0"/>
+              </a:rPr>
+              <a:t>.</a:t>
+            </a:r>
+          </a:p>
+          <a:p>
+            <a:pPr marL="0" indent="0">
+              <a:buNone/>
+            </a:pPr>
+            <a:endParaRPr lang="en-US" sz="2400" dirty="0" smtClean="0">
+              <a:latin typeface="Times New Roman" panose="02020603050405020304" pitchFamily="18" charset="0"/>
+              <a:cs typeface="Times New Roman" panose="02020603050405020304" pitchFamily="18" charset="0"/>
+            </a:endParaRPr>
+          </a:p>
+          <a:p>
+            <a:pPr marL="0" indent="0">
+              <a:buNone/>
+            </a:pPr>
+            <a:r>
+              <a:rPr lang="en-US" sz="2400" dirty="0">
+                <a:latin typeface="Times New Roman" panose="02020603050405020304" pitchFamily="18" charset="0"/>
+                <a:cs typeface="Times New Roman" panose="02020603050405020304" pitchFamily="18" charset="0"/>
+              </a:rPr>
+              <a:t>In </a:t>
+            </a:r>
+            <a:r>
+              <a:rPr lang="en-US" sz="2400" b="1" dirty="0">
+                <a:latin typeface="Times New Roman" panose="02020603050405020304" pitchFamily="18" charset="0"/>
+                <a:cs typeface="Times New Roman" panose="02020603050405020304" pitchFamily="18" charset="0"/>
+              </a:rPr>
+              <a:t>P</a:t>
+            </a:r>
+            <a:r>
+              <a:rPr lang="en-US" sz="2400" b="1" dirty="0" smtClean="0">
+                <a:latin typeface="Times New Roman" panose="02020603050405020304" pitchFamily="18" charset="0"/>
+                <a:cs typeface="Times New Roman" panose="02020603050405020304" pitchFamily="18" charset="0"/>
+              </a:rPr>
+              <a:t>roject </a:t>
+            </a:r>
+            <a:r>
+              <a:rPr lang="en-US" sz="2400" dirty="0" smtClean="0">
+                <a:latin typeface="Times New Roman" panose="02020603050405020304" pitchFamily="18" charset="0"/>
+                <a:cs typeface="Times New Roman" panose="02020603050405020304" pitchFamily="18" charset="0"/>
+              </a:rPr>
+              <a:t>management </a:t>
+            </a:r>
+            <a:r>
+              <a:rPr lang="en-US" sz="2400" dirty="0">
+                <a:latin typeface="Times New Roman" panose="02020603050405020304" pitchFamily="18" charset="0"/>
+                <a:cs typeface="Times New Roman" panose="02020603050405020304" pitchFamily="18" charset="0"/>
+              </a:rPr>
+              <a:t>there are three baselines </a:t>
+            </a:r>
+            <a:r>
+              <a:rPr lang="en-US" sz="2400" dirty="0" smtClean="0">
+                <a:latin typeface="Times New Roman" panose="02020603050405020304" pitchFamily="18" charset="0"/>
+                <a:cs typeface="Times New Roman" panose="02020603050405020304" pitchFamily="18" charset="0"/>
+              </a:rPr>
               <a:t> </a:t>
             </a:r>
-            <a:r>
-              <a:rPr lang="en-US" dirty="0" smtClean="0"/>
-              <a:t>Control and audit changes to artifacts.</a:t>
-            </a:r>
-          </a:p>
-          <a:p>
-            <a:r>
-              <a:rPr lang="en-US" dirty="0" smtClean="0"/>
-              <a:t> </a:t>
-            </a:r>
-            <a:r>
-              <a:rPr lang="en-US" dirty="0" smtClean="0"/>
-              <a:t>Organize versioned artifacts into versioned components.</a:t>
-            </a:r>
-          </a:p>
-          <a:p>
-            <a:r>
-              <a:rPr lang="en-US" dirty="0" smtClean="0"/>
-              <a:t> </a:t>
-            </a:r>
-            <a:r>
-              <a:rPr lang="en-US" dirty="0" smtClean="0"/>
-              <a:t>Organize versioned components and </a:t>
-            </a:r>
-            <a:r>
-              <a:rPr lang="en-US" dirty="0" smtClean="0"/>
-              <a:t>subsystems into versioned </a:t>
-            </a:r>
-            <a:r>
-              <a:rPr lang="en-US" dirty="0" smtClean="0"/>
-              <a:t>subsystems.</a:t>
-            </a:r>
-          </a:p>
-          <a:p>
-            <a:r>
-              <a:rPr lang="en-US" dirty="0" smtClean="0"/>
-              <a:t> </a:t>
-            </a:r>
-            <a:r>
-              <a:rPr lang="en-US" dirty="0" smtClean="0"/>
-              <a:t>Create baselines at project milestones.</a:t>
-            </a:r>
-          </a:p>
-          <a:p>
-            <a:r>
-              <a:rPr lang="en-US" dirty="0" smtClean="0"/>
-              <a:t> </a:t>
-            </a:r>
-            <a:r>
-              <a:rPr lang="en-US" dirty="0" smtClean="0"/>
-              <a:t>Record and track requests for change.</a:t>
-            </a:r>
-            <a:endParaRPr lang="en-US" i="1" dirty="0"/>
+          </a:p>
+          <a:p>
+            <a:r>
+              <a:rPr lang="en-US" sz="2400" dirty="0">
+                <a:latin typeface="Times New Roman" panose="02020603050405020304" pitchFamily="18" charset="0"/>
+                <a:cs typeface="Times New Roman" panose="02020603050405020304" pitchFamily="18" charset="0"/>
+              </a:rPr>
+              <a:t>S</a:t>
+            </a:r>
+            <a:r>
+              <a:rPr lang="en-US" sz="2400" dirty="0" smtClean="0">
+                <a:latin typeface="Times New Roman" panose="02020603050405020304" pitchFamily="18" charset="0"/>
+                <a:cs typeface="Times New Roman" panose="02020603050405020304" pitchFamily="18" charset="0"/>
+              </a:rPr>
+              <a:t>chedule</a:t>
+            </a:r>
+            <a:r>
+              <a:rPr lang="en-US" sz="2400" dirty="0">
+                <a:latin typeface="Times New Roman" panose="02020603050405020304" pitchFamily="18" charset="0"/>
+                <a:cs typeface="Times New Roman" panose="02020603050405020304" pitchFamily="18" charset="0"/>
+              </a:rPr>
+              <a:t> </a:t>
+            </a:r>
+            <a:r>
+              <a:rPr lang="en-US" sz="2400" b="1" dirty="0" smtClean="0">
+                <a:latin typeface="Times New Roman" panose="02020603050405020304" pitchFamily="18" charset="0"/>
+                <a:cs typeface="Times New Roman" panose="02020603050405020304" pitchFamily="18" charset="0"/>
+              </a:rPr>
+              <a:t>baseline</a:t>
+            </a:r>
+            <a:endParaRPr lang="en-US" sz="2400" dirty="0" smtClean="0">
+              <a:latin typeface="Times New Roman" panose="02020603050405020304" pitchFamily="18" charset="0"/>
+              <a:cs typeface="Times New Roman" panose="02020603050405020304" pitchFamily="18" charset="0"/>
+            </a:endParaRPr>
+          </a:p>
+          <a:p>
+            <a:r>
+              <a:rPr lang="en-US" sz="2400" dirty="0">
+                <a:latin typeface="Times New Roman" panose="02020603050405020304" pitchFamily="18" charset="0"/>
+                <a:cs typeface="Times New Roman" panose="02020603050405020304" pitchFamily="18" charset="0"/>
+              </a:rPr>
+              <a:t>C</a:t>
+            </a:r>
+            <a:r>
+              <a:rPr lang="en-US" sz="2400" dirty="0" smtClean="0">
+                <a:latin typeface="Times New Roman" panose="02020603050405020304" pitchFamily="18" charset="0"/>
+                <a:cs typeface="Times New Roman" panose="02020603050405020304" pitchFamily="18" charset="0"/>
+              </a:rPr>
+              <a:t>ost</a:t>
+            </a:r>
+            <a:r>
+              <a:rPr lang="en-US" sz="2400" dirty="0">
+                <a:latin typeface="Times New Roman" panose="02020603050405020304" pitchFamily="18" charset="0"/>
+                <a:cs typeface="Times New Roman" panose="02020603050405020304" pitchFamily="18" charset="0"/>
+              </a:rPr>
+              <a:t> </a:t>
+            </a:r>
+            <a:r>
+              <a:rPr lang="en-US" sz="2400" b="1" dirty="0" smtClean="0">
+                <a:latin typeface="Times New Roman" panose="02020603050405020304" pitchFamily="18" charset="0"/>
+                <a:cs typeface="Times New Roman" panose="02020603050405020304" pitchFamily="18" charset="0"/>
+              </a:rPr>
+              <a:t>baseline</a:t>
+            </a:r>
+            <a:endParaRPr lang="en-US" sz="2400" dirty="0" smtClean="0">
+              <a:latin typeface="Times New Roman" panose="02020603050405020304" pitchFamily="18" charset="0"/>
+              <a:cs typeface="Times New Roman" panose="02020603050405020304" pitchFamily="18" charset="0"/>
+            </a:endParaRPr>
+          </a:p>
+          <a:p>
+            <a:r>
+              <a:rPr lang="en-US" sz="2400" dirty="0">
+                <a:latin typeface="Times New Roman" panose="02020603050405020304" pitchFamily="18" charset="0"/>
+                <a:cs typeface="Times New Roman" panose="02020603050405020304" pitchFamily="18" charset="0"/>
+              </a:rPr>
+              <a:t>S</a:t>
+            </a:r>
+            <a:r>
+              <a:rPr lang="en-US" sz="2400" dirty="0" smtClean="0">
+                <a:latin typeface="Times New Roman" panose="02020603050405020304" pitchFamily="18" charset="0"/>
+                <a:cs typeface="Times New Roman" panose="02020603050405020304" pitchFamily="18" charset="0"/>
+              </a:rPr>
+              <a:t>cope</a:t>
+            </a:r>
+            <a:r>
+              <a:rPr lang="en-US" sz="2400" dirty="0">
+                <a:latin typeface="Times New Roman" panose="02020603050405020304" pitchFamily="18" charset="0"/>
+                <a:cs typeface="Times New Roman" panose="02020603050405020304" pitchFamily="18" charset="0"/>
+              </a:rPr>
+              <a:t> </a:t>
+            </a:r>
+            <a:r>
+              <a:rPr lang="en-US" sz="2400" b="1" dirty="0">
+                <a:latin typeface="Times New Roman" panose="02020603050405020304" pitchFamily="18" charset="0"/>
+                <a:cs typeface="Times New Roman" panose="02020603050405020304" pitchFamily="18" charset="0"/>
+              </a:rPr>
+              <a:t>baseline</a:t>
+            </a:r>
+            <a:endParaRPr lang="en-US" sz="2400" dirty="0">
+              <a:latin typeface="Times New Roman" panose="02020603050405020304" pitchFamily="18" charset="0"/>
+              <a:cs typeface="Times New Roman" panose="02020603050405020304" pitchFamily="18" charset="0"/>
+            </a:endParaRPr>
           </a:p>
         </p:txBody>
       </p:sp>
@@ -3686,6 +3927,13 @@
   <p:clrMapOvr>
     <a:masterClrMapping/>
   </p:clrMapOvr>
+  <p:timing>
+    <p:tnLst>
+      <p:par>
+        <p:cTn id="1" dur="indefinite" restart="never" nodeType="tmRoot"/>
+      </p:par>
+    </p:tnLst>
+  </p:timing>
 </p:sld>
 </file>
 
@@ -3706,87 +3954,44 @@
           <a:chExt cx="0" cy="0"/>
         </a:xfrm>
       </p:grpSpPr>
-      <p:sp>
-        <p:nvSpPr>
-          <p:cNvPr id="3" name="Content Placeholder 2"/>
-          <p:cNvSpPr>
-            <a:spLocks noGrp="1"/>
-          </p:cNvSpPr>
+      <p:pic>
+        <p:nvPicPr>
+          <p:cNvPr id="4" name="Content Placeholder 3"/>
+          <p:cNvPicPr>
+            <a:picLocks noGrp="1" noChangeAspect="1"/>
+          </p:cNvPicPr>
           <p:nvPr>
             <p:ph idx="1"/>
           </p:nvPr>
-        </p:nvSpPr>
+        </p:nvPicPr>
+        <p:blipFill>
+          <a:blip r:embed="rId2"/>
+          <a:stretch>
+            <a:fillRect/>
+          </a:stretch>
+        </p:blipFill>
         <p:spPr>
           <a:xfrm>
-            <a:off x="457200" y="457200"/>
-            <a:ext cx="8229600" cy="5668963"/>
+            <a:off x="762000" y="762000"/>
+            <a:ext cx="7543800" cy="5486400"/>
           </a:xfrm>
+          <a:prstGeom prst="rect">
+            <a:avLst/>
+          </a:prstGeom>
         </p:spPr>
-        <p:txBody>
-          <a:bodyPr/>
-          <a:lstStyle/>
-          <a:p>
-            <a:r>
-              <a:rPr lang="en-US" dirty="0" smtClean="0"/>
-              <a:t>Organize and integrate consistent sets of versions </a:t>
-            </a:r>
-            <a:r>
-              <a:rPr lang="en-US" dirty="0" smtClean="0"/>
-              <a:t>using activities</a:t>
-            </a:r>
-            <a:r>
-              <a:rPr lang="en-US" dirty="0" smtClean="0"/>
-              <a:t>.</a:t>
-            </a:r>
-          </a:p>
-          <a:p>
-            <a:r>
-              <a:rPr lang="en-US" dirty="0" smtClean="0"/>
-              <a:t>Maintain </a:t>
-            </a:r>
-            <a:r>
-              <a:rPr lang="en-US" dirty="0" smtClean="0"/>
-              <a:t>stable and consistent workspaces.</a:t>
-            </a:r>
-          </a:p>
-          <a:p>
-            <a:r>
-              <a:rPr lang="en-US" dirty="0" smtClean="0"/>
-              <a:t>Support </a:t>
-            </a:r>
-            <a:r>
-              <a:rPr lang="en-US" dirty="0" smtClean="0"/>
-              <a:t>concurrent changes to artifacts and components.</a:t>
-            </a:r>
-          </a:p>
-          <a:p>
-            <a:r>
-              <a:rPr lang="en-US" dirty="0" smtClean="0"/>
-              <a:t>Integrate </a:t>
-            </a:r>
-            <a:r>
-              <a:rPr lang="en-US" dirty="0" smtClean="0"/>
-              <a:t>early and often.</a:t>
-            </a:r>
-          </a:p>
-          <a:p>
-            <a:r>
-              <a:rPr lang="en-US" dirty="0" smtClean="0"/>
-              <a:t>Ensure </a:t>
-            </a:r>
-            <a:r>
-              <a:rPr lang="en-US" dirty="0" smtClean="0"/>
-              <a:t>reproducibility of software builds.</a:t>
-            </a:r>
-            <a:endParaRPr lang="en-US" dirty="0"/>
-          </a:p>
-        </p:txBody>
-      </p:sp>
+      </p:pic>
     </p:spTree>
   </p:cSld>
   <p:clrMapOvr>
     <a:masterClrMapping/>
   </p:clrMapOvr>
+  <p:timing>
+    <p:tnLst>
+      <p:par>
+        <p:cTn id="1" dur="indefinite" restart="never" nodeType="tmRoot"/>
+      </p:par>
+    </p:tnLst>
+  </p:timing>
 </p:sld>
 </file>
 
@@ -3823,8 +4028,12 @@
           <a:lstStyle/>
           <a:p>
             <a:r>
-              <a:rPr lang="en-US" i="1" dirty="0" smtClean="0"/>
-              <a:t>Benefits of SCM</a:t>
+              <a:rPr lang="en-US" b="1" i="1" dirty="0" smtClean="0"/>
+              <a:t>SCM </a:t>
+            </a:r>
+            <a:r>
+              <a:rPr lang="en-US" b="1" i="1" dirty="0" smtClean="0"/>
+              <a:t>Practices</a:t>
             </a:r>
             <a:endParaRPr lang="en-US" i="1" dirty="0"/>
           </a:p>
@@ -3840,52 +4049,101 @@
             <p:ph idx="1"/>
           </p:nvPr>
         </p:nvSpPr>
-        <p:spPr/>
+        <p:spPr>
+          <a:xfrm>
+            <a:off x="457200" y="1714850"/>
+            <a:ext cx="8229600" cy="4830763"/>
+          </a:xfrm>
+        </p:spPr>
         <p:txBody>
           <a:bodyPr>
-            <a:normAutofit fontScale="92500" lnSpcReduction="20000"/>
+            <a:normAutofit/>
           </a:bodyPr>
           <a:lstStyle/>
           <a:p>
-            <a:pPr>
+            <a:r>
+              <a:rPr lang="en-US" sz="2800" dirty="0" smtClean="0">
+                <a:latin typeface="Times New Roman" panose="02020603050405020304" pitchFamily="18" charset="0"/>
+                <a:cs typeface="Times New Roman" panose="02020603050405020304" pitchFamily="18" charset="0"/>
+              </a:rPr>
+              <a:t> Identify </a:t>
+            </a:r>
+            <a:r>
+              <a:rPr lang="en-US" sz="2800" dirty="0" smtClean="0">
+                <a:latin typeface="Times New Roman" panose="02020603050405020304" pitchFamily="18" charset="0"/>
+                <a:cs typeface="Times New Roman" panose="02020603050405020304" pitchFamily="18" charset="0"/>
+              </a:rPr>
+              <a:t>and store artifacts in a secure </a:t>
+            </a:r>
+            <a:r>
+              <a:rPr lang="en-US" sz="2800" dirty="0" smtClean="0">
+                <a:latin typeface="Times New Roman" panose="02020603050405020304" pitchFamily="18" charset="0"/>
+                <a:cs typeface="Times New Roman" panose="02020603050405020304" pitchFamily="18" charset="0"/>
+              </a:rPr>
+              <a:t>repository</a:t>
+            </a:r>
+            <a:r>
+              <a:rPr lang="en-US" sz="2800" dirty="0" smtClean="0">
+                <a:latin typeface="Times New Roman" panose="02020603050405020304" pitchFamily="18" charset="0"/>
+                <a:cs typeface="Times New Roman" panose="02020603050405020304" pitchFamily="18" charset="0"/>
+              </a:rPr>
+              <a:t>.</a:t>
+            </a:r>
+          </a:p>
+          <a:p>
+            <a:r>
+              <a:rPr lang="en-US" sz="2800" dirty="0" smtClean="0">
+                <a:latin typeface="Times New Roman" panose="02020603050405020304" pitchFamily="18" charset="0"/>
+                <a:cs typeface="Times New Roman" panose="02020603050405020304" pitchFamily="18" charset="0"/>
+              </a:rPr>
+              <a:t> Control and audit changes to artifacts.</a:t>
+            </a:r>
+          </a:p>
+          <a:p>
+            <a:r>
+              <a:rPr lang="en-US" sz="2800" dirty="0" smtClean="0">
+                <a:latin typeface="Times New Roman" panose="02020603050405020304" pitchFamily="18" charset="0"/>
+                <a:cs typeface="Times New Roman" panose="02020603050405020304" pitchFamily="18" charset="0"/>
+              </a:rPr>
+              <a:t> Organize versioned artifacts into versioned components.</a:t>
+            </a:r>
+          </a:p>
+          <a:p>
+            <a:r>
+              <a:rPr lang="en-US" sz="2800" dirty="0" smtClean="0">
+                <a:latin typeface="Times New Roman" panose="02020603050405020304" pitchFamily="18" charset="0"/>
+                <a:cs typeface="Times New Roman" panose="02020603050405020304" pitchFamily="18" charset="0"/>
+              </a:rPr>
+              <a:t> Organize versioned components and </a:t>
+            </a:r>
+            <a:r>
+              <a:rPr lang="en-US" sz="2800" dirty="0" smtClean="0">
+                <a:latin typeface="Times New Roman" panose="02020603050405020304" pitchFamily="18" charset="0"/>
+                <a:cs typeface="Times New Roman" panose="02020603050405020304" pitchFamily="18" charset="0"/>
+              </a:rPr>
+              <a:t>  subsystems </a:t>
+            </a:r>
+            <a:r>
+              <a:rPr lang="en-US" sz="2800" dirty="0" smtClean="0">
+                <a:latin typeface="Times New Roman" panose="02020603050405020304" pitchFamily="18" charset="0"/>
+                <a:cs typeface="Times New Roman" panose="02020603050405020304" pitchFamily="18" charset="0"/>
+              </a:rPr>
+              <a:t>into versioned subsystems.</a:t>
+            </a:r>
+          </a:p>
+          <a:p>
+            <a:r>
+              <a:rPr lang="en-US" sz="2800" dirty="0" smtClean="0">
+                <a:latin typeface="Times New Roman" panose="02020603050405020304" pitchFamily="18" charset="0"/>
+                <a:cs typeface="Times New Roman" panose="02020603050405020304" pitchFamily="18" charset="0"/>
+              </a:rPr>
+              <a:t> Create baselines at project milestones.</a:t>
+            </a:r>
+          </a:p>
+          <a:p>
+            <a:pPr marL="0" indent="0">
               <a:buNone/>
             </a:pPr>
-            <a:r>
-              <a:rPr lang="en-US" b="1" i="1" dirty="0" smtClean="0"/>
-              <a:t>-&gt;Sandboxing with </a:t>
-            </a:r>
-            <a:r>
-              <a:rPr lang="en-US" b="1" i="1" dirty="0" smtClean="0"/>
-              <a:t>private build before check-in</a:t>
-            </a:r>
-            <a:r>
-              <a:rPr lang="en-US" b="1" i="1" dirty="0" smtClean="0"/>
-              <a:t>:</a:t>
-            </a:r>
-          </a:p>
-          <a:p>
-            <a:r>
-              <a:rPr lang="en-US" dirty="0" smtClean="0"/>
-              <a:t>Rapid application development and frequent changes to source code demands frequent </a:t>
-            </a:r>
-            <a:r>
-              <a:rPr lang="en-US" dirty="0" smtClean="0"/>
-              <a:t>check-ins.</a:t>
-            </a:r>
-          </a:p>
-          <a:p>
-            <a:r>
-              <a:rPr lang="en-US" dirty="0" smtClean="0"/>
-              <a:t>P</a:t>
-            </a:r>
-            <a:r>
-              <a:rPr lang="en-US" dirty="0" smtClean="0"/>
-              <a:t>rivate </a:t>
-            </a:r>
-            <a:r>
-              <a:rPr lang="en-US" dirty="0" smtClean="0"/>
-              <a:t>check-ins at an isolated area off the main line (e.g., a private branch) and building the code in the private sandbox before checking it into the main code line, the developer can test and debug the code locally, and only after passing the build and unit tests can the code be integrated into the main code line. </a:t>
-            </a:r>
             <a:endParaRPr lang="en-US" i="1" dirty="0"/>
           </a:p>
         </p:txBody>
@@ -3895,6 +4153,13 @@
   <p:clrMapOvr>
     <a:masterClrMapping/>
   </p:clrMapOvr>
+  <p:timing>
+    <p:tnLst>
+      <p:par>
+        <p:cTn id="1" dur="indefinite" restart="never" nodeType="tmRoot"/>
+      </p:par>
+    </p:tnLst>
+  </p:timing>
 </p:sld>
 </file>
 
@@ -3927,57 +4192,82 @@
         </p:nvSpPr>
         <p:spPr>
           <a:xfrm>
-            <a:off x="457200" y="381000"/>
-            <a:ext cx="8229600" cy="5745163"/>
+            <a:off x="609600" y="1189037"/>
+            <a:ext cx="8229600" cy="5668963"/>
           </a:xfrm>
         </p:spPr>
         <p:txBody>
-          <a:bodyPr>
-            <a:normAutofit lnSpcReduction="10000"/>
-          </a:bodyPr>
-          <a:lstStyle/>
-          <a:p>
-            <a:pPr>
-              <a:buNone/>
-            </a:pPr>
-            <a:r>
-              <a:rPr lang="en-US" b="1" i="1" dirty="0" smtClean="0"/>
-              <a:t>-&gt;Ability </a:t>
-            </a:r>
-            <a:r>
-              <a:rPr lang="en-US" b="1" i="1" dirty="0" smtClean="0"/>
-              <a:t>to revert to last good working version when integration testing fails:</a:t>
-            </a:r>
-            <a:r>
-              <a:rPr lang="en-US" i="1" dirty="0" smtClean="0"/>
-              <a:t/>
-            </a:r>
-            <a:br>
-              <a:rPr lang="en-US" i="1" dirty="0" smtClean="0"/>
-            </a:br>
-            <a:endParaRPr lang="en-US" i="1" dirty="0" smtClean="0"/>
-          </a:p>
-          <a:p>
-            <a:r>
-              <a:rPr lang="en-US" dirty="0" smtClean="0"/>
-              <a:t>SCM can be able </a:t>
-            </a:r>
-            <a:r>
-              <a:rPr lang="en-US" dirty="0" smtClean="0"/>
-              <a:t>to revert to the last good build so that other developers have a clean configuration of code to use for their own work. </a:t>
-            </a:r>
+          <a:bodyPr/>
+          <a:lstStyle/>
+          <a:p>
             <a:endParaRPr lang="en-US" dirty="0" smtClean="0"/>
           </a:p>
           <a:p>
             <a:r>
-              <a:rPr lang="en-US" dirty="0" smtClean="0"/>
-              <a:t>Reverting </a:t>
-            </a:r>
-            <a:r>
-              <a:rPr lang="en-US" dirty="0" smtClean="0"/>
-              <a:t>to the last good configuration allows one engineer to fix the broken build while the rest of the team can continue working on their tasks and verifying the work with their own private builds.</a:t>
-            </a:r>
-            <a:endParaRPr lang="en-US" dirty="0"/>
+              <a:rPr lang="en-US" sz="2800" dirty="0">
+                <a:latin typeface="Times New Roman" panose="02020603050405020304" pitchFamily="18" charset="0"/>
+                <a:cs typeface="Times New Roman" panose="02020603050405020304" pitchFamily="18" charset="0"/>
+              </a:rPr>
+              <a:t>Record and track requests for change</a:t>
+            </a:r>
+            <a:r>
+              <a:rPr lang="en-US" sz="2800" dirty="0" smtClean="0">
+                <a:latin typeface="Times New Roman" panose="02020603050405020304" pitchFamily="18" charset="0"/>
+                <a:cs typeface="Times New Roman" panose="02020603050405020304" pitchFamily="18" charset="0"/>
+              </a:rPr>
+              <a:t>.</a:t>
+            </a:r>
+            <a:endParaRPr lang="en-US" sz="2800" dirty="0" smtClean="0">
+              <a:latin typeface="Times New Roman" panose="02020603050405020304" pitchFamily="18" charset="0"/>
+              <a:cs typeface="Times New Roman" panose="02020603050405020304" pitchFamily="18" charset="0"/>
+            </a:endParaRPr>
+          </a:p>
+          <a:p>
+            <a:r>
+              <a:rPr lang="en-US" sz="2800" dirty="0" smtClean="0">
+                <a:latin typeface="Times New Roman" panose="02020603050405020304" pitchFamily="18" charset="0"/>
+                <a:cs typeface="Times New Roman" panose="02020603050405020304" pitchFamily="18" charset="0"/>
+              </a:rPr>
+              <a:t>Maintain </a:t>
+            </a:r>
+            <a:r>
+              <a:rPr lang="en-US" sz="2800" dirty="0" smtClean="0">
+                <a:latin typeface="Times New Roman" panose="02020603050405020304" pitchFamily="18" charset="0"/>
+                <a:cs typeface="Times New Roman" panose="02020603050405020304" pitchFamily="18" charset="0"/>
+              </a:rPr>
+              <a:t>stable and consistent workspaces.</a:t>
+            </a:r>
+          </a:p>
+          <a:p>
+            <a:r>
+              <a:rPr lang="en-US" sz="2800" dirty="0" smtClean="0">
+                <a:latin typeface="Times New Roman" panose="02020603050405020304" pitchFamily="18" charset="0"/>
+                <a:cs typeface="Times New Roman" panose="02020603050405020304" pitchFamily="18" charset="0"/>
+              </a:rPr>
+              <a:t>Support concurrent changes to artifacts and components.</a:t>
+            </a:r>
+          </a:p>
+          <a:p>
+            <a:r>
+              <a:rPr lang="en-US" sz="2800" dirty="0" smtClean="0">
+                <a:latin typeface="Times New Roman" panose="02020603050405020304" pitchFamily="18" charset="0"/>
+                <a:cs typeface="Times New Roman" panose="02020603050405020304" pitchFamily="18" charset="0"/>
+              </a:rPr>
+              <a:t>Integrate early and often.</a:t>
+            </a:r>
+          </a:p>
+          <a:p>
+            <a:r>
+              <a:rPr lang="en-US" sz="2800" dirty="0" smtClean="0">
+                <a:latin typeface="Times New Roman" panose="02020603050405020304" pitchFamily="18" charset="0"/>
+                <a:cs typeface="Times New Roman" panose="02020603050405020304" pitchFamily="18" charset="0"/>
+              </a:rPr>
+              <a:t>Ensure reproducibility of software builds.</a:t>
+            </a:r>
+            <a:endParaRPr lang="en-US" sz="2800" dirty="0">
+              <a:latin typeface="Times New Roman" panose="02020603050405020304" pitchFamily="18" charset="0"/>
+              <a:cs typeface="Times New Roman" panose="02020603050405020304" pitchFamily="18" charset="0"/>
+            </a:endParaRPr>
           </a:p>
         </p:txBody>
       </p:sp>
@@ -3986,6 +4276,13 @@
   <p:clrMapOvr>
     <a:masterClrMapping/>
   </p:clrMapOvr>
+  <p:timing>
+    <p:tnLst>
+      <p:par>
+        <p:cTn id="1" dur="indefinite" restart="never" nodeType="tmRoot"/>
+      </p:par>
+    </p:tnLst>
+  </p:timing>
 </p:sld>
 </file>
 
@@ -4016,114 +4313,354 @@
             <p:ph type="title"/>
           </p:nvPr>
         </p:nvSpPr>
-        <p:spPr/>
-        <p:txBody>
-          <a:bodyPr>
-            <a:normAutofit fontScale="90000"/>
-          </a:bodyPr>
-          <a:lstStyle/>
-          <a:p>
-            <a:r>
-              <a:rPr lang="en-US" i="1" dirty="0" smtClean="0"/>
-              <a:t/>
-            </a:r>
-            <a:br>
-              <a:rPr lang="en-US" i="1" dirty="0" smtClean="0"/>
-            </a:br>
-            <a:endParaRPr lang="en-US" i="1" dirty="0"/>
-          </a:p>
-        </p:txBody>
-      </p:sp>
-      <p:sp>
-        <p:nvSpPr>
-          <p:cNvPr id="3" name="Content Placeholder 2"/>
-          <p:cNvSpPr>
-            <a:spLocks noGrp="1"/>
-          </p:cNvSpPr>
-          <p:nvPr>
-            <p:ph idx="1"/>
-          </p:nvPr>
-        </p:nvSpPr>
         <p:spPr>
           <a:xfrm>
-            <a:off x="457200" y="457200"/>
-            <a:ext cx="8229600" cy="5668963"/>
+            <a:off x="481361" y="116236"/>
+            <a:ext cx="7886700" cy="1325563"/>
           </a:xfrm>
         </p:spPr>
         <p:txBody>
+          <a:bodyPr/>
+          <a:lstStyle/>
+          <a:p>
+            <a:r>
+              <a:rPr lang="en-US" b="1" i="1" dirty="0" smtClean="0"/>
+              <a:t>Benefits of SCM</a:t>
+            </a:r>
+            <a:endParaRPr lang="en-US" b="1" i="1" dirty="0"/>
+          </a:p>
+        </p:txBody>
+      </p:sp>
+      <p:sp>
+        <p:nvSpPr>
+          <p:cNvPr id="3" name="Content Placeholder 2"/>
+          <p:cNvSpPr>
+            <a:spLocks noGrp="1"/>
+          </p:cNvSpPr>
+          <p:nvPr>
+            <p:ph idx="1"/>
+          </p:nvPr>
+        </p:nvSpPr>
+        <p:spPr>
+          <a:xfrm>
+            <a:off x="304800" y="1143000"/>
+            <a:ext cx="8382000" cy="4983163"/>
+          </a:xfrm>
+        </p:spPr>
+        <p:txBody>
           <a:bodyPr>
-            <a:normAutofit fontScale="92500"/>
+            <a:noAutofit/>
           </a:bodyPr>
           <a:lstStyle/>
           <a:p>
+            <a:pPr marL="0" indent="0">
+              <a:buNone/>
+            </a:pPr>
+            <a:endParaRPr lang="en-US" sz="1800" dirty="0" smtClean="0">
+              <a:latin typeface="Times New Roman" panose="02020603050405020304" pitchFamily="18" charset="0"/>
+              <a:cs typeface="Times New Roman" panose="02020603050405020304" pitchFamily="18" charset="0"/>
+            </a:endParaRPr>
+          </a:p>
+          <a:p>
             <a:pPr>
-              <a:buNone/>
+              <a:buFont typeface="Wingdings" panose="05000000000000000000" pitchFamily="2" charset="2"/>
+              <a:buChar char="v"/>
             </a:pPr>
             <a:r>
-              <a:rPr lang="en-US" b="1" dirty="0" smtClean="0"/>
-              <a:t>-&gt;Ability </a:t>
-            </a:r>
-            <a:r>
-              <a:rPr lang="en-US" b="1" dirty="0" smtClean="0"/>
-              <a:t>to revert and retarget </a:t>
-            </a:r>
-            <a:r>
-              <a:rPr lang="en-US" b="1" dirty="0" smtClean="0"/>
-              <a:t>changes</a:t>
+              <a:rPr lang="en-US" sz="2400" dirty="0" smtClean="0">
+                <a:latin typeface="Times New Roman" panose="02020603050405020304" pitchFamily="18" charset="0"/>
+                <a:cs typeface="Times New Roman" panose="02020603050405020304" pitchFamily="18" charset="0"/>
+              </a:rPr>
+              <a:t>Thus </a:t>
+            </a:r>
+            <a:r>
+              <a:rPr lang="en-US" sz="2400" dirty="0">
+                <a:latin typeface="Times New Roman" panose="02020603050405020304" pitchFamily="18" charset="0"/>
+                <a:cs typeface="Times New Roman" panose="02020603050405020304" pitchFamily="18" charset="0"/>
+              </a:rPr>
+              <a:t>SCM is very much important for effective project maintenance</a:t>
             </a:r>
           </a:p>
           <a:p>
             <a:pPr>
-              <a:buNone/>
+              <a:buFont typeface="Wingdings" panose="05000000000000000000" pitchFamily="2" charset="2"/>
+              <a:buChar char="v"/>
             </a:pPr>
-            <a:endParaRPr lang="en-US" b="1" dirty="0" smtClean="0"/>
-          </a:p>
-          <a:p>
-            <a:pPr fontAlgn="base"/>
-            <a:r>
-              <a:rPr lang="en-US" dirty="0" smtClean="0"/>
-              <a:t>Generally </a:t>
-            </a:r>
-            <a:r>
-              <a:rPr lang="en-US" dirty="0" smtClean="0"/>
-              <a:t>software requirements are driven by the business and can be changed throughout the SDLC</a:t>
-            </a:r>
-            <a:r>
-              <a:rPr lang="en-US" dirty="0" smtClean="0"/>
-              <a:t>.</a:t>
-            </a:r>
-          </a:p>
-          <a:p>
-            <a:pPr fontAlgn="base"/>
-            <a:r>
-              <a:rPr lang="en-US" dirty="0" smtClean="0"/>
+            <a:r>
+              <a:rPr lang="en-US" sz="2400" dirty="0">
+                <a:latin typeface="Times New Roman" panose="02020603050405020304" pitchFamily="18" charset="0"/>
+                <a:cs typeface="Times New Roman" panose="02020603050405020304" pitchFamily="18" charset="0"/>
+              </a:rPr>
+              <a:t>Since changes are constant it should be effectively monitored</a:t>
+            </a:r>
+          </a:p>
+          <a:p>
+            <a:pPr>
+              <a:buFont typeface="Wingdings" panose="05000000000000000000" pitchFamily="2" charset="2"/>
+              <a:buChar char="v"/>
+            </a:pPr>
+            <a:r>
+              <a:rPr lang="en-US" sz="2400" dirty="0">
+                <a:latin typeface="Times New Roman" panose="02020603050405020304" pitchFamily="18" charset="0"/>
+                <a:cs typeface="Times New Roman" panose="02020603050405020304" pitchFamily="18" charset="0"/>
+              </a:rPr>
+              <a:t>Without SCM project will lead to failure and affect the profit of the </a:t>
+            </a:r>
+            <a:r>
+              <a:rPr lang="en-US" sz="2400" dirty="0" smtClean="0">
+                <a:latin typeface="Times New Roman" panose="02020603050405020304" pitchFamily="18" charset="0"/>
+                <a:cs typeface="Times New Roman" panose="02020603050405020304" pitchFamily="18" charset="0"/>
+              </a:rPr>
+              <a:t>organization.</a:t>
+            </a:r>
+          </a:p>
+          <a:p>
+            <a:pPr>
+              <a:buFont typeface="Wingdings" panose="05000000000000000000" pitchFamily="2" charset="2"/>
+              <a:buChar char="v"/>
+            </a:pPr>
+            <a:r>
+              <a:rPr lang="en-US" sz="2400" dirty="0">
+                <a:latin typeface="Times New Roman" panose="02020603050405020304" pitchFamily="18" charset="0"/>
+                <a:cs typeface="Times New Roman" panose="02020603050405020304" pitchFamily="18" charset="0"/>
+              </a:rPr>
+              <a:t>SCM Benefits the Organization in Four Major </a:t>
+            </a:r>
+            <a:r>
+              <a:rPr lang="en-US" sz="2400" dirty="0" smtClean="0">
+                <a:latin typeface="Times New Roman" panose="02020603050405020304" pitchFamily="18" charset="0"/>
+                <a:cs typeface="Times New Roman" panose="02020603050405020304" pitchFamily="18" charset="0"/>
+              </a:rPr>
+              <a:t>Ways</a:t>
+            </a:r>
+          </a:p>
+          <a:p>
+            <a:pPr marL="0" indent="0">
+              <a:buNone/>
+            </a:pPr>
+            <a:r>
+              <a:rPr lang="en-US" sz="2400" dirty="0">
+                <a:latin typeface="Times New Roman" panose="02020603050405020304" pitchFamily="18" charset="0"/>
+                <a:cs typeface="Times New Roman" panose="02020603050405020304" pitchFamily="18" charset="0"/>
+              </a:rPr>
+              <a:t>	</a:t>
+            </a:r>
+            <a:r>
+              <a:rPr lang="en-US" sz="2400" dirty="0" smtClean="0">
+                <a:latin typeface="Times New Roman" panose="02020603050405020304" pitchFamily="18" charset="0"/>
+                <a:cs typeface="Times New Roman" panose="02020603050405020304" pitchFamily="18" charset="0"/>
+              </a:rPr>
+              <a:t>-&gt;</a:t>
+            </a:r>
+            <a:r>
+              <a:rPr lang="en-US" sz="2400" dirty="0">
+                <a:latin typeface="Times New Roman" panose="02020603050405020304" pitchFamily="18" charset="0"/>
+                <a:cs typeface="Times New Roman" panose="02020603050405020304" pitchFamily="18" charset="0"/>
+              </a:rPr>
+              <a:t>Control</a:t>
+            </a:r>
+          </a:p>
+          <a:p>
+            <a:pPr marL="0" indent="0">
+              <a:buNone/>
+            </a:pPr>
+            <a:r>
+              <a:rPr lang="en-US" sz="2400" dirty="0">
+                <a:latin typeface="Times New Roman" panose="02020603050405020304" pitchFamily="18" charset="0"/>
+                <a:cs typeface="Times New Roman" panose="02020603050405020304" pitchFamily="18" charset="0"/>
+              </a:rPr>
+              <a:t>	</a:t>
+            </a:r>
+            <a:r>
+              <a:rPr lang="en-US" sz="2400" dirty="0" smtClean="0">
+                <a:latin typeface="Times New Roman" panose="02020603050405020304" pitchFamily="18" charset="0"/>
+                <a:cs typeface="Times New Roman" panose="02020603050405020304" pitchFamily="18" charset="0"/>
+              </a:rPr>
+              <a:t>-&gt;Management</a:t>
+            </a:r>
+          </a:p>
+          <a:p>
+            <a:pPr marL="0" indent="0">
+              <a:buNone/>
+            </a:pPr>
+            <a:r>
+              <a:rPr lang="en-US" sz="2400" dirty="0">
+                <a:latin typeface="Times New Roman" panose="02020603050405020304" pitchFamily="18" charset="0"/>
+                <a:cs typeface="Times New Roman" panose="02020603050405020304" pitchFamily="18" charset="0"/>
+              </a:rPr>
+              <a:t>	</a:t>
+            </a:r>
+            <a:r>
+              <a:rPr lang="en-US" sz="2400" dirty="0" smtClean="0">
+                <a:latin typeface="Times New Roman" panose="02020603050405020304" pitchFamily="18" charset="0"/>
+                <a:cs typeface="Times New Roman" panose="02020603050405020304" pitchFamily="18" charset="0"/>
+              </a:rPr>
+              <a:t>-&gt;Cost</a:t>
+            </a:r>
+          </a:p>
+          <a:p>
+            <a:pPr marL="0" indent="0">
+              <a:buNone/>
+            </a:pPr>
+            <a:r>
+              <a:rPr lang="en-US" sz="2400" dirty="0">
+                <a:latin typeface="Times New Roman" panose="02020603050405020304" pitchFamily="18" charset="0"/>
+                <a:cs typeface="Times New Roman" panose="02020603050405020304" pitchFamily="18" charset="0"/>
+              </a:rPr>
+              <a:t>	</a:t>
+            </a:r>
+            <a:r>
+              <a:rPr lang="en-US" sz="2400" dirty="0" smtClean="0">
+                <a:latin typeface="Times New Roman" panose="02020603050405020304" pitchFamily="18" charset="0"/>
+                <a:cs typeface="Times New Roman" panose="02020603050405020304" pitchFamily="18" charset="0"/>
+              </a:rPr>
+              <a:t>-&gt;Quality</a:t>
+            </a:r>
+          </a:p>
+          <a:p>
+            <a:pPr marL="0" indent="0">
+              <a:buNone/>
+            </a:pPr>
+            <a:endParaRPr lang="en-US" sz="2400" dirty="0" smtClean="0">
+              <a:latin typeface="Times New Roman" panose="02020603050405020304" pitchFamily="18" charset="0"/>
+              <a:cs typeface="Times New Roman" panose="02020603050405020304" pitchFamily="18" charset="0"/>
+            </a:endParaRPr>
+          </a:p>
+          <a:p>
+            <a:pPr marL="0" indent="0">
+              <a:buNone/>
+            </a:pPr>
+            <a:r>
+              <a:rPr lang="en-US" sz="2400" dirty="0">
+                <a:latin typeface="Times New Roman" panose="02020603050405020304" pitchFamily="18" charset="0"/>
+                <a:cs typeface="Times New Roman" panose="02020603050405020304" pitchFamily="18" charset="0"/>
+              </a:rPr>
+              <a:t>	</a:t>
+            </a:r>
+            <a:r>
+              <a:rPr lang="en-US" sz="2400" dirty="0" smtClean="0">
+                <a:latin typeface="Times New Roman" panose="02020603050405020304" pitchFamily="18" charset="0"/>
+                <a:cs typeface="Times New Roman" panose="02020603050405020304" pitchFamily="18" charset="0"/>
+              </a:rPr>
+              <a:t>	</a:t>
+            </a:r>
+            <a:r>
+              <a:rPr lang="en-US" sz="2400" dirty="0">
+                <a:solidFill>
+                  <a:schemeClr val="accent6">
+                    <a:lumMod val="75000"/>
+                  </a:schemeClr>
+                </a:solidFill>
+                <a:latin typeface="Times New Roman" panose="02020603050405020304" pitchFamily="18" charset="0"/>
+                <a:cs typeface="Times New Roman" panose="02020603050405020304" pitchFamily="18" charset="0"/>
+              </a:rPr>
               <a:t> </a:t>
             </a:r>
             <a:r>
-              <a:rPr lang="en-US" dirty="0" smtClean="0"/>
-              <a:t>For this reason, it is the goal of SCM system to be able to identify the changes made for a particular feature and remove the changes from one iteration and retarget them to the next.</a:t>
-            </a:r>
-          </a:p>
-          <a:p>
-            <a:pPr>
+              <a:rPr lang="en-US" sz="2400" dirty="0" smtClean="0">
+                <a:solidFill>
+                  <a:schemeClr val="accent6">
+                    <a:lumMod val="75000"/>
+                  </a:schemeClr>
+                </a:solidFill>
+                <a:latin typeface="Times New Roman" panose="02020603050405020304" pitchFamily="18" charset="0"/>
+                <a:cs typeface="Times New Roman" panose="02020603050405020304" pitchFamily="18" charset="0"/>
+              </a:rPr>
+              <a:t>“CHANGES </a:t>
+            </a:r>
+            <a:r>
+              <a:rPr lang="en-US" sz="2400" dirty="0">
+                <a:solidFill>
+                  <a:schemeClr val="accent6">
+                    <a:lumMod val="75000"/>
+                  </a:schemeClr>
+                </a:solidFill>
+                <a:latin typeface="Times New Roman" panose="02020603050405020304" pitchFamily="18" charset="0"/>
+                <a:cs typeface="Times New Roman" panose="02020603050405020304" pitchFamily="18" charset="0"/>
+              </a:rPr>
+              <a:t>ARE ALWAYS </a:t>
+            </a:r>
+            <a:r>
+              <a:rPr lang="en-US" sz="2400" dirty="0" smtClean="0">
+                <a:solidFill>
+                  <a:schemeClr val="accent6">
+                    <a:lumMod val="75000"/>
+                  </a:schemeClr>
+                </a:solidFill>
+                <a:latin typeface="Times New Roman" panose="02020603050405020304" pitchFamily="18" charset="0"/>
+                <a:cs typeface="Times New Roman" panose="02020603050405020304" pitchFamily="18" charset="0"/>
+              </a:rPr>
+              <a:t>CONSTANT”</a:t>
+            </a:r>
+          </a:p>
+          <a:p>
+            <a:pPr marL="0" indent="0">
               <a:buNone/>
             </a:pPr>
             <a:r>
-              <a:rPr lang="en-US" dirty="0" smtClean="0"/>
-              <a:t/>
-            </a:r>
-            <a:br>
-              <a:rPr lang="en-US" dirty="0" smtClean="0"/>
-            </a:br>
-            <a:endParaRPr lang="en-US" dirty="0"/>
+              <a:rPr lang="en-US" sz="2400" dirty="0" smtClean="0">
+                <a:solidFill>
+                  <a:srgbClr val="FF0000"/>
+                </a:solidFill>
+                <a:latin typeface="Times New Roman" panose="02020603050405020304" pitchFamily="18" charset="0"/>
+                <a:cs typeface="Times New Roman" panose="02020603050405020304" pitchFamily="18" charset="0"/>
+              </a:rPr>
+              <a:t>	</a:t>
+            </a:r>
+            <a:endParaRPr lang="en-US" sz="2400" dirty="0">
+              <a:solidFill>
+                <a:srgbClr val="FF0000"/>
+              </a:solidFill>
+              <a:latin typeface="Times New Roman" panose="02020603050405020304" pitchFamily="18" charset="0"/>
+              <a:cs typeface="Times New Roman" panose="02020603050405020304" pitchFamily="18" charset="0"/>
+            </a:endParaRPr>
+          </a:p>
+          <a:p>
+            <a:pPr marL="0" indent="0">
+              <a:buNone/>
+            </a:pPr>
+            <a:endParaRPr lang="en-US" sz="1800" dirty="0" smtClean="0">
+              <a:latin typeface="Times New Roman" panose="02020603050405020304" pitchFamily="18" charset="0"/>
+              <a:cs typeface="Times New Roman" panose="02020603050405020304" pitchFamily="18" charset="0"/>
+            </a:endParaRPr>
+          </a:p>
+          <a:p>
+            <a:pPr marL="0" indent="0">
+              <a:buNone/>
+            </a:pPr>
+            <a:endParaRPr lang="en-US" sz="1800" dirty="0" smtClean="0">
+              <a:latin typeface="Times New Roman" panose="02020603050405020304" pitchFamily="18" charset="0"/>
+              <a:cs typeface="Times New Roman" panose="02020603050405020304" pitchFamily="18" charset="0"/>
+            </a:endParaRPr>
+          </a:p>
+          <a:p>
+            <a:pPr marL="0" indent="0">
+              <a:buNone/>
+            </a:pPr>
+            <a:endParaRPr lang="en-US" sz="1800" dirty="0">
+              <a:latin typeface="Times New Roman" panose="02020603050405020304" pitchFamily="18" charset="0"/>
+              <a:cs typeface="Times New Roman" panose="02020603050405020304" pitchFamily="18" charset="0"/>
+            </a:endParaRPr>
           </a:p>
         </p:txBody>
       </p:sp>
     </p:spTree>
+    <p:extLst>
+      <p:ext uri="{BB962C8B-B14F-4D97-AF65-F5344CB8AC3E}">
+        <p14:creationId xmlns:p14="http://schemas.microsoft.com/office/powerpoint/2010/main" val="4069539692"/>
+      </p:ext>
+    </p:extLst>
   </p:cSld>
   <p:clrMapOvr>
     <a:masterClrMapping/>
   </p:clrMapOvr>
+  <p:timing>
+    <p:tnLst>
+      <p:par>
+        <p:cTn id="1" dur="indefinite" restart="never" nodeType="tmRoot"/>
+      </p:par>
+    </p:tnLst>
+  </p:timing>
 </p:sld>
 </file>
 
@@ -4160,10 +4697,10 @@
           <a:lstStyle/>
           <a:p>
             <a:r>
-              <a:rPr lang="en-US" i="1" dirty="0" smtClean="0"/>
+              <a:rPr lang="en-US" b="1" i="1" dirty="0" smtClean="0"/>
               <a:t>Agenda</a:t>
             </a:r>
-            <a:endParaRPr lang="en-US" i="1" dirty="0"/>
+            <a:endParaRPr lang="en-US" b="1" i="1" dirty="0"/>
           </a:p>
         </p:txBody>
       </p:sp>
@@ -4181,6 +4718,101 @@
         <p:txBody>
           <a:bodyPr/>
           <a:lstStyle/>
+          <a:p>
+            <a:r>
+              <a:rPr lang="en-US" sz="2400" i="1" dirty="0">
+                <a:latin typeface="Times New Roman" panose="02020603050405020304" pitchFamily="18" charset="0"/>
+                <a:cs typeface="Times New Roman" panose="02020603050405020304" pitchFamily="18" charset="0"/>
+              </a:rPr>
+              <a:t>Configuration </a:t>
+            </a:r>
+            <a:r>
+              <a:rPr lang="en-US" sz="2400" i="1" dirty="0" smtClean="0">
+                <a:latin typeface="Times New Roman" panose="02020603050405020304" pitchFamily="18" charset="0"/>
+                <a:cs typeface="Times New Roman" panose="02020603050405020304" pitchFamily="18" charset="0"/>
+              </a:rPr>
+              <a:t>Management</a:t>
+            </a:r>
+          </a:p>
+          <a:p>
+            <a:r>
+              <a:rPr lang="en-US" sz="2400" i="1" dirty="0">
+                <a:latin typeface="Times New Roman" panose="02020603050405020304" pitchFamily="18" charset="0"/>
+                <a:cs typeface="Times New Roman" panose="02020603050405020304" pitchFamily="18" charset="0"/>
+              </a:rPr>
+              <a:t>SCM </a:t>
+            </a:r>
+            <a:r>
+              <a:rPr lang="en-US" sz="2400" i="1" dirty="0" smtClean="0">
+                <a:latin typeface="Times New Roman" panose="02020603050405020304" pitchFamily="18" charset="0"/>
+                <a:cs typeface="Times New Roman" panose="02020603050405020304" pitchFamily="18" charset="0"/>
+              </a:rPr>
+              <a:t>Process</a:t>
+            </a:r>
+          </a:p>
+          <a:p>
+            <a:r>
+              <a:rPr lang="en-US" sz="2400" i="1" dirty="0">
+                <a:latin typeface="Times New Roman" panose="02020603050405020304" pitchFamily="18" charset="0"/>
+                <a:cs typeface="Times New Roman" panose="02020603050405020304" pitchFamily="18" charset="0"/>
+              </a:rPr>
+              <a:t>Version </a:t>
+            </a:r>
+            <a:r>
+              <a:rPr lang="en-US" sz="2400" i="1" dirty="0" smtClean="0">
+                <a:latin typeface="Times New Roman" panose="02020603050405020304" pitchFamily="18" charset="0"/>
+                <a:cs typeface="Times New Roman" panose="02020603050405020304" pitchFamily="18" charset="0"/>
+              </a:rPr>
+              <a:t>Control</a:t>
+            </a:r>
+          </a:p>
+          <a:p>
+            <a:r>
+              <a:rPr lang="en-US" sz="2400" i="1" dirty="0" smtClean="0">
+                <a:latin typeface="Times New Roman" panose="02020603050405020304" pitchFamily="18" charset="0"/>
+                <a:cs typeface="Times New Roman" panose="02020603050405020304" pitchFamily="18" charset="0"/>
+              </a:rPr>
+              <a:t>Baselines</a:t>
+            </a:r>
+          </a:p>
+          <a:p>
+            <a:r>
+              <a:rPr lang="en-US" sz="2400" i="1" dirty="0">
+                <a:latin typeface="Times New Roman" panose="02020603050405020304" pitchFamily="18" charset="0"/>
+                <a:cs typeface="Times New Roman" panose="02020603050405020304" pitchFamily="18" charset="0"/>
+              </a:rPr>
+              <a:t>SCM </a:t>
+            </a:r>
+            <a:r>
+              <a:rPr lang="en-US" sz="2400" i="1" dirty="0" smtClean="0">
+                <a:latin typeface="Times New Roman" panose="02020603050405020304" pitchFamily="18" charset="0"/>
+                <a:cs typeface="Times New Roman" panose="02020603050405020304" pitchFamily="18" charset="0"/>
+              </a:rPr>
+              <a:t>Practices</a:t>
+            </a:r>
+          </a:p>
+          <a:p>
+            <a:r>
+              <a:rPr lang="en-US" sz="2400" i="1" dirty="0">
+                <a:latin typeface="Times New Roman" panose="02020603050405020304" pitchFamily="18" charset="0"/>
+                <a:cs typeface="Times New Roman" panose="02020603050405020304" pitchFamily="18" charset="0"/>
+              </a:rPr>
+              <a:t>Benefits of SCM</a:t>
+            </a:r>
+            <a:endParaRPr lang="en-US" sz="2400" i="1" dirty="0" smtClean="0">
+              <a:latin typeface="Times New Roman" panose="02020603050405020304" pitchFamily="18" charset="0"/>
+              <a:cs typeface="Times New Roman" panose="02020603050405020304" pitchFamily="18" charset="0"/>
+            </a:endParaRPr>
+          </a:p>
+          <a:p>
+            <a:endParaRPr lang="en-US" i="1" dirty="0" smtClean="0"/>
+          </a:p>
+          <a:p>
+            <a:endParaRPr lang="en-US" i="1" dirty="0" smtClean="0"/>
+          </a:p>
+          <a:p>
+            <a:endParaRPr lang="en-US" i="1" dirty="0" smtClean="0"/>
+          </a:p>
           <a:p>
             <a:endParaRPr lang="en-US" dirty="0"/>
           </a:p>
@@ -4228,69 +4860,46 @@
             <p:ph idx="1"/>
           </p:nvPr>
         </p:nvSpPr>
-        <p:spPr>
-          <a:xfrm>
-            <a:off x="457200" y="457200"/>
-            <a:ext cx="8229600" cy="5668963"/>
-          </a:xfrm>
-        </p:spPr>
+        <p:spPr/>
         <p:txBody>
           <a:bodyPr/>
           <a:lstStyle/>
           <a:p>
-            <a:pPr>
+            <a:endParaRPr lang="en-US" dirty="0" smtClean="0"/>
+          </a:p>
+          <a:p>
+            <a:endParaRPr lang="en-US" dirty="0"/>
+          </a:p>
+          <a:p>
+            <a:pPr marL="0" indent="0">
               <a:buNone/>
             </a:pPr>
             <a:r>
-              <a:rPr lang="en-US" i="1" dirty="0" smtClean="0"/>
-              <a:t>-&gt;</a:t>
-            </a:r>
-            <a:r>
-              <a:rPr lang="en-US" b="1" i="1" dirty="0" smtClean="0"/>
-              <a:t>Refactoring </a:t>
-            </a:r>
-            <a:r>
-              <a:rPr lang="en-US" b="1" i="1" dirty="0" smtClean="0"/>
-              <a:t>support</a:t>
-            </a:r>
-          </a:p>
-          <a:p>
-            <a:pPr>
+              <a:rPr lang="en-US" dirty="0" smtClean="0"/>
+              <a:t>    		       </a:t>
+            </a:r>
+          </a:p>
+          <a:p>
+            <a:pPr marL="0" indent="0">
               <a:buNone/>
             </a:pPr>
             <a:r>
+              <a:rPr lang="en-US" dirty="0"/>
+              <a:t>	</a:t>
+            </a:r>
+            <a:r>
               <a:rPr lang="en-US" dirty="0" smtClean="0"/>
-              <a:t>		Code </a:t>
+              <a:t>			</a:t>
             </a:r>
             <a:r>
               <a:rPr lang="en-US" dirty="0" smtClean="0"/>
-              <a:t>must periodically be </a:t>
-            </a:r>
-            <a:r>
-              <a:rPr lang="en-US" dirty="0" err="1" smtClean="0"/>
-              <a:t>refactored</a:t>
-            </a:r>
-            <a:r>
-              <a:rPr lang="en-US" dirty="0" smtClean="0"/>
-              <a:t> to make it easier to understand and reusable for other features. Thus a goal of SCM to support refactoring of code and still be able to trace through the history of changes</a:t>
-            </a:r>
-            <a:r>
-              <a:rPr lang="en-US" dirty="0" smtClean="0"/>
-              <a:t>.</a:t>
-            </a:r>
-          </a:p>
-          <a:p>
-            <a:pPr>
-              <a:buNone/>
-            </a:pPr>
-            <a:r>
-              <a:rPr lang="en-US" i="1" dirty="0" smtClean="0"/>
-              <a:t/>
-            </a:r>
-            <a:br>
-              <a:rPr lang="en-US" i="1" dirty="0" smtClean="0"/>
-            </a:br>
-            <a:endParaRPr lang="en-US" i="1" dirty="0"/>
+              <a:t>  </a:t>
+            </a:r>
+            <a:r>
+              <a:rPr lang="en-US" sz="2800" dirty="0" smtClean="0"/>
+              <a:t>THANK  YOU…..</a:t>
+            </a:r>
+            <a:endParaRPr lang="en-US" sz="2800" dirty="0"/>
           </a:p>
         </p:txBody>
       </p:sp>
@@ -4299,69 +4908,13 @@
   <p:clrMapOvr>
     <a:masterClrMapping/>
   </p:clrMapOvr>
-</p:sld>
-</file>
-
-<file path=ppt/slides/slide21.xml><?xml version="1.0" encoding="utf-8"?>
-<p:sld xmlns:a="http://schemas.openxmlformats.org/drawingml/2006/main" xmlns:r="http://schemas.openxmlformats.org/officeDocument/2006/relationships" xmlns:p="http://schemas.openxmlformats.org/presentationml/2006/main">
-  <p:cSld>
-    <p:spTree>
-      <p:nvGrpSpPr>
-        <p:cNvPr id="1" name=""/>
-        <p:cNvGrpSpPr/>
-        <p:nvPr/>
-      </p:nvGrpSpPr>
-      <p:grpSpPr>
-        <a:xfrm>
-          <a:off x="0" y="0"/>
-          <a:ext cx="0" cy="0"/>
-          <a:chOff x="0" y="0"/>
-          <a:chExt cx="0" cy="0"/>
-        </a:xfrm>
-      </p:grpSpPr>
-      <p:sp>
-        <p:nvSpPr>
-          <p:cNvPr id="2" name="Title 1"/>
-          <p:cNvSpPr>
-            <a:spLocks noGrp="1"/>
-          </p:cNvSpPr>
-          <p:nvPr>
-            <p:ph type="title"/>
-          </p:nvPr>
-        </p:nvSpPr>
-        <p:spPr/>
-        <p:txBody>
-          <a:bodyPr/>
-          <a:lstStyle/>
-          <a:p>
-            <a:endParaRPr lang="en-US"/>
-          </a:p>
-        </p:txBody>
-      </p:sp>
-      <p:sp>
-        <p:nvSpPr>
-          <p:cNvPr id="3" name="Content Placeholder 2"/>
-          <p:cNvSpPr>
-            <a:spLocks noGrp="1"/>
-          </p:cNvSpPr>
-          <p:nvPr>
-            <p:ph idx="1"/>
-          </p:nvPr>
-        </p:nvSpPr>
-        <p:spPr/>
-        <p:txBody>
-          <a:bodyPr/>
-          <a:lstStyle/>
-          <a:p>
-            <a:endParaRPr lang="en-US"/>
-          </a:p>
-        </p:txBody>
-      </p:sp>
-    </p:spTree>
-  </p:cSld>
-  <p:clrMapOvr>
-    <a:masterClrMapping/>
-  </p:clrMapOvr>
+  <p:timing>
+    <p:tnLst>
+      <p:par>
+        <p:cTn id="1" dur="indefinite" restart="never" nodeType="tmRoot"/>
+      </p:par>
+    </p:tnLst>
+  </p:timing>
 </p:sld>
 </file>
 
@@ -4398,10 +4951,10 @@
           <a:lstStyle/>
           <a:p>
             <a:r>
-              <a:rPr lang="en-US" i="1" dirty="0" smtClean="0"/>
+              <a:rPr lang="en-US" b="1" i="1" dirty="0" smtClean="0"/>
               <a:t>Configuration Management</a:t>
             </a:r>
-            <a:endParaRPr lang="en-US" i="1" dirty="0"/>
+            <a:endParaRPr lang="en-US" b="1" i="1" dirty="0"/>
           </a:p>
         </p:txBody>
       </p:sp>
@@ -4425,9 +4978,33 @@
             </a:pPr>
             <a:r>
               <a:rPr lang="en-US" dirty="0" smtClean="0"/>
-              <a:t> 		Configuration management (CM) is the discipline of identifying the configuration of a system at distinct points in time for the purpose of systematically controlling changes to the configuration, and maintaining the integrity and traceability of the configuration throughout the system life cycle</a:t>
-            </a:r>
-            <a:endParaRPr lang="en-US" dirty="0"/>
+              <a:t> 		</a:t>
+            </a:r>
+            <a:r>
+              <a:rPr lang="en-US" sz="2400" dirty="0" smtClean="0">
+                <a:latin typeface="Times New Roman" panose="02020603050405020304" pitchFamily="18" charset="0"/>
+                <a:cs typeface="Times New Roman" panose="02020603050405020304" pitchFamily="18" charset="0"/>
+              </a:rPr>
+              <a:t>Configuration management (CM) is the discipline of identifying the configuration of a system at distinct points in time for the purpose of systematically controlling changes to the configuration, and maintaining the integrity and traceability of the configuration throughout the system life </a:t>
+            </a:r>
+            <a:r>
+              <a:rPr lang="en-US" sz="2400" dirty="0" smtClean="0">
+                <a:latin typeface="Times New Roman" panose="02020603050405020304" pitchFamily="18" charset="0"/>
+                <a:cs typeface="Times New Roman" panose="02020603050405020304" pitchFamily="18" charset="0"/>
+              </a:rPr>
+              <a:t>cycle</a:t>
+            </a:r>
+            <a:r>
+              <a:rPr lang="en-US" dirty="0" smtClean="0">
+                <a:latin typeface="Times New Roman" panose="02020603050405020304" pitchFamily="18" charset="0"/>
+                <a:cs typeface="Times New Roman" panose="02020603050405020304" pitchFamily="18" charset="0"/>
+              </a:rPr>
+              <a:t>.</a:t>
+            </a:r>
+            <a:endParaRPr lang="en-US" dirty="0">
+              <a:latin typeface="Times New Roman" panose="02020603050405020304" pitchFamily="18" charset="0"/>
+              <a:cs typeface="Times New Roman" panose="02020603050405020304" pitchFamily="18" charset="0"/>
+            </a:endParaRPr>
           </a:p>
         </p:txBody>
       </p:sp>
@@ -4475,15 +5052,14 @@
         </p:nvPicPr>
         <p:blipFill>
           <a:blip r:embed="rId2"/>
-          <a:srcRect/>
           <a:stretch>
             <a:fillRect/>
           </a:stretch>
         </p:blipFill>
         <p:spPr bwMode="auto">
           <a:xfrm>
-            <a:off x="838200" y="1143000"/>
-            <a:ext cx="7239000" cy="4544219"/>
+            <a:off x="914400" y="609600"/>
+            <a:ext cx="7467600" cy="5791200"/>
           </a:xfrm>
           <a:prstGeom prst="rect">
             <a:avLst/>
@@ -4540,16 +5116,25 @@
             <p:ph type="title"/>
           </p:nvPr>
         </p:nvSpPr>
-        <p:spPr/>
+        <p:spPr>
+          <a:xfrm>
+            <a:off x="3717" y="381000"/>
+            <a:ext cx="8229600" cy="1143000"/>
+          </a:xfrm>
+        </p:spPr>
         <p:txBody>
           <a:bodyPr/>
           <a:lstStyle/>
           <a:p>
             <a:r>
               <a:rPr lang="en-US" i="1" dirty="0" smtClean="0"/>
-              <a:t>Goals of SCM</a:t>
-            </a:r>
-            <a:endParaRPr lang="en-US" i="1" dirty="0"/>
+              <a:t>     </a:t>
+            </a:r>
+            <a:r>
+              <a:rPr lang="en-US" b="1" i="1" dirty="0" smtClean="0"/>
+              <a:t>Reasons for changes in S/W</a:t>
+            </a:r>
+            <a:endParaRPr lang="en-US" b="1" i="1" dirty="0"/>
           </a:p>
         </p:txBody>
       </p:sp>
@@ -4563,38 +5148,124 @@
             <p:ph idx="1"/>
           </p:nvPr>
         </p:nvSpPr>
-        <p:spPr/>
-        <p:txBody>
-          <a:bodyPr/>
-          <a:lstStyle/>
-          <a:p>
+        <p:spPr>
+          <a:xfrm>
+            <a:off x="457200" y="1412062"/>
+            <a:ext cx="8229600" cy="4525963"/>
+          </a:xfrm>
+        </p:spPr>
+        <p:txBody>
+          <a:bodyPr>
+            <a:normAutofit/>
+          </a:bodyPr>
+          <a:lstStyle/>
+          <a:p>
+            <a:pPr>
+              <a:buFont typeface="Wingdings" panose="05000000000000000000" pitchFamily="2" charset="2"/>
+              <a:buChar char="v"/>
+            </a:pPr>
+            <a:r>
+              <a:rPr lang="en-US" dirty="0"/>
+              <a:t>Changes in user requirements</a:t>
+            </a:r>
+            <a:endParaRPr lang="en-US" sz="2800" dirty="0"/>
+          </a:p>
+          <a:p>
+            <a:pPr>
+              <a:buFont typeface="Wingdings" panose="05000000000000000000" pitchFamily="2" charset="2"/>
+              <a:buChar char="v"/>
+            </a:pPr>
+            <a:r>
+              <a:rPr lang="en-US" dirty="0"/>
+              <a:t>Reengineering</a:t>
+            </a:r>
+          </a:p>
+          <a:p>
+            <a:pPr>
+              <a:buFont typeface="Wingdings" panose="05000000000000000000" pitchFamily="2" charset="2"/>
+              <a:buChar char="v"/>
+            </a:pPr>
+            <a:r>
+              <a:rPr lang="en-US" dirty="0"/>
+              <a:t>Error detection</a:t>
+            </a:r>
+          </a:p>
+          <a:p>
+            <a:pPr>
+              <a:buFont typeface="Wingdings" panose="05000000000000000000" pitchFamily="2" charset="2"/>
+              <a:buChar char="v"/>
+            </a:pPr>
+            <a:r>
+              <a:rPr lang="en-US" dirty="0"/>
+              <a:t>Adaptation to new </a:t>
+            </a:r>
             <a:r>
               <a:rPr lang="en-US" dirty="0" smtClean="0"/>
-              <a:t> Configuration Identification</a:t>
-            </a:r>
-          </a:p>
-          <a:p>
+              <a:t>technology</a:t>
+            </a:r>
+          </a:p>
+          <a:p>
+            <a:pPr marL="0" indent="0">
+              <a:buNone/>
+            </a:pPr>
+            <a:endParaRPr lang="en-US" b="1" i="1" dirty="0" smtClean="0"/>
+          </a:p>
+          <a:p>
+            <a:pPr marL="0" indent="0">
+              <a:buNone/>
+            </a:pPr>
+            <a:r>
+              <a:rPr lang="en-US" b="1" i="1" dirty="0" smtClean="0">
+                <a:latin typeface="Times New Roman" panose="02020603050405020304" pitchFamily="18" charset="0"/>
+                <a:cs typeface="Times New Roman" panose="02020603050405020304" pitchFamily="18" charset="0"/>
+              </a:rPr>
+              <a:t>PROBLEMS:</a:t>
+            </a:r>
+          </a:p>
+          <a:p>
+            <a:pPr>
+              <a:buFont typeface="Wingdings" panose="05000000000000000000" pitchFamily="2" charset="2"/>
+              <a:buChar char="v"/>
+            </a:pPr>
             <a:r>
               <a:rPr lang="en-US" dirty="0" smtClean="0"/>
-              <a:t> Status Accounting</a:t>
-            </a:r>
-          </a:p>
-          <a:p>
+              <a:t>Double Maintenance</a:t>
+            </a:r>
+          </a:p>
+          <a:p>
+            <a:pPr>
+              <a:buFont typeface="Wingdings" panose="05000000000000000000" pitchFamily="2" charset="2"/>
+              <a:buChar char="v"/>
+            </a:pPr>
             <a:r>
               <a:rPr lang="en-US" dirty="0" smtClean="0"/>
-              <a:t> Change Control</a:t>
-            </a:r>
-          </a:p>
-          <a:p>
-            <a:r>
-              <a:rPr lang="en-US" dirty="0" smtClean="0"/>
-              <a:t> Configuration Audit</a:t>
-            </a:r>
+              <a:t> </a:t>
+            </a:r>
+            <a:r>
+              <a:rPr lang="en-US" dirty="0"/>
+              <a:t>Simultaneous Update</a:t>
+            </a:r>
+          </a:p>
+          <a:p>
+            <a:pPr marL="0" indent="0">
+              <a:buNone/>
+            </a:pPr>
+            <a:endParaRPr lang="en-US" b="1" i="1" dirty="0"/>
+          </a:p>
+          <a:p>
+            <a:pPr marL="0" indent="0">
+              <a:buNone/>
+            </a:pPr>
             <a:endParaRPr lang="en-US" dirty="0"/>
           </a:p>
         </p:txBody>
       </p:sp>
     </p:spTree>
+    <p:extLst>
+      <p:ext uri="{BB962C8B-B14F-4D97-AF65-F5344CB8AC3E}">
+        <p14:creationId xmlns:p14="http://schemas.microsoft.com/office/powerpoint/2010/main" val="3804505497"/>
+      </p:ext>
+    </p:extLst>
   </p:cSld>
   <p:clrMapOvr>
     <a:masterClrMapping/>
@@ -4628,30 +5299,7 @@
       </p:grpSpPr>
       <p:sp>
         <p:nvSpPr>
-          <p:cNvPr id="2" name="Title 1"/>
-          <p:cNvSpPr>
-            <a:spLocks noGrp="1"/>
-          </p:cNvSpPr>
-          <p:nvPr>
-            <p:ph type="title"/>
-          </p:nvPr>
-        </p:nvSpPr>
-        <p:spPr/>
-        <p:txBody>
-          <a:bodyPr/>
-          <a:lstStyle/>
-          <a:p>
-            <a:r>
-              <a:rPr lang="en-US" i="1" dirty="0" smtClean="0"/>
-              <a:t>SCM Process</a:t>
-            </a:r>
-            <a:endParaRPr lang="en-US" i="1" dirty="0"/>
-          </a:p>
-        </p:txBody>
-      </p:sp>
-      <p:sp>
-        <p:nvSpPr>
-          <p:cNvPr id="3" name="Content Placeholder 2"/>
+          <p:cNvPr id="4" name="Content Placeholder 3"/>
           <p:cNvSpPr>
             <a:spLocks noGrp="1"/>
           </p:cNvSpPr>
@@ -4661,74 +5309,468 @@
         </p:nvSpPr>
         <p:spPr>
           <a:xfrm>
-            <a:off x="457200" y="1295400"/>
-            <a:ext cx="8229600" cy="4525963"/>
+            <a:off x="457200" y="381001"/>
+            <a:ext cx="4648200" cy="1981199"/>
           </a:xfrm>
+          <a:prstGeom prst="rect">
+            <a:avLst/>
+          </a:prstGeom>
+          <a:solidFill>
+            <a:schemeClr val="accent6">
+              <a:lumMod val="20000"/>
+              <a:lumOff val="80000"/>
+            </a:schemeClr>
+          </a:solidFill>
         </p:spPr>
-        <p:txBody>
-          <a:bodyPr>
+        <p:style>
+          <a:lnRef idx="2">
+            <a:schemeClr val="accent1">
+              <a:shade val="50000"/>
+            </a:schemeClr>
+          </a:lnRef>
+          <a:fillRef idx="1">
+            <a:schemeClr val="accent1"/>
+          </a:fillRef>
+          <a:effectRef idx="0">
+            <a:schemeClr val="accent1"/>
+          </a:effectRef>
+          <a:fontRef idx="minor">
+            <a:schemeClr val="lt1"/>
+          </a:fontRef>
+        </p:style>
+        <p:txBody>
+          <a:bodyPr rtlCol="0" anchor="ctr">
             <a:normAutofit lnSpcReduction="10000"/>
           </a:bodyPr>
           <a:lstStyle/>
           <a:p>
-            <a:pPr>
+            <a:pPr marL="0" indent="0" algn="ctr">
               <a:buNone/>
             </a:pPr>
-            <a:endParaRPr lang="en-US" dirty="0" smtClean="0"/>
-          </a:p>
-          <a:p>
-            <a:pPr>
-              <a:buNone/>
-            </a:pPr>
-            <a:r>
-              <a:rPr lang="en-US" dirty="0" smtClean="0"/>
-              <a:t> The SCM process defines a series of tasks:</a:t>
-            </a:r>
-          </a:p>
-          <a:p>
-            <a:r>
-              <a:rPr lang="en-US" dirty="0" smtClean="0"/>
-              <a:t>Identification of objects in the software configuration</a:t>
-            </a:r>
-          </a:p>
-          <a:p>
-            <a:r>
-              <a:rPr lang="en-US" dirty="0" smtClean="0"/>
-              <a:t>Version Control</a:t>
-            </a:r>
-          </a:p>
-          <a:p>
-            <a:r>
-              <a:rPr lang="en-US" dirty="0" smtClean="0"/>
-              <a:t>Change Control</a:t>
-            </a:r>
-          </a:p>
-          <a:p>
-            <a:r>
-              <a:rPr lang="en-US" dirty="0" smtClean="0"/>
-              <a:t>Configuration </a:t>
-            </a:r>
-            <a:r>
-              <a:rPr lang="en-US" dirty="0" smtClean="0"/>
-              <a:t>Audit</a:t>
-            </a:r>
-            <a:endParaRPr lang="en-US" dirty="0" smtClean="0"/>
-          </a:p>
-          <a:p>
-            <a:r>
-              <a:rPr lang="en-US" dirty="0" smtClean="0"/>
-              <a:t>Reporting</a:t>
-            </a:r>
-          </a:p>
-          <a:p>
-            <a:pPr>
-              <a:buNone/>
-            </a:pPr>
-            <a:endParaRPr lang="en-US" dirty="0"/>
+            <a:r>
+              <a:rPr lang="en-US" dirty="0">
+                <a:solidFill>
+                  <a:schemeClr val="tx1"/>
+                </a:solidFill>
+                <a:latin typeface="Times New Roman" panose="02020603050405020304" pitchFamily="18" charset="0"/>
+                <a:cs typeface="Times New Roman" panose="02020603050405020304" pitchFamily="18" charset="0"/>
+              </a:rPr>
+              <a:t>A software has been sold to many customers. For each customer, customization has been done and defects fixed during acceptance testing. Now a bug is detected in the </a:t>
+            </a:r>
+            <a:r>
+              <a:rPr lang="en-US" dirty="0" smtClean="0">
+                <a:solidFill>
+                  <a:schemeClr val="tx1"/>
+                </a:solidFill>
+                <a:latin typeface="Times New Roman" panose="02020603050405020304" pitchFamily="18" charset="0"/>
+                <a:cs typeface="Times New Roman" panose="02020603050405020304" pitchFamily="18" charset="0"/>
+              </a:rPr>
+              <a:t>base </a:t>
+            </a:r>
+            <a:r>
+              <a:rPr lang="en-US" dirty="0">
+                <a:solidFill>
+                  <a:schemeClr val="tx1"/>
+                </a:solidFill>
+                <a:latin typeface="Times New Roman" panose="02020603050405020304" pitchFamily="18" charset="0"/>
+                <a:cs typeface="Times New Roman" panose="02020603050405020304" pitchFamily="18" charset="0"/>
+              </a:rPr>
+              <a:t>version and the product manager is trying to fix it for all the customers </a:t>
+            </a:r>
+          </a:p>
+        </p:txBody>
+      </p:sp>
+      <p:sp>
+        <p:nvSpPr>
+          <p:cNvPr id="5" name="Rectangle 4"/>
+          <p:cNvSpPr/>
+          <p:nvPr/>
+        </p:nvSpPr>
+        <p:spPr>
+          <a:xfrm>
+            <a:off x="5334000" y="990599"/>
+            <a:ext cx="3574473" cy="838201"/>
+          </a:xfrm>
+          <a:prstGeom prst="rect">
+            <a:avLst/>
+          </a:prstGeom>
+          <a:solidFill>
+            <a:schemeClr val="tx2">
+              <a:lumMod val="20000"/>
+              <a:lumOff val="80000"/>
+            </a:schemeClr>
+          </a:solidFill>
+        </p:spPr>
+        <p:style>
+          <a:lnRef idx="2">
+            <a:schemeClr val="accent1">
+              <a:shade val="50000"/>
+            </a:schemeClr>
+          </a:lnRef>
+          <a:fillRef idx="1">
+            <a:schemeClr val="accent1"/>
+          </a:fillRef>
+          <a:effectRef idx="0">
+            <a:schemeClr val="accent1"/>
+          </a:effectRef>
+          <a:fontRef idx="minor">
+            <a:schemeClr val="lt1"/>
+          </a:fontRef>
+        </p:style>
+        <p:txBody>
+          <a:bodyPr rtlCol="0" anchor="ctr"/>
+          <a:lstStyle/>
+          <a:p>
+            <a:pPr algn="ctr"/>
+            <a:r>
+              <a:rPr lang="en-US" dirty="0">
+                <a:solidFill>
+                  <a:schemeClr val="tx1"/>
+                </a:solidFill>
+              </a:rPr>
+              <a:t>Double Maintenance</a:t>
+            </a:r>
+          </a:p>
+        </p:txBody>
+      </p:sp>
+      <p:sp>
+        <p:nvSpPr>
+          <p:cNvPr id="7" name="Rectangle 6"/>
+          <p:cNvSpPr/>
+          <p:nvPr/>
+        </p:nvSpPr>
+        <p:spPr>
+          <a:xfrm>
+            <a:off x="405161" y="2667000"/>
+            <a:ext cx="4724400" cy="1524000"/>
+          </a:xfrm>
+          <a:prstGeom prst="rect">
+            <a:avLst/>
+          </a:prstGeom>
+          <a:solidFill>
+            <a:schemeClr val="accent6">
+              <a:lumMod val="20000"/>
+              <a:lumOff val="80000"/>
+            </a:schemeClr>
+          </a:solidFill>
+        </p:spPr>
+        <p:style>
+          <a:lnRef idx="2">
+            <a:schemeClr val="accent1">
+              <a:shade val="50000"/>
+            </a:schemeClr>
+          </a:lnRef>
+          <a:fillRef idx="1">
+            <a:schemeClr val="accent1"/>
+          </a:fillRef>
+          <a:effectRef idx="0">
+            <a:schemeClr val="accent1"/>
+          </a:effectRef>
+          <a:fontRef idx="minor">
+            <a:schemeClr val="lt1"/>
+          </a:fontRef>
+        </p:style>
+        <p:txBody>
+          <a:bodyPr rtlCol="0" anchor="ctr"/>
+          <a:lstStyle/>
+          <a:p>
+            <a:pPr algn="ctr"/>
+            <a:r>
+              <a:rPr lang="en-US" dirty="0">
+                <a:solidFill>
+                  <a:schemeClr val="tx1"/>
+                </a:solidFill>
+              </a:rPr>
+              <a:t> </a:t>
+            </a:r>
+            <a:r>
+              <a:rPr lang="en-US" dirty="0">
+                <a:solidFill>
+                  <a:schemeClr val="tx1"/>
+                </a:solidFill>
+                <a:latin typeface="Times New Roman" panose="02020603050405020304" pitchFamily="18" charset="0"/>
+                <a:cs typeface="Times New Roman" panose="02020603050405020304" pitchFamily="18" charset="0"/>
+              </a:rPr>
+              <a:t>Person A has made a copy of he program to fix some bug. Without knowing that Person B also has made the same copy of the program to find some bug </a:t>
+            </a:r>
+          </a:p>
+        </p:txBody>
+      </p:sp>
+      <p:sp>
+        <p:nvSpPr>
+          <p:cNvPr id="8" name="Rectangle 7"/>
+          <p:cNvSpPr/>
+          <p:nvPr/>
+        </p:nvSpPr>
+        <p:spPr>
+          <a:xfrm>
+            <a:off x="5309839" y="2971800"/>
+            <a:ext cx="3574473" cy="762000"/>
+          </a:xfrm>
+          <a:prstGeom prst="rect">
+            <a:avLst/>
+          </a:prstGeom>
+          <a:solidFill>
+            <a:schemeClr val="tx2">
+              <a:lumMod val="20000"/>
+              <a:lumOff val="80000"/>
+            </a:schemeClr>
+          </a:solidFill>
+        </p:spPr>
+        <p:style>
+          <a:lnRef idx="2">
+            <a:schemeClr val="accent1">
+              <a:shade val="50000"/>
+            </a:schemeClr>
+          </a:lnRef>
+          <a:fillRef idx="1">
+            <a:schemeClr val="accent1"/>
+          </a:fillRef>
+          <a:effectRef idx="0">
+            <a:schemeClr val="accent1"/>
+          </a:effectRef>
+          <a:fontRef idx="minor">
+            <a:schemeClr val="lt1"/>
+          </a:fontRef>
+        </p:style>
+        <p:txBody>
+          <a:bodyPr rtlCol="0" anchor="ctr"/>
+          <a:lstStyle/>
+          <a:p>
+            <a:pPr algn="ctr"/>
+            <a:r>
+              <a:rPr lang="en-US" dirty="0">
+                <a:solidFill>
+                  <a:schemeClr val="tx1"/>
+                </a:solidFill>
+              </a:rPr>
+              <a:t>Simultaneous Update</a:t>
+            </a:r>
+          </a:p>
+        </p:txBody>
+      </p:sp>
+      <p:sp>
+        <p:nvSpPr>
+          <p:cNvPr id="9" name="Rectangle 8"/>
+          <p:cNvSpPr/>
+          <p:nvPr/>
+        </p:nvSpPr>
+        <p:spPr>
+          <a:xfrm>
+            <a:off x="381000" y="4495800"/>
+            <a:ext cx="4724400" cy="1066800"/>
+          </a:xfrm>
+          <a:prstGeom prst="rect">
+            <a:avLst/>
+          </a:prstGeom>
+          <a:solidFill>
+            <a:schemeClr val="accent6">
+              <a:lumMod val="20000"/>
+              <a:lumOff val="80000"/>
+            </a:schemeClr>
+          </a:solidFill>
+        </p:spPr>
+        <p:style>
+          <a:lnRef idx="2">
+            <a:schemeClr val="accent1">
+              <a:shade val="50000"/>
+            </a:schemeClr>
+          </a:lnRef>
+          <a:fillRef idx="1">
+            <a:schemeClr val="accent1"/>
+          </a:fillRef>
+          <a:effectRef idx="0">
+            <a:schemeClr val="accent1"/>
+          </a:effectRef>
+          <a:fontRef idx="minor">
+            <a:schemeClr val="lt1"/>
+          </a:fontRef>
+        </p:style>
+        <p:txBody>
+          <a:bodyPr rtlCol="0" anchor="ctr"/>
+          <a:lstStyle/>
+          <a:p>
+            <a:pPr algn="ctr"/>
+            <a:r>
+              <a:rPr lang="en-US" dirty="0">
+                <a:solidFill>
+                  <a:schemeClr val="tx1"/>
+                </a:solidFill>
+                <a:latin typeface="Times New Roman" panose="02020603050405020304" pitchFamily="18" charset="0"/>
+                <a:cs typeface="Times New Roman" panose="02020603050405020304" pitchFamily="18" charset="0"/>
+              </a:rPr>
+              <a:t>The customer wants the software to meet the new conditions set by its regulatory body for its audit</a:t>
+            </a:r>
+          </a:p>
+        </p:txBody>
+      </p:sp>
+      <p:sp>
+        <p:nvSpPr>
+          <p:cNvPr id="10" name="Rectangle 9"/>
+          <p:cNvSpPr/>
+          <p:nvPr/>
+        </p:nvSpPr>
+        <p:spPr>
+          <a:xfrm>
+            <a:off x="5363688" y="4724400"/>
+            <a:ext cx="3544785" cy="609600"/>
+          </a:xfrm>
+          <a:prstGeom prst="rect">
+            <a:avLst/>
+          </a:prstGeom>
+          <a:solidFill>
+            <a:schemeClr val="tx2">
+              <a:lumMod val="20000"/>
+              <a:lumOff val="80000"/>
+            </a:schemeClr>
+          </a:solidFill>
+        </p:spPr>
+        <p:style>
+          <a:lnRef idx="2">
+            <a:schemeClr val="accent1">
+              <a:shade val="50000"/>
+            </a:schemeClr>
+          </a:lnRef>
+          <a:fillRef idx="1">
+            <a:schemeClr val="accent1"/>
+          </a:fillRef>
+          <a:effectRef idx="0">
+            <a:schemeClr val="accent1"/>
+          </a:effectRef>
+          <a:fontRef idx="minor">
+            <a:schemeClr val="lt1"/>
+          </a:fontRef>
+        </p:style>
+        <p:txBody>
+          <a:bodyPr rtlCol="0" anchor="ctr"/>
+          <a:lstStyle/>
+          <a:p>
+            <a:pPr algn="ctr"/>
+            <a:r>
+              <a:rPr lang="en-US" dirty="0">
+                <a:solidFill>
+                  <a:schemeClr val="tx1"/>
+                </a:solidFill>
+              </a:rPr>
+              <a:t>Change in user Requirements</a:t>
+            </a:r>
+          </a:p>
+        </p:txBody>
+      </p:sp>
+      <p:sp>
+        <p:nvSpPr>
+          <p:cNvPr id="11" name="Rectangle 10"/>
+          <p:cNvSpPr/>
+          <p:nvPr/>
+        </p:nvSpPr>
+        <p:spPr>
+          <a:xfrm>
+            <a:off x="381000" y="5867400"/>
+            <a:ext cx="4724400" cy="914400"/>
+          </a:xfrm>
+          <a:prstGeom prst="rect">
+            <a:avLst/>
+          </a:prstGeom>
+          <a:solidFill>
+            <a:schemeClr val="accent6">
+              <a:lumMod val="20000"/>
+              <a:lumOff val="80000"/>
+            </a:schemeClr>
+          </a:solidFill>
+        </p:spPr>
+        <p:style>
+          <a:lnRef idx="2">
+            <a:schemeClr val="accent1">
+              <a:shade val="50000"/>
+            </a:schemeClr>
+          </a:lnRef>
+          <a:fillRef idx="1">
+            <a:schemeClr val="accent1"/>
+          </a:fillRef>
+          <a:effectRef idx="0">
+            <a:schemeClr val="accent1"/>
+          </a:effectRef>
+          <a:fontRef idx="minor">
+            <a:schemeClr val="lt1"/>
+          </a:fontRef>
+        </p:style>
+        <p:txBody>
+          <a:bodyPr rtlCol="0" anchor="ctr"/>
+          <a:lstStyle/>
+          <a:p>
+            <a:pPr algn="ctr"/>
+            <a:r>
+              <a:rPr lang="en-US" dirty="0">
+                <a:solidFill>
+                  <a:schemeClr val="tx1"/>
+                </a:solidFill>
+                <a:latin typeface="Times New Roman" panose="02020603050405020304" pitchFamily="18" charset="0"/>
+                <a:cs typeface="Times New Roman" panose="02020603050405020304" pitchFamily="18" charset="0"/>
+              </a:rPr>
+              <a:t>The customer wants the software to work for its new version of database</a:t>
+            </a:r>
+          </a:p>
+        </p:txBody>
+      </p:sp>
+      <p:sp>
+        <p:nvSpPr>
+          <p:cNvPr id="12" name="Rectangle 11"/>
+          <p:cNvSpPr/>
+          <p:nvPr/>
+        </p:nvSpPr>
+        <p:spPr>
+          <a:xfrm>
+            <a:off x="5363689" y="6019800"/>
+            <a:ext cx="3520624" cy="609600"/>
+          </a:xfrm>
+          <a:prstGeom prst="rect">
+            <a:avLst/>
+          </a:prstGeom>
+          <a:solidFill>
+            <a:schemeClr val="tx2">
+              <a:lumMod val="20000"/>
+              <a:lumOff val="80000"/>
+            </a:schemeClr>
+          </a:solidFill>
+        </p:spPr>
+        <p:style>
+          <a:lnRef idx="2">
+            <a:schemeClr val="accent1">
+              <a:shade val="50000"/>
+            </a:schemeClr>
+          </a:lnRef>
+          <a:fillRef idx="1">
+            <a:schemeClr val="accent1"/>
+          </a:fillRef>
+          <a:effectRef idx="0">
+            <a:schemeClr val="accent1"/>
+          </a:effectRef>
+          <a:fontRef idx="minor">
+            <a:schemeClr val="lt1"/>
+          </a:fontRef>
+        </p:style>
+        <p:txBody>
+          <a:bodyPr rtlCol="0" anchor="ctr"/>
+          <a:lstStyle/>
+          <a:p>
+            <a:pPr algn="ctr"/>
+            <a:r>
+              <a:rPr lang="en-US" dirty="0">
+                <a:solidFill>
+                  <a:schemeClr val="tx1"/>
+                </a:solidFill>
+              </a:rPr>
+              <a:t>Adaptation to new technology</a:t>
+            </a:r>
           </a:p>
         </p:txBody>
       </p:sp>
     </p:spTree>
+    <p:extLst>
+      <p:ext uri="{BB962C8B-B14F-4D97-AF65-F5344CB8AC3E}">
+        <p14:creationId xmlns:p14="http://schemas.microsoft.com/office/powerpoint/2010/main" val="305393413"/>
+      </p:ext>
+    </p:extLst>
   </p:cSld>
   <p:clrMapOvr>
     <a:masterClrMapping/>
@@ -4736,9 +5778,412 @@
   <p:timing>
     <p:tnLst>
       <p:par>
-        <p:cTn id="1" dur="indefinite" restart="never" nodeType="tmRoot"/>
+        <p:cTn id="1" dur="indefinite" restart="never" nodeType="tmRoot">
+          <p:childTnLst>
+            <p:seq concurrent="1" nextAc="seek">
+              <p:cTn id="2" dur="indefinite" nodeType="mainSeq">
+                <p:childTnLst>
+                  <p:par>
+                    <p:cTn id="3" fill="hold">
+                      <p:stCondLst>
+                        <p:cond delay="indefinite"/>
+                      </p:stCondLst>
+                      <p:childTnLst>
+                        <p:par>
+                          <p:cTn id="4" fill="hold">
+                            <p:stCondLst>
+                              <p:cond delay="0"/>
+                            </p:stCondLst>
+                            <p:childTnLst>
+                              <p:par>
+                                <p:cTn id="5" presetID="10" presetClass="entr" presetSubtype="0" fill="hold" grpId="0" nodeType="clickEffect">
+                                  <p:stCondLst>
+                                    <p:cond delay="0"/>
+                                  </p:stCondLst>
+                                  <p:childTnLst>
+                                    <p:set>
+                                      <p:cBhvr>
+                                        <p:cTn id="6" dur="1" fill="hold">
+                                          <p:stCondLst>
+                                            <p:cond delay="0"/>
+                                          </p:stCondLst>
+                                        </p:cTn>
+                                        <p:tgtEl>
+                                          <p:spTgt spid="5"/>
+                                        </p:tgtEl>
+                                        <p:attrNameLst>
+                                          <p:attrName>style.visibility</p:attrName>
+                                        </p:attrNameLst>
+                                      </p:cBhvr>
+                                      <p:to>
+                                        <p:strVal val="visible"/>
+                                      </p:to>
+                                    </p:set>
+                                    <p:animEffect transition="in" filter="fade">
+                                      <p:cBhvr>
+                                        <p:cTn id="7" dur="500"/>
+                                        <p:tgtEl>
+                                          <p:spTgt spid="5"/>
+                                        </p:tgtEl>
+                                      </p:cBhvr>
+                                    </p:animEffect>
+                                  </p:childTnLst>
+                                </p:cTn>
+                              </p:par>
+                            </p:childTnLst>
+                          </p:cTn>
+                        </p:par>
+                      </p:childTnLst>
+                    </p:cTn>
+                  </p:par>
+                  <p:par>
+                    <p:cTn id="8" fill="hold">
+                      <p:stCondLst>
+                        <p:cond delay="indefinite"/>
+                      </p:stCondLst>
+                      <p:childTnLst>
+                        <p:par>
+                          <p:cTn id="9" fill="hold">
+                            <p:stCondLst>
+                              <p:cond delay="0"/>
+                            </p:stCondLst>
+                            <p:childTnLst>
+                              <p:par>
+                                <p:cTn id="10" presetID="10" presetClass="entr" presetSubtype="0" fill="hold" grpId="0" nodeType="clickEffect">
+                                  <p:stCondLst>
+                                    <p:cond delay="0"/>
+                                  </p:stCondLst>
+                                  <p:childTnLst>
+                                    <p:set>
+                                      <p:cBhvr>
+                                        <p:cTn id="11" dur="1" fill="hold">
+                                          <p:stCondLst>
+                                            <p:cond delay="0"/>
+                                          </p:stCondLst>
+                                        </p:cTn>
+                                        <p:tgtEl>
+                                          <p:spTgt spid="7"/>
+                                        </p:tgtEl>
+                                        <p:attrNameLst>
+                                          <p:attrName>style.visibility</p:attrName>
+                                        </p:attrNameLst>
+                                      </p:cBhvr>
+                                      <p:to>
+                                        <p:strVal val="visible"/>
+                                      </p:to>
+                                    </p:set>
+                                    <p:animEffect transition="in" filter="fade">
+                                      <p:cBhvr>
+                                        <p:cTn id="12" dur="500"/>
+                                        <p:tgtEl>
+                                          <p:spTgt spid="7"/>
+                                        </p:tgtEl>
+                                      </p:cBhvr>
+                                    </p:animEffect>
+                                  </p:childTnLst>
+                                </p:cTn>
+                              </p:par>
+                            </p:childTnLst>
+                          </p:cTn>
+                        </p:par>
+                      </p:childTnLst>
+                    </p:cTn>
+                  </p:par>
+                  <p:par>
+                    <p:cTn id="13" fill="hold">
+                      <p:stCondLst>
+                        <p:cond delay="indefinite"/>
+                      </p:stCondLst>
+                      <p:childTnLst>
+                        <p:par>
+                          <p:cTn id="14" fill="hold">
+                            <p:stCondLst>
+                              <p:cond delay="0"/>
+                            </p:stCondLst>
+                            <p:childTnLst>
+                              <p:par>
+                                <p:cTn id="15" presetID="10" presetClass="entr" presetSubtype="0" fill="hold" grpId="0" nodeType="clickEffect">
+                                  <p:stCondLst>
+                                    <p:cond delay="0"/>
+                                  </p:stCondLst>
+                                  <p:childTnLst>
+                                    <p:set>
+                                      <p:cBhvr>
+                                        <p:cTn id="16" dur="1" fill="hold">
+                                          <p:stCondLst>
+                                            <p:cond delay="0"/>
+                                          </p:stCondLst>
+                                        </p:cTn>
+                                        <p:tgtEl>
+                                          <p:spTgt spid="8"/>
+                                        </p:tgtEl>
+                                        <p:attrNameLst>
+                                          <p:attrName>style.visibility</p:attrName>
+                                        </p:attrNameLst>
+                                      </p:cBhvr>
+                                      <p:to>
+                                        <p:strVal val="visible"/>
+                                      </p:to>
+                                    </p:set>
+                                    <p:animEffect transition="in" filter="fade">
+                                      <p:cBhvr>
+                                        <p:cTn id="17" dur="500"/>
+                                        <p:tgtEl>
+                                          <p:spTgt spid="8"/>
+                                        </p:tgtEl>
+                                      </p:cBhvr>
+                                    </p:animEffect>
+                                  </p:childTnLst>
+                                </p:cTn>
+                              </p:par>
+                            </p:childTnLst>
+                          </p:cTn>
+                        </p:par>
+                      </p:childTnLst>
+                    </p:cTn>
+                  </p:par>
+                  <p:par>
+                    <p:cTn id="18" fill="hold">
+                      <p:stCondLst>
+                        <p:cond delay="indefinite"/>
+                      </p:stCondLst>
+                      <p:childTnLst>
+                        <p:par>
+                          <p:cTn id="19" fill="hold">
+                            <p:stCondLst>
+                              <p:cond delay="0"/>
+                            </p:stCondLst>
+                            <p:childTnLst>
+                              <p:par>
+                                <p:cTn id="20" presetID="10" presetClass="entr" presetSubtype="0" fill="hold" grpId="0" nodeType="clickEffect">
+                                  <p:stCondLst>
+                                    <p:cond delay="0"/>
+                                  </p:stCondLst>
+                                  <p:childTnLst>
+                                    <p:set>
+                                      <p:cBhvr>
+                                        <p:cTn id="21" dur="1" fill="hold">
+                                          <p:stCondLst>
+                                            <p:cond delay="0"/>
+                                          </p:stCondLst>
+                                        </p:cTn>
+                                        <p:tgtEl>
+                                          <p:spTgt spid="9"/>
+                                        </p:tgtEl>
+                                        <p:attrNameLst>
+                                          <p:attrName>style.visibility</p:attrName>
+                                        </p:attrNameLst>
+                                      </p:cBhvr>
+                                      <p:to>
+                                        <p:strVal val="visible"/>
+                                      </p:to>
+                                    </p:set>
+                                    <p:animEffect transition="in" filter="fade">
+                                      <p:cBhvr>
+                                        <p:cTn id="22" dur="500"/>
+                                        <p:tgtEl>
+                                          <p:spTgt spid="9"/>
+                                        </p:tgtEl>
+                                      </p:cBhvr>
+                                    </p:animEffect>
+                                  </p:childTnLst>
+                                </p:cTn>
+                              </p:par>
+                            </p:childTnLst>
+                          </p:cTn>
+                        </p:par>
+                      </p:childTnLst>
+                    </p:cTn>
+                  </p:par>
+                  <p:par>
+                    <p:cTn id="23" fill="hold">
+                      <p:stCondLst>
+                        <p:cond delay="indefinite"/>
+                      </p:stCondLst>
+                      <p:childTnLst>
+                        <p:par>
+                          <p:cTn id="24" fill="hold">
+                            <p:stCondLst>
+                              <p:cond delay="0"/>
+                            </p:stCondLst>
+                            <p:childTnLst>
+                              <p:par>
+                                <p:cTn id="25" presetID="10" presetClass="entr" presetSubtype="0" fill="hold" grpId="0" nodeType="clickEffect">
+                                  <p:stCondLst>
+                                    <p:cond delay="0"/>
+                                  </p:stCondLst>
+                                  <p:childTnLst>
+                                    <p:set>
+                                      <p:cBhvr>
+                                        <p:cTn id="26" dur="1" fill="hold">
+                                          <p:stCondLst>
+                                            <p:cond delay="0"/>
+                                          </p:stCondLst>
+                                        </p:cTn>
+                                        <p:tgtEl>
+                                          <p:spTgt spid="10"/>
+                                        </p:tgtEl>
+                                        <p:attrNameLst>
+                                          <p:attrName>style.visibility</p:attrName>
+                                        </p:attrNameLst>
+                                      </p:cBhvr>
+                                      <p:to>
+                                        <p:strVal val="visible"/>
+                                      </p:to>
+                                    </p:set>
+                                    <p:animEffect transition="in" filter="fade">
+                                      <p:cBhvr>
+                                        <p:cTn id="27" dur="500"/>
+                                        <p:tgtEl>
+                                          <p:spTgt spid="10"/>
+                                        </p:tgtEl>
+                                      </p:cBhvr>
+                                    </p:animEffect>
+                                  </p:childTnLst>
+                                </p:cTn>
+                              </p:par>
+                            </p:childTnLst>
+                          </p:cTn>
+                        </p:par>
+                      </p:childTnLst>
+                    </p:cTn>
+                  </p:par>
+                  <p:par>
+                    <p:cTn id="28" fill="hold">
+                      <p:stCondLst>
+                        <p:cond delay="indefinite"/>
+                      </p:stCondLst>
+                      <p:childTnLst>
+                        <p:par>
+                          <p:cTn id="29" fill="hold">
+                            <p:stCondLst>
+                              <p:cond delay="0"/>
+                            </p:stCondLst>
+                            <p:childTnLst>
+                              <p:par>
+                                <p:cTn id="30" presetID="10" presetClass="entr" presetSubtype="0" fill="hold" grpId="0" nodeType="clickEffect">
+                                  <p:stCondLst>
+                                    <p:cond delay="0"/>
+                                  </p:stCondLst>
+                                  <p:childTnLst>
+                                    <p:set>
+                                      <p:cBhvr>
+                                        <p:cTn id="31" dur="1" fill="hold">
+                                          <p:stCondLst>
+                                            <p:cond delay="0"/>
+                                          </p:stCondLst>
+                                        </p:cTn>
+                                        <p:tgtEl>
+                                          <p:spTgt spid="11"/>
+                                        </p:tgtEl>
+                                        <p:attrNameLst>
+                                          <p:attrName>style.visibility</p:attrName>
+                                        </p:attrNameLst>
+                                      </p:cBhvr>
+                                      <p:to>
+                                        <p:strVal val="visible"/>
+                                      </p:to>
+                                    </p:set>
+                                    <p:animEffect transition="in" filter="fade">
+                                      <p:cBhvr>
+                                        <p:cTn id="32" dur="500"/>
+                                        <p:tgtEl>
+                                          <p:spTgt spid="11"/>
+                                        </p:tgtEl>
+                                      </p:cBhvr>
+                                    </p:animEffect>
+                                  </p:childTnLst>
+                                </p:cTn>
+                              </p:par>
+                            </p:childTnLst>
+                          </p:cTn>
+                        </p:par>
+                      </p:childTnLst>
+                    </p:cTn>
+                  </p:par>
+                  <p:par>
+                    <p:cTn id="33" fill="hold">
+                      <p:stCondLst>
+                        <p:cond delay="indefinite"/>
+                      </p:stCondLst>
+                      <p:childTnLst>
+                        <p:par>
+                          <p:cTn id="34" fill="hold">
+                            <p:stCondLst>
+                              <p:cond delay="0"/>
+                            </p:stCondLst>
+                            <p:childTnLst>
+                              <p:par>
+                                <p:cTn id="35" presetID="10" presetClass="entr" presetSubtype="0" fill="hold" grpId="0" nodeType="clickEffect">
+                                  <p:stCondLst>
+                                    <p:cond delay="0"/>
+                                  </p:stCondLst>
+                                  <p:childTnLst>
+                                    <p:set>
+                                      <p:cBhvr>
+                                        <p:cTn id="36" dur="1" fill="hold">
+                                          <p:stCondLst>
+                                            <p:cond delay="0"/>
+                                          </p:stCondLst>
+                                        </p:cTn>
+                                        <p:tgtEl>
+                                          <p:spTgt spid="12"/>
+                                        </p:tgtEl>
+                                        <p:attrNameLst>
+                                          <p:attrName>style.visibility</p:attrName>
+                                        </p:attrNameLst>
+                                      </p:cBhvr>
+                                      <p:to>
+                                        <p:strVal val="visible"/>
+                                      </p:to>
+                                    </p:set>
+                                    <p:animEffect transition="in" filter="fade">
+                                      <p:cBhvr>
+                                        <p:cTn id="37" dur="500"/>
+                                        <p:tgtEl>
+                                          <p:spTgt spid="12"/>
+                                        </p:tgtEl>
+                                      </p:cBhvr>
+                                    </p:animEffect>
+                                  </p:childTnLst>
+                                </p:cTn>
+                              </p:par>
+                            </p:childTnLst>
+                          </p:cTn>
+                        </p:par>
+                      </p:childTnLst>
+                    </p:cTn>
+                  </p:par>
+                </p:childTnLst>
+              </p:cTn>
+              <p:prevCondLst>
+                <p:cond evt="onPrev" delay="0">
+                  <p:tgtEl>
+                    <p:sldTgt/>
+                  </p:tgtEl>
+                </p:cond>
+              </p:prevCondLst>
+              <p:nextCondLst>
+                <p:cond evt="onNext" delay="0">
+                  <p:tgtEl>
+                    <p:sldTgt/>
+                  </p:tgtEl>
+                </p:cond>
+              </p:nextCondLst>
+            </p:seq>
+          </p:childTnLst>
+        </p:cTn>
       </p:par>
     </p:tnLst>
+    <p:bldLst>
+      <p:bldP spid="5" grpId="0" animBg="1"/>
+      <p:bldP spid="7" grpId="0" animBg="1"/>
+      <p:bldP spid="8" grpId="0" animBg="1"/>
+      <p:bldP spid="9" grpId="0" animBg="1"/>
+      <p:bldP spid="10" grpId="0" animBg="1"/>
+      <p:bldP spid="11" grpId="0" animBg="1"/>
+      <p:bldP spid="12" grpId="0" animBg="1"/>
+    </p:bldLst>
   </p:timing>
 </p:sld>
 </file>
@@ -4770,16 +6215,21 @@
             <p:ph type="title"/>
           </p:nvPr>
         </p:nvSpPr>
-        <p:spPr/>
+        <p:spPr>
+          <a:xfrm>
+            <a:off x="689339" y="304800"/>
+            <a:ext cx="7765321" cy="1326321"/>
+          </a:xfrm>
+        </p:spPr>
         <p:txBody>
           <a:bodyPr/>
           <a:lstStyle/>
           <a:p>
             <a:r>
               <a:rPr lang="en-US" b="1" i="1" dirty="0" smtClean="0"/>
-              <a:t>Versions and Variants</a:t>
-            </a:r>
-            <a:endParaRPr lang="en-US" dirty="0"/>
+              <a:t>SCM Process</a:t>
+            </a:r>
+            <a:endParaRPr lang="en-US" b="1" i="1" dirty="0"/>
           </a:p>
         </p:txBody>
       </p:sp>
@@ -4793,7 +6243,12 @@
             <p:ph idx="1"/>
           </p:nvPr>
         </p:nvSpPr>
-        <p:spPr/>
+        <p:spPr>
+          <a:xfrm>
+            <a:off x="457200" y="1295400"/>
+            <a:ext cx="8229600" cy="4525963"/>
+          </a:xfrm>
+        </p:spPr>
         <p:txBody>
           <a:bodyPr>
             <a:normAutofit/>
@@ -4803,41 +6258,100 @@
             <a:pPr>
               <a:buNone/>
             </a:pPr>
+            <a:endParaRPr lang="en-US" dirty="0" smtClean="0"/>
+          </a:p>
+          <a:p>
+            <a:pPr>
+              <a:buNone/>
+            </a:pPr>
             <a:r>
               <a:rPr lang="en-US" dirty="0" smtClean="0"/>
-              <a:t>		One version is an instance of a configuration item or a system that differs in some form of another instance.</a:t>
+              <a:t>The </a:t>
+            </a:r>
+            <a:r>
+              <a:rPr lang="en-US" dirty="0" smtClean="0"/>
+              <a:t>SCM process defines a series of tasks:</a:t>
+            </a:r>
+          </a:p>
+          <a:p>
+            <a:r>
+              <a:rPr lang="en-US" dirty="0"/>
+              <a:t>Configuration Identification </a:t>
+            </a:r>
+            <a:endParaRPr lang="en-US" dirty="0" smtClean="0"/>
+          </a:p>
+          <a:p>
+            <a:r>
+              <a:rPr lang="en-US" dirty="0" smtClean="0"/>
+              <a:t>Version </a:t>
+            </a:r>
+            <a:r>
+              <a:rPr lang="en-US" dirty="0" smtClean="0"/>
+              <a:t>Control</a:t>
+            </a:r>
+          </a:p>
+          <a:p>
+            <a:r>
+              <a:rPr lang="en-US" dirty="0" smtClean="0"/>
+              <a:t>Change Control</a:t>
+            </a:r>
+          </a:p>
+          <a:p>
+            <a:r>
+              <a:rPr lang="en-US" dirty="0" smtClean="0"/>
+              <a:t>Configuration Audit</a:t>
+            </a:r>
+          </a:p>
+          <a:p>
+            <a:r>
+              <a:rPr lang="en-US" dirty="0" smtClean="0"/>
+              <a:t>Reporting</a:t>
             </a:r>
           </a:p>
           <a:p>
             <a:pPr>
               <a:buNone/>
             </a:pPr>
-            <a:r>
-              <a:rPr lang="en-US" b="1" dirty="0" smtClean="0"/>
-              <a:t>		Predecessor – Successor Record</a:t>
-            </a:r>
-          </a:p>
-          <a:p>
-            <a:pPr>
-              <a:buNone/>
-            </a:pPr>
-            <a:r>
-              <a:rPr lang="en-US" b="1" dirty="0" smtClean="0"/>
-              <a:t>		</a:t>
-            </a:r>
-            <a:r>
-              <a:rPr lang="en-US" dirty="0" smtClean="0"/>
-              <a:t>The variants are equivalent versions in functionality but differ in hardware or software environment</a:t>
-            </a:r>
             <a:endParaRPr lang="en-US" dirty="0"/>
           </a:p>
         </p:txBody>
       </p:sp>
+      <p:pic>
+        <p:nvPicPr>
+          <p:cNvPr id="5" name="Picture 4"/>
+          <p:cNvPicPr>
+            <a:picLocks noChangeAspect="1"/>
+          </p:cNvPicPr>
+          <p:nvPr/>
+        </p:nvPicPr>
+        <p:blipFill>
+          <a:blip r:embed="rId2"/>
+          <a:stretch>
+            <a:fillRect/>
+          </a:stretch>
+        </p:blipFill>
+        <p:spPr>
+          <a:xfrm>
+            <a:off x="4191000" y="2362201"/>
+            <a:ext cx="4695825" cy="4038600"/>
+          </a:xfrm>
+          <a:prstGeom prst="rect">
+            <a:avLst/>
+          </a:prstGeom>
+        </p:spPr>
+      </p:pic>
     </p:spTree>
   </p:cSld>
   <p:clrMapOvr>
     <a:masterClrMapping/>
   </p:clrMapOvr>
+  <p:timing>
+    <p:tnLst>
+      <p:par>
+        <p:cTn id="1" dur="indefinite" restart="never" nodeType="tmRoot"/>
+      </p:par>
+    </p:tnLst>
+  </p:timing>
 </p:sld>
 </file>
 
@@ -4874,10 +6388,10 @@
           <a:lstStyle/>
           <a:p>
             <a:r>
-              <a:rPr lang="en-US" i="1" dirty="0" smtClean="0"/>
-              <a:t>Tools for Version Control</a:t>
-            </a:r>
-            <a:endParaRPr lang="en-US" i="1" dirty="0"/>
+              <a:rPr lang="en-US" b="1" i="1" dirty="0" smtClean="0"/>
+              <a:t>Version Control</a:t>
+            </a:r>
+            <a:endParaRPr lang="en-US" dirty="0"/>
           </a:p>
         </p:txBody>
       </p:sp>
@@ -4894,56 +6408,101 @@
         <p:spPr/>
         <p:txBody>
           <a:bodyPr>
-            <a:normAutofit fontScale="92500"/>
+            <a:normAutofit/>
           </a:bodyPr>
           <a:lstStyle/>
           <a:p>
+            <a:pPr marL="0" indent="0">
+              <a:buNone/>
+            </a:pPr>
             <a:r>
               <a:rPr lang="en-US" dirty="0" smtClean="0"/>
-              <a:t>The core mission of a version control system is to enable collaborative editing and sharing of data.</a:t>
-            </a:r>
-          </a:p>
-          <a:p>
+              <a:t>	</a:t>
+            </a:r>
             <a:r>
               <a:rPr lang="en-US" dirty="0" smtClean="0"/>
-              <a:t>File sharing is the most common problem faced by all version control systems, so most of the systems use Version Control with Subversion.</a:t>
-            </a:r>
+              <a:t>Used </a:t>
+            </a:r>
+            <a:r>
+              <a:rPr lang="en-US" dirty="0"/>
+              <a:t>to keep track of various versions of software to access it </a:t>
+            </a:r>
+            <a:r>
+              <a:rPr lang="en-US" dirty="0" smtClean="0"/>
+              <a:t>easily.</a:t>
+            </a:r>
+          </a:p>
+          <a:p>
+            <a:pPr marL="0" indent="0">
+              <a:buNone/>
+            </a:pPr>
+            <a:endParaRPr lang="en-US" dirty="0"/>
           </a:p>
           <a:p>
             <a:pPr>
               <a:buNone/>
             </a:pPr>
             <a:r>
-              <a:rPr lang="en-US" dirty="0" smtClean="0"/>
-              <a:t> For this the solutions can be:</a:t>
-            </a:r>
-          </a:p>
-          <a:p>
-            <a:pPr>
-              <a:buNone/>
-            </a:pPr>
-            <a:r>
-              <a:rPr lang="en-US" dirty="0" smtClean="0"/>
-              <a:t>		-&gt; Lock-Modify-Unlock Solution</a:t>
-            </a:r>
-          </a:p>
-          <a:p>
-            <a:pPr>
-              <a:buNone/>
-            </a:pPr>
-            <a:r>
-              <a:rPr lang="en-US" dirty="0" smtClean="0"/>
-              <a:t>		-&gt;Copy-Modify-Merge Solution</a:t>
+              <a:rPr lang="en-US" b="1" dirty="0" smtClean="0"/>
+              <a:t>		</a:t>
             </a:r>
             <a:endParaRPr lang="en-US" dirty="0"/>
           </a:p>
         </p:txBody>
       </p:sp>
+      <p:pic>
+        <p:nvPicPr>
+          <p:cNvPr id="4" name="Picture 2" descr="C:\Users\xbbnld0\Desktop\6a0120a85dcdae970b0120a86da788970b-pi.png"/>
+          <p:cNvPicPr>
+            <a:picLocks noChangeAspect="1" noChangeArrowheads="1"/>
+          </p:cNvPicPr>
+          <p:nvPr/>
+        </p:nvPicPr>
+        <p:blipFill>
+          <a:blip r:embed="rId2">
+            <a:extLst>
+              <a:ext uri="{28A0092B-C50C-407E-A947-70E740481C1C}">
+                <a14:useLocalDpi xmlns:a14="http://schemas.microsoft.com/office/drawing/2010/main" val="0"/>
+              </a:ext>
+            </a:extLst>
+          </a:blip>
+          <a:srcRect/>
+          <a:stretch>
+            <a:fillRect/>
+          </a:stretch>
+        </p:blipFill>
+        <p:spPr bwMode="auto">
+          <a:xfrm>
+            <a:off x="990600" y="2971800"/>
+            <a:ext cx="6781800" cy="2743200"/>
+          </a:xfrm>
+          <a:prstGeom prst="rect">
+            <a:avLst/>
+          </a:prstGeom>
+          <a:noFill/>
+          <a:extLst>
+            <a:ext uri="{909E8E84-426E-40DD-AFC4-6F175D3DCCD1}">
+              <a14:hiddenFill xmlns:a14="http://schemas.microsoft.com/office/drawing/2010/main">
+                <a:solidFill>
+                  <a:srgbClr val="FFFFFF"/>
+                </a:solidFill>
+              </a14:hiddenFill>
+            </a:ext>
+          </a:extLst>
+        </p:spPr>
+      </p:pic>
     </p:spTree>
   </p:cSld>
   <p:clrMapOvr>
     <a:masterClrMapping/>
   </p:clrMapOvr>
+  <p:timing>
+    <p:tnLst>
+      <p:par>
+        <p:cTn id="1" dur="indefinite" restart="never" nodeType="tmRoot"/>
+      </p:par>
+    </p:tnLst>
+  </p:timing>
 </p:sld>
 </file>
 
@@ -4966,67 +6525,132 @@
       </p:grpSpPr>
       <p:sp>
         <p:nvSpPr>
-          <p:cNvPr id="2" name="Title 1"/>
-          <p:cNvSpPr>
-            <a:spLocks noGrp="1"/>
-          </p:cNvSpPr>
-          <p:nvPr>
-            <p:ph type="title"/>
-          </p:nvPr>
-        </p:nvSpPr>
-        <p:spPr/>
+          <p:cNvPr id="3" name="Content Placeholder 2"/>
+          <p:cNvSpPr>
+            <a:spLocks noGrp="1"/>
+          </p:cNvSpPr>
+          <p:nvPr>
+            <p:ph idx="1"/>
+          </p:nvPr>
+        </p:nvSpPr>
+        <p:spPr>
+          <a:xfrm>
+            <a:off x="457200" y="381000"/>
+            <a:ext cx="8229600" cy="5745163"/>
+          </a:xfrm>
+        </p:spPr>
         <p:txBody>
           <a:bodyPr/>
           <a:lstStyle/>
           <a:p>
-            <a:r>
-              <a:rPr lang="en-US" i="1" dirty="0" smtClean="0"/>
-              <a:t>Problem of file sharing</a:t>
-            </a:r>
-            <a:endParaRPr lang="en-US" i="1" dirty="0"/>
-          </a:p>
-        </p:txBody>
-      </p:sp>
-      <p:pic>
-        <p:nvPicPr>
-          <p:cNvPr id="4098" name="Picture 2"/>
-          <p:cNvPicPr>
-            <a:picLocks noGrp="1" noChangeAspect="1" noChangeArrowheads="1"/>
-          </p:cNvPicPr>
-          <p:nvPr>
-            <p:ph idx="1"/>
-          </p:nvPr>
-        </p:nvPicPr>
-        <p:blipFill>
-          <a:blip r:embed="rId2"/>
-          <a:srcRect/>
-          <a:stretch>
-            <a:fillRect/>
-          </a:stretch>
-        </p:blipFill>
-        <p:spPr bwMode="auto">
-          <a:xfrm>
-            <a:off x="609600" y="1600200"/>
-            <a:ext cx="8153400" cy="4953000"/>
-          </a:xfrm>
-          <a:prstGeom prst="rect">
-            <a:avLst/>
-          </a:prstGeom>
-          <a:noFill/>
-          <a:ln w="9525">
-            <a:noFill/>
-            <a:miter lim="800000"/>
-            <a:headEnd/>
-            <a:tailEnd/>
-          </a:ln>
-          <a:effectLst/>
-        </p:spPr>
-      </p:pic>
+            <a:pPr marL="0" indent="0">
+              <a:buNone/>
+            </a:pPr>
+            <a:r>
+              <a:rPr lang="en-US" sz="3200" b="1" i="1" dirty="0" smtClean="0">
+                <a:latin typeface="Times New Roman" panose="02020603050405020304" pitchFamily="18" charset="0"/>
+                <a:cs typeface="Times New Roman" panose="02020603050405020304" pitchFamily="18" charset="0"/>
+              </a:rPr>
+              <a:t>Version Mapping</a:t>
+            </a:r>
+            <a:endParaRPr lang="en-US" sz="3200" b="1" i="1" dirty="0">
+              <a:latin typeface="Times New Roman" panose="02020603050405020304" pitchFamily="18" charset="0"/>
+              <a:cs typeface="Times New Roman" panose="02020603050405020304" pitchFamily="18" charset="0"/>
+            </a:endParaRPr>
+          </a:p>
+          <a:p>
+            <a:endParaRPr lang="en-US" dirty="0" smtClean="0"/>
+          </a:p>
+          <a:p>
+            <a:r>
+              <a:rPr lang="en-US" dirty="0" smtClean="0">
+                <a:latin typeface="Times New Roman" panose="02020603050405020304" pitchFamily="18" charset="0"/>
+                <a:cs typeface="Times New Roman" panose="02020603050405020304" pitchFamily="18" charset="0"/>
+              </a:rPr>
+              <a:t>It </a:t>
+            </a:r>
+            <a:r>
+              <a:rPr lang="en-US" dirty="0">
+                <a:latin typeface="Times New Roman" panose="02020603050405020304" pitchFamily="18" charset="0"/>
+                <a:cs typeface="Times New Roman" panose="02020603050405020304" pitchFamily="18" charset="0"/>
+              </a:rPr>
+              <a:t>is a identification scheme to find out version number</a:t>
+            </a:r>
+          </a:p>
+          <a:p>
+            <a:r>
+              <a:rPr lang="en-US" dirty="0">
+                <a:latin typeface="Times New Roman" panose="02020603050405020304" pitchFamily="18" charset="0"/>
+                <a:cs typeface="Times New Roman" panose="02020603050405020304" pitchFamily="18" charset="0"/>
+              </a:rPr>
+              <a:t>One of the method is </a:t>
+            </a:r>
+            <a:r>
+              <a:rPr lang="en-US" dirty="0" err="1" smtClean="0">
+                <a:latin typeface="Times New Roman" panose="02020603050405020304" pitchFamily="18" charset="0"/>
+                <a:cs typeface="Times New Roman" panose="02020603050405020304" pitchFamily="18" charset="0"/>
+              </a:rPr>
+              <a:t>m.n</a:t>
+            </a:r>
+            <a:endParaRPr lang="en-US" dirty="0" smtClean="0">
+              <a:latin typeface="Times New Roman" panose="02020603050405020304" pitchFamily="18" charset="0"/>
+              <a:cs typeface="Times New Roman" panose="02020603050405020304" pitchFamily="18" charset="0"/>
+            </a:endParaRPr>
+          </a:p>
+          <a:p>
+            <a:r>
+              <a:rPr lang="en-US" dirty="0" smtClean="0">
+                <a:latin typeface="Times New Roman" panose="02020603050405020304" pitchFamily="18" charset="0"/>
+                <a:cs typeface="Times New Roman" panose="02020603050405020304" pitchFamily="18" charset="0"/>
+              </a:rPr>
+              <a:t>Used </a:t>
+            </a:r>
+            <a:r>
+              <a:rPr lang="en-US" dirty="0">
+                <a:latin typeface="Times New Roman" panose="02020603050405020304" pitchFamily="18" charset="0"/>
+                <a:cs typeface="Times New Roman" panose="02020603050405020304" pitchFamily="18" charset="0"/>
+              </a:rPr>
+              <a:t>to understand and support a particular version of a software product</a:t>
+            </a:r>
+          </a:p>
+          <a:p>
+            <a:r>
+              <a:rPr lang="en-US" dirty="0" smtClean="0">
+                <a:latin typeface="Times New Roman" panose="02020603050405020304" pitchFamily="18" charset="0"/>
+                <a:cs typeface="Times New Roman" panose="02020603050405020304" pitchFamily="18" charset="0"/>
+              </a:rPr>
+              <a:t>It </a:t>
+            </a:r>
+            <a:r>
+              <a:rPr lang="en-US" dirty="0">
+                <a:latin typeface="Times New Roman" panose="02020603050405020304" pitchFamily="18" charset="0"/>
+                <a:cs typeface="Times New Roman" panose="02020603050405020304" pitchFamily="18" charset="0"/>
+              </a:rPr>
+              <a:t>provide the information to build a software product</a:t>
+            </a:r>
+          </a:p>
+          <a:p>
+            <a:endParaRPr lang="en-US" dirty="0"/>
+          </a:p>
+        </p:txBody>
+      </p:sp>
     </p:spTree>
+    <p:extLst>
+      <p:ext uri="{BB962C8B-B14F-4D97-AF65-F5344CB8AC3E}">
+        <p14:creationId xmlns:p14="http://schemas.microsoft.com/office/powerpoint/2010/main" val="1242266969"/>
+      </p:ext>
+    </p:extLst>
   </p:cSld>
   <p:clrMapOvr>
     <a:masterClrMapping/>
   </p:clrMapOvr>
+  <p:timing>
+    <p:tnLst>
+      <p:par>
+        <p:cTn id="1" dur="indefinite" restart="never" nodeType="tmRoot"/>
+      </p:par>
+    </p:tnLst>
+  </p:timing>
 </p:sld>
 </file>
 
@@ -5041,44 +6665,44 @@
         <a:sysClr val="window" lastClr="FFFFFF"/>
       </a:lt1>
       <a:dk2>
-        <a:srgbClr val="1F497D"/>
+        <a:srgbClr val="44546A"/>
       </a:dk2>
       <a:lt2>
-        <a:srgbClr val="EEECE1"/>
+        <a:srgbClr val="E7E6E6"/>
       </a:lt2>
       <a:accent1>
-        <a:srgbClr val="4F81BD"/>
+        <a:srgbClr val="5B9BD5"/>
       </a:accent1>
       <a:accent2>
-        <a:srgbClr val="C0504D"/>
+        <a:srgbClr val="ED7D31"/>
       </a:accent2>
       <a:accent3>
-        <a:srgbClr val="9BBB59"/>
+        <a:srgbClr val="A5A5A5"/>
       </a:accent3>
       <a:accent4>
-        <a:srgbClr val="8064A2"/>
+        <a:srgbClr val="FFC000"/>
       </a:accent4>
       <a:accent5>
-        <a:srgbClr val="4BACC6"/>
+        <a:srgbClr val="4472C4"/>
       </a:accent5>
       <a:accent6>
-        <a:srgbClr val="F79646"/>
+        <a:srgbClr val="70AD47"/>
       </a:accent6>
       <a:hlink>
-        <a:srgbClr val="0000FF"/>
+        <a:srgbClr val="0563C1"/>
       </a:hlink>
       <a:folHlink>
-        <a:srgbClr val="800080"/>
+        <a:srgbClr val="954F72"/>
       </a:folHlink>
     </a:clrScheme>
     <a:fontScheme name="Office">
       <a:majorFont>
-        <a:latin typeface="Calibri"/>
+        <a:latin typeface="Calibri Light" panose="020F0302020204030204"/>
         <a:ea typeface=""/>
         <a:cs typeface=""/>
-        <a:font script="Jpan" typeface="ＭＳ Ｐゴシック"/>
+        <a:font script="Jpan" typeface="游ゴシック Light"/>
         <a:font script="Hang" typeface="맑은 고딕"/>
-        <a:font script="Hans" typeface="宋体"/>
+        <a:font script="Hans" typeface="等线 Light"/>
         <a:font script="Hant" typeface="新細明體"/>
         <a:font script="Arab" typeface="Times New Roman"/>
         <a:font script="Hebr" typeface="Times New Roman"/>
@@ -5105,14 +6729,15 @@
         <a:font script="Mong" typeface="Mongolian Baiti"/>
         <a:font script="Viet" typeface="Times New Roman"/>
         <a:font script="Uigh" typeface="Microsoft Uighur"/>
+        <a:font script="Geor" typeface="Sylfaen"/>
       </a:majorFont>
       <a:minorFont>
-        <a:latin typeface="Calibri"/>
+        <a:latin typeface="Calibri" panose="020F0502020204030204"/>
         <a:ea typeface=""/>
         <a:cs typeface=""/>
-        <a:font script="Jpan" typeface="ＭＳ Ｐゴシック"/>
+        <a:font script="Jpan" typeface="游ゴシック"/>
         <a:font script="Hang" typeface="맑은 고딕"/>
-        <a:font script="Hans" typeface="宋体"/>
+        <a:font script="Hans" typeface="等线"/>
         <a:font script="Hant" typeface="新細明體"/>
         <a:font script="Arab" typeface="Arial"/>
         <a:font script="Hebr" typeface="Arial"/>
@@ -5139,6 +6764,7 @@
         <a:font script="Mong" typeface="Mongolian Baiti"/>
         <a:font script="Viet" typeface="Arial"/>
         <a:font script="Uigh" typeface="Microsoft Uighur"/>
+        <a:font script="Geor" typeface="Sylfaen"/>
       </a:minorFont>
     </a:fontScheme>
     <a:fmtScheme name="Office">
@@ -5150,165 +6776,141 @@
           <a:gsLst>
             <a:gs pos="0">
               <a:schemeClr val="phClr">
-                <a:tint val="50000"/>
-                <a:satMod val="300000"/>
+                <a:lumMod val="110000"/>
+                <a:satMod val="105000"/>
+                <a:tint val="67000"/>
               </a:schemeClr>
             </a:gs>
-            <a:gs pos="35000">
+            <a:gs pos="50000">
               <a:schemeClr val="phClr">
-                <a:tint val="37000"/>
-                <a:satMod val="300000"/>
+                <a:lumMod val="105000"/>
+                <a:satMod val="103000"/>
+                <a:tint val="73000"/>
               </a:schemeClr>
             </a:gs>
             <a:gs pos="100000">
               <a:schemeClr val="phClr">
-                <a:tint val="15000"/>
-                <a:satMod val="350000"/>
+                <a:lumMod val="105000"/>
+                <a:satMod val="109000"/>
+                <a:tint val="81000"/>
               </a:schemeClr>
             </a:gs>
           </a:gsLst>
-          <a:lin ang="16200000" scaled="1"/>
+          <a:lin ang="5400000" scaled="0"/>
         </a:gradFill>
         <a:gradFill rotWithShape="1">
           <a:gsLst>
             <a:gs pos="0">
               <a:schemeClr val="phClr">
-                <a:shade val="51000"/>
-                <a:satMod val="130000"/>
+                <a:satMod val="103000"/>
+                <a:lumMod val="102000"/>
+                <a:tint val="94000"/>
               </a:schemeClr>
             </a:gs>
-            <a:gs pos="80000">
+            <a:gs pos="50000">
               <a:schemeClr val="phClr">
-                <a:shade val="93000"/>
-                <a:satMod val="130000"/>
+                <a:satMod val="110000"/>
+                <a:lumMod val="100000"/>
+                <a:shade val="100000"/>
               </a:schemeClr>
             </a:gs>
             <a:gs pos="100000">
               <a:schemeClr val="phClr">
-                <a:shade val="94000"/>
-                <a:satMod val="135000"/>
+                <a:lumMod val="99000"/>
+                <a:satMod val="120000"/>
+                <a:shade val="78000"/>
               </a:schemeClr>
             </a:gs>
           </a:gsLst>
-          <a:lin ang="16200000" scaled="0"/>
+          <a:lin ang="5400000" scaled="0"/>
         </a:gradFill>
       </a:fillStyleLst>
       <a:lnStyleLst>
-        <a:ln w="9525" cap="flat" cmpd="sng" algn="ctr">
-          <a:solidFill>
-            <a:schemeClr val="phClr">
-              <a:shade val="95000"/>
-              <a:satMod val="105000"/>
-            </a:schemeClr>
-          </a:solidFill>
-          <a:prstDash val="solid"/>
-        </a:ln>
-        <a:ln w="25400" cap="flat" cmpd="sng" algn="ctr">
+        <a:ln w="6350" cap="flat" cmpd="sng" algn="ctr">
           <a:solidFill>
             <a:schemeClr val="phClr"/>
           </a:solidFill>
           <a:prstDash val="solid"/>
+          <a:miter lim="800000"/>
         </a:ln>
-        <a:ln w="38100" cap="flat" cmpd="sng" algn="ctr">
+        <a:ln w="12700" cap="flat" cmpd="sng" algn="ctr">
           <a:solidFill>
             <a:schemeClr val="phClr"/>
           </a:solidFill>
           <a:prstDash val="solid"/>
+          <a:miter lim="800000"/>
+        </a:ln>
+        <a:ln w="19050" cap="flat" cmpd="sng" algn="ctr">
+          <a:solidFill>
+            <a:schemeClr val="phClr"/>
+          </a:solidFill>
+          <a:prstDash val="solid"/>
+          <a:miter lim="800000"/>
         </a:ln>
       </a:lnStyleLst>
       <a:effectStyleLst>
         <a:effectStyle>
+          <a:effectLst/>
+        </a:effectStyle>
+        <a:effectStyle>
+          <a:effectLst/>
+        </a:effectStyle>
+        <a:effectStyle>
           <a:effectLst>
-            <a:outerShdw blurRad="40000" dist="20000" dir="5400000" rotWithShape="0">
+            <a:outerShdw blurRad="57150" dist="19050" dir="5400000" algn="ctr" rotWithShape="0">
               <a:srgbClr val="000000">
-                <a:alpha val="38000"/>
+                <a:alpha val="63000"/>
               </a:srgbClr>
             </a:outerShdw>
           </a:effectLst>
-        </a:effectStyle>
-        <a:effectStyle>
-          <a:effectLst>
-            <a:outerShdw blurRad="40000" dist="23000" dir="5400000" rotWithShape="0">
-              <a:srgbClr val="000000">
-                <a:alpha val="35000"/>
-              </a:srgbClr>
-            </a:outerShdw>
-          </a:effectLst>
-        </a:effectStyle>
-        <a:effectStyle>
-          <a:effectLst>
-            <a:outerShdw blurRad="40000" dist="23000" dir="5400000" rotWithShape="0">
-              <a:srgbClr val="000000">
-                <a:alpha val="35000"/>
-              </a:srgbClr>
-            </a:outerShdw>
-          </a:effectLst>
-          <a:scene3d>
-            <a:camera prst="orthographicFront">
-              <a:rot lat="0" lon="0" rev="0"/>
-            </a:camera>
-            <a:lightRig rig="threePt" dir="t">
-              <a:rot lat="0" lon="0" rev="1200000"/>
-            </a:lightRig>
-          </a:scene3d>
-          <a:sp3d>
-            <a:bevelT w="63500" h="25400"/>
-          </a:sp3d>
         </a:effectStyle>
       </a:effectStyleLst>
       <a:bgFillStyleLst>
         <a:solidFill>
           <a:schemeClr val="phClr"/>
         </a:solidFill>
+        <a:solidFill>
+          <a:schemeClr val="phClr">
+            <a:tint val="95000"/>
+            <a:satMod val="170000"/>
+          </a:schemeClr>
+        </a:solidFill>
         <a:gradFill rotWithShape="1">
           <a:gsLst>
             <a:gs pos="0">
               <a:schemeClr val="phClr">
-                <a:tint val="40000"/>
-                <a:satMod val="350000"/>
+                <a:tint val="93000"/>
+                <a:satMod val="150000"/>
+                <a:shade val="98000"/>
+                <a:lumMod val="102000"/>
               </a:schemeClr>
             </a:gs>
-            <a:gs pos="40000">
+            <a:gs pos="50000">
               <a:schemeClr val="phClr">
-                <a:tint val="45000"/>
-                <a:shade val="99000"/>
-                <a:satMod val="350000"/>
+                <a:tint val="98000"/>
+                <a:satMod val="130000"/>
+                <a:shade val="90000"/>
+                <a:lumMod val="103000"/>
               </a:schemeClr>
             </a:gs>
             <a:gs pos="100000">
               <a:schemeClr val="phClr">
-                <a:shade val="20000"/>
-                <a:satMod val="255000"/>
+                <a:shade val="63000"/>
+                <a:satMod val="120000"/>
               </a:schemeClr>
             </a:gs>
           </a:gsLst>
-          <a:path path="circle">
-            <a:fillToRect l="50000" t="-80000" r="50000" b="180000"/>
-          </a:path>
-        </a:gradFill>
-        <a:gradFill rotWithShape="1">
-          <a:gsLst>
-            <a:gs pos="0">
-              <a:schemeClr val="phClr">
-                <a:tint val="80000"/>
-                <a:satMod val="300000"/>
-              </a:schemeClr>
-            </a:gs>
-            <a:gs pos="100000">
-              <a:schemeClr val="phClr">
-                <a:shade val="30000"/>
-                <a:satMod val="200000"/>
-              </a:schemeClr>
-            </a:gs>
-          </a:gsLst>
-          <a:path path="circle">
-            <a:fillToRect l="50000" t="50000" r="50000" b="50000"/>
-          </a:path>
+          <a:lin ang="5400000" scaled="0"/>
         </a:gradFill>
       </a:bgFillStyleLst>
     </a:fmtScheme>
   </a:themeElements>
   <a:objectDefaults/>
   <a:extraClrSchemeLst/>
+  <a:extLst>
+    <a:ext uri="{05A4C25C-085E-4340-85A3-A5531E510DB2}">
+      <thm15:themeFamily xmlns:thm15="http://schemas.microsoft.com/office/thememl/2012/main" name="Office Theme" id="{62F939B6-93AF-4DB8-9C6B-D6C7DFDC589F}" vid="{4A3C46E8-61CC-4603-A589-7422A47A8E4A}"/>
+    </a:ext>
+  </a:extLst>
 </a:theme>
 </file>